--- a/Documents/PJT-1 Review-2.pptx
+++ b/Documents/PJT-1 Review-2.pptx
@@ -5,7 +5,7 @@
     <p:sldMasterId id="2147483726" r:id="rId1"/>
   </p:sldMasterIdLst>
   <p:notesMasterIdLst>
-    <p:notesMasterId r:id="rId24"/>
+    <p:notesMasterId r:id="rId34"/>
   </p:notesMasterIdLst>
   <p:sldIdLst>
     <p:sldId id="256" r:id="rId2"/>
@@ -27,9 +27,19 @@
     <p:sldId id="272" r:id="rId18"/>
     <p:sldId id="273" r:id="rId19"/>
     <p:sldId id="274" r:id="rId20"/>
-    <p:sldId id="275" r:id="rId21"/>
-    <p:sldId id="276" r:id="rId22"/>
-    <p:sldId id="277" r:id="rId23"/>
+    <p:sldId id="283" r:id="rId21"/>
+    <p:sldId id="284" r:id="rId22"/>
+    <p:sldId id="285" r:id="rId23"/>
+    <p:sldId id="280" r:id="rId24"/>
+    <p:sldId id="281" r:id="rId25"/>
+    <p:sldId id="282" r:id="rId26"/>
+    <p:sldId id="286" r:id="rId27"/>
+    <p:sldId id="287" r:id="rId28"/>
+    <p:sldId id="288" r:id="rId29"/>
+    <p:sldId id="289" r:id="rId30"/>
+    <p:sldId id="290" r:id="rId31"/>
+    <p:sldId id="275" r:id="rId32"/>
+    <p:sldId id="277" r:id="rId33"/>
   </p:sldIdLst>
   <p:sldSz cx="12192000" cy="6858000"/>
   <p:notesSz cx="6858000" cy="9144000"/>
@@ -218,7 +228,7 @@
           <a:p>
             <a:fld id="{7FB0FB29-A34D-4095-95B7-E2BBB080FC28}" type="datetimeFigureOut">
               <a:rPr lang="en-IN" smtClean="0"/>
-              <a:t>07-11-2024</a:t>
+              <a:t>18-11-2024</a:t>
             </a:fld>
             <a:endParaRPr lang="en-IN"/>
           </a:p>
@@ -2236,7 +2246,7 @@
           <a:p>
             <a:fld id="{8F72BA41-EC5B-4197-BCC8-0FD2E523CD7A}" type="datetimeFigureOut">
               <a:rPr lang="en-US" smtClean="0"/>
-              <a:t>11/7/2024</a:t>
+              <a:t>11/18/2024</a:t>
             </a:fld>
             <a:endParaRPr lang="en-US"/>
           </a:p>
@@ -2439,7 +2449,7 @@
           <a:p>
             <a:fld id="{8F72BA41-EC5B-4197-BCC8-0FD2E523CD7A}" type="datetimeFigureOut">
               <a:rPr lang="en-US" smtClean="0"/>
-              <a:t>11/7/2024</a:t>
+              <a:t>11/18/2024</a:t>
             </a:fld>
             <a:endParaRPr lang="en-US"/>
           </a:p>
@@ -4160,7 +4170,7 @@
           <a:p>
             <a:fld id="{8F72BA41-EC5B-4197-BCC8-0FD2E523CD7A}" type="datetimeFigureOut">
               <a:rPr lang="en-US" smtClean="0"/>
-              <a:t>11/7/2024</a:t>
+              <a:t>11/18/2024</a:t>
             </a:fld>
             <a:endParaRPr lang="en-US"/>
           </a:p>
@@ -4359,7 +4369,7 @@
           <a:p>
             <a:fld id="{8F72BA41-EC5B-4197-BCC8-0FD2E523CD7A}" type="datetimeFigureOut">
               <a:rPr lang="en-US" smtClean="0"/>
-              <a:t>11/7/2024</a:t>
+              <a:t>11/18/2024</a:t>
             </a:fld>
             <a:endParaRPr lang="en-US"/>
           </a:p>
@@ -6149,7 +6159,7 @@
           <a:p>
             <a:fld id="{8F72BA41-EC5B-4197-BCC8-0FD2E523CD7A}" type="datetimeFigureOut">
               <a:rPr lang="en-US" smtClean="0"/>
-              <a:t>11/7/2024</a:t>
+              <a:t>11/18/2024</a:t>
             </a:fld>
             <a:endParaRPr lang="en-US"/>
           </a:p>
@@ -6422,7 +6432,7 @@
           <a:p>
             <a:fld id="{8F72BA41-EC5B-4197-BCC8-0FD2E523CD7A}" type="datetimeFigureOut">
               <a:rPr lang="en-US" smtClean="0"/>
-              <a:t>11/7/2024</a:t>
+              <a:t>11/18/2024</a:t>
             </a:fld>
             <a:endParaRPr lang="en-US"/>
           </a:p>
@@ -6842,7 +6852,7 @@
           <a:p>
             <a:fld id="{8F72BA41-EC5B-4197-BCC8-0FD2E523CD7A}" type="datetimeFigureOut">
               <a:rPr lang="en-US" smtClean="0"/>
-              <a:t>11/7/2024</a:t>
+              <a:t>11/18/2024</a:t>
             </a:fld>
             <a:endParaRPr lang="en-US"/>
           </a:p>
@@ -6998,7 +7008,7 @@
           <a:p>
             <a:fld id="{8F72BA41-EC5B-4197-BCC8-0FD2E523CD7A}" type="datetimeFigureOut">
               <a:rPr lang="en-US" smtClean="0"/>
-              <a:t>11/7/2024</a:t>
+              <a:t>11/18/2024</a:t>
             </a:fld>
             <a:endParaRPr lang="en-US"/>
           </a:p>
@@ -8566,7 +8576,7 @@
           <a:p>
             <a:fld id="{8F72BA41-EC5B-4197-BCC8-0FD2E523CD7A}" type="datetimeFigureOut">
               <a:rPr lang="en-US" smtClean="0"/>
-              <a:t>11/7/2024</a:t>
+              <a:t>11/18/2024</a:t>
             </a:fld>
             <a:endParaRPr lang="en-US"/>
           </a:p>
@@ -10417,7 +10427,7 @@
           <a:p>
             <a:fld id="{8F72BA41-EC5B-4197-BCC8-0FD2E523CD7A}" type="datetimeFigureOut">
               <a:rPr lang="en-US" smtClean="0"/>
-              <a:t>11/7/2024</a:t>
+              <a:t>11/18/2024</a:t>
             </a:fld>
             <a:endParaRPr lang="en-US"/>
           </a:p>
@@ -12230,7 +12240,7 @@
           <a:p>
             <a:fld id="{8F72BA41-EC5B-4197-BCC8-0FD2E523CD7A}" type="datetimeFigureOut">
               <a:rPr lang="en-US" smtClean="0"/>
-              <a:t>11/7/2024</a:t>
+              <a:t>11/18/2024</a:t>
             </a:fld>
             <a:endParaRPr lang="en-US"/>
           </a:p>
@@ -13924,7 +13934,7 @@
             <a:fld id="{8F72BA41-EC5B-4197-BCC8-0FD2E523CD7A}" type="datetimeFigureOut">
               <a:rPr lang="en-US" smtClean="0"/>
               <a:pPr/>
-              <a:t>11/7/2024</a:t>
+              <a:t>11/18/2024</a:t>
             </a:fld>
             <a:endParaRPr lang="en-US" dirty="0"/>
           </a:p>
@@ -17738,13 +17748,13 @@
         </p:spPr>
         <p:txBody>
           <a:bodyPr>
-            <a:normAutofit/>
+            <a:normAutofit fontScale="90000"/>
           </a:bodyPr>
           <a:lstStyle/>
           <a:p>
             <a:r>
               <a:rPr lang="en-US" sz="4000" dirty="0"/>
-              <a:t>Implementation Results</a:t>
+              <a:t>Implementation Results – Xavier Initialization</a:t>
             </a:r>
             <a:endParaRPr lang="en-IN" sz="4000" dirty="0"/>
           </a:p>
@@ -17949,13 +17959,13 @@
         </p:spPr>
         <p:txBody>
           <a:bodyPr>
-            <a:normAutofit/>
+            <a:normAutofit fontScale="90000"/>
           </a:bodyPr>
           <a:lstStyle/>
           <a:p>
             <a:r>
               <a:rPr lang="en-US" sz="4000" dirty="0"/>
-              <a:t>Implementation Results</a:t>
+              <a:t>Implementation Results – Xavier Initialization</a:t>
             </a:r>
             <a:endParaRPr lang="en-IN" sz="4000" dirty="0"/>
           </a:p>
@@ -18037,10 +18047,10 @@
       </p:sp>
       <p:pic>
         <p:nvPicPr>
-          <p:cNvPr id="6" name="Picture 5" descr="A blue squares with white text&#10;&#10;Description automatically generated">
+          <p:cNvPr id="8" name="Picture 7" descr="A blue squares with white text&#10;&#10;Description automatically generated">
             <a:extLst>
               <a:ext uri="{FF2B5EF4-FFF2-40B4-BE49-F238E27FC236}">
-                <a16:creationId xmlns:a16="http://schemas.microsoft.com/office/drawing/2014/main" id="{655BBFB7-21F3-401D-D015-A18C515822B9}"/>
+                <a16:creationId xmlns:a16="http://schemas.microsoft.com/office/drawing/2014/main" id="{9D9AF4C0-AF3B-7816-72D9-278BF33F45AC}"/>
               </a:ext>
             </a:extLst>
           </p:cNvPr>
@@ -18063,8 +18073,8 @@
         </p:blipFill>
         <p:spPr>
           <a:xfrm>
-            <a:off x="3283974" y="2141666"/>
-            <a:ext cx="6007516" cy="4505637"/>
+            <a:off x="3145134" y="2323681"/>
+            <a:ext cx="5332332" cy="3999249"/>
           </a:xfrm>
           <a:prstGeom prst="rect">
             <a:avLst/>
@@ -18131,13 +18141,13 @@
         </p:spPr>
         <p:txBody>
           <a:bodyPr>
-            <a:normAutofit/>
+            <a:normAutofit fontScale="90000"/>
           </a:bodyPr>
           <a:lstStyle/>
           <a:p>
             <a:r>
               <a:rPr lang="en-US" sz="4000" dirty="0"/>
-              <a:t>Implementation Results</a:t>
+              <a:t>Implementation Results – Xavier Initialization</a:t>
             </a:r>
             <a:endParaRPr lang="en-IN" sz="4000" dirty="0"/>
           </a:p>
@@ -19217,7 +19227,7 @@
         <p:cNvPr id="1" name="">
           <a:extLst>
             <a:ext uri="{FF2B5EF4-FFF2-40B4-BE49-F238E27FC236}">
-              <a16:creationId xmlns:a16="http://schemas.microsoft.com/office/drawing/2014/main" id="{25D62055-1E5A-8976-7591-723841325992}"/>
+              <a16:creationId xmlns:a16="http://schemas.microsoft.com/office/drawing/2014/main" id="{722C2D2C-887A-1EF6-B579-AEC9E26BE8FE}"/>
             </a:ext>
           </a:extLst>
         </p:cNvPr>
@@ -19237,7 +19247,7 @@
           <p:cNvPr id="2" name="Title 1">
             <a:extLst>
               <a:ext uri="{FF2B5EF4-FFF2-40B4-BE49-F238E27FC236}">
-                <a16:creationId xmlns:a16="http://schemas.microsoft.com/office/drawing/2014/main" id="{80500B7B-87E8-A072-20BF-38658A128ADD}"/>
+                <a16:creationId xmlns:a16="http://schemas.microsoft.com/office/drawing/2014/main" id="{C5D368C7-548B-D21C-EECB-5B087EE3461B}"/>
               </a:ext>
             </a:extLst>
           </p:cNvPr>
@@ -19250,21 +19260,21 @@
         </p:nvSpPr>
         <p:spPr>
           <a:xfrm>
-            <a:off x="691079" y="403123"/>
-            <a:ext cx="10325000" cy="693575"/>
+            <a:off x="691079" y="132038"/>
+            <a:ext cx="10325000" cy="821395"/>
           </a:xfrm>
         </p:spPr>
         <p:txBody>
           <a:bodyPr>
-            <a:normAutofit fontScale="90000"/>
+            <a:normAutofit/>
           </a:bodyPr>
           <a:lstStyle/>
           <a:p>
             <a:r>
-              <a:rPr lang="en-US" dirty="0"/>
-              <a:t>Future Work</a:t>
-            </a:r>
-            <a:endParaRPr lang="en-IN" dirty="0"/>
+              <a:rPr lang="en-US" sz="3600" dirty="0"/>
+              <a:t>Implementation Results – Xavier Initialization</a:t>
+            </a:r>
+            <a:endParaRPr lang="en-IN" sz="3600" dirty="0"/>
           </a:p>
         </p:txBody>
       </p:sp>
@@ -19273,7 +19283,7 @@
           <p:cNvPr id="3" name="Content Placeholder 2">
             <a:extLst>
               <a:ext uri="{FF2B5EF4-FFF2-40B4-BE49-F238E27FC236}">
-                <a16:creationId xmlns:a16="http://schemas.microsoft.com/office/drawing/2014/main" id="{285F41F7-FCD2-B35C-2643-90E5D2338648}"/>
+                <a16:creationId xmlns:a16="http://schemas.microsoft.com/office/drawing/2014/main" id="{CA7DFCA3-FC75-C0FE-B578-7B09C1B7D59F}"/>
               </a:ext>
             </a:extLst>
           </p:cNvPr>
@@ -19286,8 +19296,8 @@
         </p:nvSpPr>
         <p:spPr>
           <a:xfrm>
-            <a:off x="691079" y="1278246"/>
-            <a:ext cx="10325000" cy="4817753"/>
+            <a:off x="691078" y="953432"/>
+            <a:ext cx="11274779" cy="5772529"/>
           </a:xfrm>
         </p:spPr>
         <p:txBody>
@@ -19296,27 +19306,121 @@
           </a:bodyPr>
           <a:lstStyle/>
           <a:p>
-            <a:r>
-              <a:rPr lang="en-US" sz="1800" b="0" i="0" u="none" strike="noStrike" baseline="0" dirty="0"/>
-              <a:t>In the next phase of our project, we aim to enhance the model's performance by experimenting with various pre-trained architectures. This exploration will involve testing models such as ResNet, Inception, and EfficientNet to determine if these architectures can yield improved accuracy and classification rates compared to our current model. We will analyze the impact of transfer learning on these architectures by fine-tuning them with our dataset, which consists of images classified into Healthy, Moderate, and Severe categories of knee osteoarthritis.</a:t>
-            </a:r>
-          </a:p>
-          <a:p>
-            <a:endParaRPr lang="en-US" sz="1800" b="0" i="0" u="none" strike="noStrike" baseline="0" dirty="0"/>
-          </a:p>
-          <a:p>
-            <a:r>
-              <a:rPr lang="en-US" sz="1800" b="0" i="0" u="none" strike="noStrike" baseline="0" dirty="0"/>
-              <a:t>Additionally, we plan to implement techniques such as data augmentation and regularization to further optimize model training. By evaluating the results from these experiments, we hope to identify the most effective architecture and techniques for our classification task, ultimately leading to better performance and more reliable outcomes in diagnosing knee osteoarthritis.</a:t>
-            </a:r>
-            <a:endParaRPr lang="en-US" sz="1800" dirty="0"/>
+            <a:pPr marL="0" indent="0">
+              <a:buNone/>
+            </a:pPr>
+            <a:r>
+              <a:rPr lang="en-US" sz="2800" b="1" dirty="0"/>
+              <a:t>Results:</a:t>
+            </a:r>
+          </a:p>
+          <a:p>
+            <a:r>
+              <a:rPr lang="en-IN" b="1" dirty="0"/>
+              <a:t>InceptionResNetV2 Model:</a:t>
+            </a:r>
+          </a:p>
+          <a:p>
+            <a:pPr marL="0" indent="0">
+              <a:buNone/>
+            </a:pPr>
+            <a:r>
+              <a:rPr lang="en-IN" b="1" dirty="0"/>
+              <a:t>Classification Report:                                                  Accuracy Plot:</a:t>
+            </a:r>
+          </a:p>
+          <a:p>
+            <a:pPr marL="0" indent="0">
+              <a:buNone/>
+            </a:pPr>
+            <a:endParaRPr lang="en-IN" b="1" dirty="0"/>
+          </a:p>
+          <a:p>
+            <a:pPr marL="0" indent="0">
+              <a:buNone/>
+            </a:pPr>
+            <a:r>
+              <a:rPr lang="en-IN" b="1" dirty="0"/>
+              <a:t>	</a:t>
+            </a:r>
           </a:p>
         </p:txBody>
       </p:sp>
+      <p:pic>
+        <p:nvPicPr>
+          <p:cNvPr id="11" name="Picture 10" descr="A screenshot of a computer&#10;&#10;Description automatically generated">
+            <a:extLst>
+              <a:ext uri="{FF2B5EF4-FFF2-40B4-BE49-F238E27FC236}">
+                <a16:creationId xmlns:a16="http://schemas.microsoft.com/office/drawing/2014/main" id="{FB570EAC-8AE8-CB4C-7795-69F4BE7E86A7}"/>
+              </a:ext>
+            </a:extLst>
+          </p:cNvPr>
+          <p:cNvPicPr>
+            <a:picLocks noChangeAspect="1"/>
+          </p:cNvPicPr>
+          <p:nvPr/>
+        </p:nvPicPr>
+        <p:blipFill>
+          <a:blip r:embed="rId2">
+            <a:extLst>
+              <a:ext uri="{28A0092B-C50C-407E-A947-70E740481C1C}">
+                <a14:useLocalDpi xmlns:a14="http://schemas.microsoft.com/office/drawing/2010/main" val="0"/>
+              </a:ext>
+            </a:extLst>
+          </a:blip>
+          <a:stretch>
+            <a:fillRect/>
+          </a:stretch>
+        </p:blipFill>
+        <p:spPr>
+          <a:xfrm>
+            <a:off x="1585070" y="2371411"/>
+            <a:ext cx="2914717" cy="4202365"/>
+          </a:xfrm>
+          <a:prstGeom prst="rect">
+            <a:avLst/>
+          </a:prstGeom>
+        </p:spPr>
+      </p:pic>
+      <p:pic>
+        <p:nvPicPr>
+          <p:cNvPr id="13" name="Picture 12" descr="A graph with a line going up&#10;&#10;Description automatically generated">
+            <a:extLst>
+              <a:ext uri="{FF2B5EF4-FFF2-40B4-BE49-F238E27FC236}">
+                <a16:creationId xmlns:a16="http://schemas.microsoft.com/office/drawing/2014/main" id="{B9815EFA-2FFE-507B-4751-69E4B3D1863C}"/>
+              </a:ext>
+            </a:extLst>
+          </p:cNvPr>
+          <p:cNvPicPr>
+            <a:picLocks noChangeAspect="1"/>
+          </p:cNvPicPr>
+          <p:nvPr/>
+        </p:nvPicPr>
+        <p:blipFill>
+          <a:blip r:embed="rId3">
+            <a:extLst>
+              <a:ext uri="{28A0092B-C50C-407E-A947-70E740481C1C}">
+                <a14:useLocalDpi xmlns:a14="http://schemas.microsoft.com/office/drawing/2010/main" val="0"/>
+              </a:ext>
+            </a:extLst>
+          </a:blip>
+          <a:srcRect r="46947"/>
+          <a:stretch/>
+        </p:blipFill>
+        <p:spPr>
+          <a:xfrm>
+            <a:off x="6437627" y="2371411"/>
+            <a:ext cx="5063295" cy="3976639"/>
+          </a:xfrm>
+          <a:prstGeom prst="rect">
+            <a:avLst/>
+          </a:prstGeom>
+        </p:spPr>
+      </p:pic>
     </p:spTree>
     <p:extLst>
       <p:ext uri="{BB962C8B-B14F-4D97-AF65-F5344CB8AC3E}">
-        <p14:creationId xmlns:p14="http://schemas.microsoft.com/office/powerpoint/2010/main" val="75963415"/>
+        <p14:creationId xmlns:p14="http://schemas.microsoft.com/office/powerpoint/2010/main" val="1358851828"/>
       </p:ext>
     </p:extLst>
   </p:cSld>
@@ -19334,7 +19438,7 @@
         <p:cNvPr id="1" name="">
           <a:extLst>
             <a:ext uri="{FF2B5EF4-FFF2-40B4-BE49-F238E27FC236}">
-              <a16:creationId xmlns:a16="http://schemas.microsoft.com/office/drawing/2014/main" id="{38C13B17-57A2-50D3-F784-5795A6141099}"/>
+              <a16:creationId xmlns:a16="http://schemas.microsoft.com/office/drawing/2014/main" id="{3B44B5FD-5D05-B6ED-DED3-595EC86BBA28}"/>
             </a:ext>
           </a:extLst>
         </p:cNvPr>
@@ -19354,7 +19458,7 @@
           <p:cNvPr id="2" name="Title 1">
             <a:extLst>
               <a:ext uri="{FF2B5EF4-FFF2-40B4-BE49-F238E27FC236}">
-                <a16:creationId xmlns:a16="http://schemas.microsoft.com/office/drawing/2014/main" id="{E41F7E8E-C8B5-07DB-C33A-96DDAE16AD3E}"/>
+                <a16:creationId xmlns:a16="http://schemas.microsoft.com/office/drawing/2014/main" id="{8B5FD330-C0DD-BAB0-6A3C-CA7633FD5786}"/>
               </a:ext>
             </a:extLst>
           </p:cNvPr>
@@ -19367,8 +19471,8 @@
         </p:nvSpPr>
         <p:spPr>
           <a:xfrm>
-            <a:off x="691079" y="403123"/>
-            <a:ext cx="10325000" cy="693575"/>
+            <a:off x="691079" y="132038"/>
+            <a:ext cx="10325000" cy="821395"/>
           </a:xfrm>
         </p:spPr>
         <p:txBody>
@@ -19378,10 +19482,10 @@
           <a:lstStyle/>
           <a:p>
             <a:r>
-              <a:rPr lang="en-US" dirty="0"/>
-              <a:t>Research Paper Status</a:t>
-            </a:r>
-            <a:endParaRPr lang="en-IN" dirty="0"/>
+              <a:rPr lang="en-US" sz="4000" dirty="0"/>
+              <a:t>Implementation Results – Xavier Initialization</a:t>
+            </a:r>
+            <a:endParaRPr lang="en-IN" sz="4000" dirty="0"/>
           </a:p>
         </p:txBody>
       </p:sp>
@@ -19390,7 +19494,7 @@
           <p:cNvPr id="3" name="Content Placeholder 2">
             <a:extLst>
               <a:ext uri="{FF2B5EF4-FFF2-40B4-BE49-F238E27FC236}">
-                <a16:creationId xmlns:a16="http://schemas.microsoft.com/office/drawing/2014/main" id="{DF6FEFAA-E5D3-0216-D95B-AB961BCB7D34}"/>
+                <a16:creationId xmlns:a16="http://schemas.microsoft.com/office/drawing/2014/main" id="{58419F39-816A-89F1-7485-DEC66E0FCCA8}"/>
               </a:ext>
             </a:extLst>
           </p:cNvPr>
@@ -19403,8 +19507,8 @@
         </p:nvSpPr>
         <p:spPr>
           <a:xfrm>
-            <a:off x="691079" y="1278246"/>
-            <a:ext cx="10325000" cy="4817753"/>
+            <a:off x="691078" y="953432"/>
+            <a:ext cx="11274779" cy="5772529"/>
           </a:xfrm>
         </p:spPr>
         <p:txBody>
@@ -19413,23 +19517,92 @@
           </a:bodyPr>
           <a:lstStyle/>
           <a:p>
-            <a:r>
-              <a:rPr lang="en-US" sz="2800" dirty="0"/>
-              <a:t>The abstract, literature survey sections have been completed.</a:t>
-            </a:r>
-          </a:p>
-          <a:p>
-            <a:r>
-              <a:rPr lang="en-US" sz="2800" dirty="0"/>
-              <a:t>The remaining tasks are to experiment with various models, analyze their performances, and document the results in the paper.</a:t>
+            <a:pPr marL="0" indent="0">
+              <a:buNone/>
+            </a:pPr>
+            <a:r>
+              <a:rPr lang="en-US" sz="2800" b="1" dirty="0"/>
+              <a:t>Results:</a:t>
+            </a:r>
+          </a:p>
+          <a:p>
+            <a:r>
+              <a:rPr lang="en-IN" b="1" dirty="0"/>
+              <a:t>InceptionResNetV2 Model:</a:t>
+            </a:r>
+          </a:p>
+          <a:p>
+            <a:pPr marL="0" indent="0">
+              <a:buNone/>
+            </a:pPr>
+            <a:r>
+              <a:rPr lang="en-IN" b="1" dirty="0"/>
+              <a:t>Confusion Matrix:</a:t>
+            </a:r>
+          </a:p>
+          <a:p>
+            <a:pPr marL="0" indent="0">
+              <a:buNone/>
+            </a:pPr>
+            <a:endParaRPr lang="en-IN" b="1" dirty="0"/>
+          </a:p>
+          <a:p>
+            <a:pPr marL="0" indent="0">
+              <a:buNone/>
+            </a:pPr>
+            <a:endParaRPr lang="en-IN" b="1" dirty="0"/>
+          </a:p>
+          <a:p>
+            <a:pPr marL="0" indent="0">
+              <a:buNone/>
+            </a:pPr>
+            <a:r>
+              <a:rPr lang="en-IN" b="1" dirty="0"/>
+              <a:t>	</a:t>
             </a:r>
           </a:p>
         </p:txBody>
       </p:sp>
+      <p:pic>
+        <p:nvPicPr>
+          <p:cNvPr id="10" name="Picture 9" descr="A graph with numbers and a number of blue squares&#10;&#10;Description automatically generated with medium confidence">
+            <a:extLst>
+              <a:ext uri="{FF2B5EF4-FFF2-40B4-BE49-F238E27FC236}">
+                <a16:creationId xmlns:a16="http://schemas.microsoft.com/office/drawing/2014/main" id="{37D3C0ED-411E-0FC9-CB43-B2F442613931}"/>
+              </a:ext>
+            </a:extLst>
+          </p:cNvPr>
+          <p:cNvPicPr>
+            <a:picLocks noChangeAspect="1"/>
+          </p:cNvPicPr>
+          <p:nvPr/>
+        </p:nvPicPr>
+        <p:blipFill>
+          <a:blip r:embed="rId2">
+            <a:extLst>
+              <a:ext uri="{28A0092B-C50C-407E-A947-70E740481C1C}">
+                <a14:useLocalDpi xmlns:a14="http://schemas.microsoft.com/office/drawing/2010/main" val="0"/>
+              </a:ext>
+            </a:extLst>
+          </a:blip>
+          <a:stretch>
+            <a:fillRect/>
+          </a:stretch>
+        </p:blipFill>
+        <p:spPr>
+          <a:xfrm>
+            <a:off x="3568835" y="2291024"/>
+            <a:ext cx="5054329" cy="3790746"/>
+          </a:xfrm>
+          <a:prstGeom prst="rect">
+            <a:avLst/>
+          </a:prstGeom>
+        </p:spPr>
+      </p:pic>
     </p:spTree>
     <p:extLst>
       <p:ext uri="{BB962C8B-B14F-4D97-AF65-F5344CB8AC3E}">
-        <p14:creationId xmlns:p14="http://schemas.microsoft.com/office/powerpoint/2010/main" val="2625512975"/>
+        <p14:creationId xmlns:p14="http://schemas.microsoft.com/office/powerpoint/2010/main" val="840629284"/>
       </p:ext>
     </p:extLst>
   </p:cSld>
@@ -19447,7 +19620,7 @@
         <p:cNvPr id="1" name="">
           <a:extLst>
             <a:ext uri="{FF2B5EF4-FFF2-40B4-BE49-F238E27FC236}">
-              <a16:creationId xmlns:a16="http://schemas.microsoft.com/office/drawing/2014/main" id="{350E285C-392E-059D-3AEE-766B46223060}"/>
+              <a16:creationId xmlns:a16="http://schemas.microsoft.com/office/drawing/2014/main" id="{7416F112-694A-F275-A942-C0C9941A428D}"/>
             </a:ext>
           </a:extLst>
         </p:cNvPr>
@@ -19467,7 +19640,7 @@
           <p:cNvPr id="2" name="Title 1">
             <a:extLst>
               <a:ext uri="{FF2B5EF4-FFF2-40B4-BE49-F238E27FC236}">
-                <a16:creationId xmlns:a16="http://schemas.microsoft.com/office/drawing/2014/main" id="{B629B489-E885-12B4-6DD1-0C63225EF44C}"/>
+                <a16:creationId xmlns:a16="http://schemas.microsoft.com/office/drawing/2014/main" id="{268539D4-64ED-30D8-23E5-70937BF44ECB}"/>
               </a:ext>
             </a:extLst>
           </p:cNvPr>
@@ -19480,8 +19653,8 @@
         </p:nvSpPr>
         <p:spPr>
           <a:xfrm>
-            <a:off x="691079" y="403123"/>
-            <a:ext cx="10325000" cy="693575"/>
+            <a:off x="691079" y="132038"/>
+            <a:ext cx="10325000" cy="821395"/>
           </a:xfrm>
         </p:spPr>
         <p:txBody>
@@ -19491,10 +19664,10 @@
           <a:lstStyle/>
           <a:p>
             <a:r>
-              <a:rPr lang="en-US" dirty="0"/>
-              <a:t>References</a:t>
-            </a:r>
-            <a:endParaRPr lang="en-IN" dirty="0"/>
+              <a:rPr lang="en-US" sz="4000" dirty="0"/>
+              <a:t>Implementation Results – Xavier Initialization</a:t>
+            </a:r>
+            <a:endParaRPr lang="en-IN" sz="4000" dirty="0"/>
           </a:p>
         </p:txBody>
       </p:sp>
@@ -19503,7 +19676,7 @@
           <p:cNvPr id="3" name="Content Placeholder 2">
             <a:extLst>
               <a:ext uri="{FF2B5EF4-FFF2-40B4-BE49-F238E27FC236}">
-                <a16:creationId xmlns:a16="http://schemas.microsoft.com/office/drawing/2014/main" id="{F35B4B1E-04A0-A7CD-5DB3-43AEC26E3B86}"/>
+                <a16:creationId xmlns:a16="http://schemas.microsoft.com/office/drawing/2014/main" id="{AF6C12B4-31C3-DDD1-CFCD-866C29A5027C}"/>
               </a:ext>
             </a:extLst>
           </p:cNvPr>
@@ -19516,136 +19689,4151 @@
         </p:nvSpPr>
         <p:spPr>
           <a:xfrm>
-            <a:off x="691079" y="1278246"/>
-            <a:ext cx="10325000" cy="4817753"/>
+            <a:off x="691078" y="953432"/>
+            <a:ext cx="11274779" cy="5772529"/>
           </a:xfrm>
         </p:spPr>
         <p:txBody>
           <a:bodyPr>
-            <a:normAutofit fontScale="85000" lnSpcReduction="20000"/>
+            <a:normAutofit/>
           </a:bodyPr>
           <a:lstStyle/>
           <a:p>
-            <a:r>
-              <a:rPr lang="en-US" sz="2400" b="0" i="0" dirty="0">
-                <a:solidFill>
-                  <a:srgbClr val="1F1F1F"/>
-                </a:solidFill>
-                <a:effectLst/>
-              </a:rPr>
-              <a:t>Wang et al. (2024). Federated learning for multi-stage knee osteoarthritis classification. Radiology: Artificial Intelligence, 6(1), e220089.</a:t>
-            </a:r>
-          </a:p>
-          <a:p>
-            <a:r>
-              <a:rPr lang="en-US" sz="2400" b="0" i="0" dirty="0">
-                <a:solidFill>
-                  <a:srgbClr val="1F1F1F"/>
-                </a:solidFill>
-                <a:effectLst/>
-              </a:rPr>
-              <a:t>Kim et al. (2023). Federated deep learning for automated knee osteoarthritis grading on X-rays. Medical Image Analysis, 78, 102729.</a:t>
-            </a:r>
-            <a:endParaRPr lang="en-US" sz="2400" dirty="0">
-              <a:solidFill>
-                <a:srgbClr val="1F1F1F"/>
-              </a:solidFill>
-            </a:endParaRPr>
-          </a:p>
-          <a:p>
-            <a:r>
-              <a:rPr lang="en-US" sz="2400" b="0" i="0" dirty="0">
-                <a:solidFill>
-                  <a:srgbClr val="1F1F1F"/>
-                </a:solidFill>
-                <a:effectLst/>
-              </a:rPr>
-              <a:t>Brown et al. (2024). Interpretable federated learning for explainable knee OA diagnosis. Computers in Biology and Medicine, 158, 107089.</a:t>
-            </a:r>
-          </a:p>
-          <a:p>
-            <a:r>
-              <a:rPr lang="en-US" sz="2400" b="0" i="0" dirty="0">
-                <a:solidFill>
-                  <a:srgbClr val="1F1F1F"/>
-                </a:solidFill>
-                <a:effectLst/>
-              </a:rPr>
-              <a:t>Taylor et al. (2024). Secure multi-party computation for privacy-preserving federated knee OA analysis. Journal of the American Medical Informatics Association, 31(3), 456-468.</a:t>
-            </a:r>
-            <a:endParaRPr lang="en-US" sz="2400" dirty="0">
-              <a:solidFill>
-                <a:srgbClr val="1F1F1F"/>
-              </a:solidFill>
-            </a:endParaRPr>
-          </a:p>
-          <a:p>
-            <a:r>
-              <a:rPr lang="en-US" sz="2400" dirty="0">
-                <a:solidFill>
-                  <a:schemeClr val="tx1"/>
-                </a:solidFill>
-              </a:rPr>
-              <a:t>R. H. Rifat, A. Chakraborty Shruti, M. Kamal and M. G. </a:t>
-            </a:r>
-            <a:r>
-              <a:rPr lang="en-US" sz="2400" dirty="0" err="1">
-                <a:solidFill>
-                  <a:schemeClr val="tx1"/>
-                </a:solidFill>
-              </a:rPr>
-              <a:t>Rabiul</a:t>
-            </a:r>
-            <a:r>
-              <a:rPr lang="en-US" sz="2400" dirty="0">
-                <a:solidFill>
-                  <a:schemeClr val="tx1"/>
-                </a:solidFill>
-              </a:rPr>
-              <a:t> Alam, "Privacy-Preserving Knee Osteoarthritis Classification: A Federated Learning Approach with </a:t>
-            </a:r>
-            <a:r>
-              <a:rPr lang="en-US" sz="2400" dirty="0" err="1">
-                <a:solidFill>
-                  <a:schemeClr val="tx1"/>
-                </a:solidFill>
-              </a:rPr>
-              <a:t>GradCAM</a:t>
-            </a:r>
-            <a:r>
-              <a:rPr lang="en-US" sz="2400" dirty="0">
-                <a:solidFill>
-                  <a:schemeClr val="tx1"/>
-                </a:solidFill>
-              </a:rPr>
-              <a:t> Visualization," 2023 26th International Conference on Computer and Information Technology (ICCIT), Cox's Bazar, Bangladesh, 2023, pp. 1-6, </a:t>
-            </a:r>
-            <a:r>
-              <a:rPr lang="en-US" sz="2400" dirty="0" err="1">
-                <a:solidFill>
-                  <a:schemeClr val="tx1"/>
-                </a:solidFill>
-              </a:rPr>
-              <a:t>doi</a:t>
-            </a:r>
-            <a:r>
-              <a:rPr lang="en-US" sz="2400" dirty="0">
-                <a:solidFill>
-                  <a:schemeClr val="tx1"/>
-                </a:solidFill>
-              </a:rPr>
-              <a:t>: 10.1109/ICCIT60459.2023.10441001. </a:t>
-            </a:r>
-          </a:p>
-          <a:p>
-            <a:endParaRPr lang="en-US" sz="2800" dirty="0"/>
+            <a:pPr marL="0" indent="0">
+              <a:buNone/>
+            </a:pPr>
+            <a:r>
+              <a:rPr lang="en-US" sz="2800" b="1" dirty="0"/>
+              <a:t>Results:</a:t>
+            </a:r>
+          </a:p>
+          <a:p>
+            <a:r>
+              <a:rPr lang="en-IN" b="1" dirty="0"/>
+              <a:t>InceptionResNetV2 Model:</a:t>
+            </a:r>
+          </a:p>
+          <a:p>
+            <a:pPr marL="0" indent="0">
+              <a:buNone/>
+            </a:pPr>
+            <a:r>
+              <a:rPr lang="en-IN" b="1" dirty="0"/>
+              <a:t>Federated Learning Metrics:</a:t>
+            </a:r>
+          </a:p>
+          <a:p>
+            <a:pPr marL="0" indent="0">
+              <a:buNone/>
+            </a:pPr>
+            <a:endParaRPr lang="en-IN" b="1" dirty="0"/>
+          </a:p>
+          <a:p>
+            <a:pPr marL="0" indent="0">
+              <a:buNone/>
+            </a:pPr>
+            <a:endParaRPr lang="en-IN" b="1" dirty="0"/>
+          </a:p>
+          <a:p>
+            <a:pPr marL="0" indent="0">
+              <a:buNone/>
+            </a:pPr>
+            <a:endParaRPr lang="en-IN" b="1" dirty="0"/>
+          </a:p>
+          <a:p>
+            <a:pPr marL="0" indent="0">
+              <a:buNone/>
+            </a:pPr>
+            <a:r>
+              <a:rPr lang="en-IN" b="1" dirty="0"/>
+              <a:t>	Federated Learning Metrics:</a:t>
+            </a:r>
+          </a:p>
+          <a:p>
+            <a:pPr marL="0" indent="0">
+              <a:buNone/>
+            </a:pPr>
+            <a:endParaRPr lang="en-IN" b="1" dirty="0"/>
+          </a:p>
+          <a:p>
+            <a:pPr marL="0" indent="0">
+              <a:buNone/>
+            </a:pPr>
+            <a:endParaRPr lang="en-IN" b="1" dirty="0"/>
+          </a:p>
+          <a:p>
+            <a:pPr marL="0" indent="0">
+              <a:buNone/>
+            </a:pPr>
+            <a:r>
+              <a:rPr lang="en-IN" b="1" dirty="0"/>
+              <a:t>Final Metrics:</a:t>
+            </a:r>
+          </a:p>
+          <a:p>
+            <a:r>
+              <a:rPr lang="en-IN" sz="1600" b="1" dirty="0"/>
+              <a:t>Global Accuracy : 95.53 %</a:t>
+            </a:r>
+          </a:p>
+          <a:p>
+            <a:r>
+              <a:rPr lang="en-IN" sz="1600" b="1" dirty="0"/>
+              <a:t>Global Loss : 0.1483</a:t>
+            </a:r>
           </a:p>
         </p:txBody>
       </p:sp>
+      <p:graphicFrame>
+        <p:nvGraphicFramePr>
+          <p:cNvPr id="4" name="Table 3">
+            <a:extLst>
+              <a:ext uri="{FF2B5EF4-FFF2-40B4-BE49-F238E27FC236}">
+                <a16:creationId xmlns:a16="http://schemas.microsoft.com/office/drawing/2014/main" id="{01776F4F-BC0A-AB9F-3129-45A559FFA899}"/>
+              </a:ext>
+            </a:extLst>
+          </p:cNvPr>
+          <p:cNvGraphicFramePr>
+            <a:graphicFrameLocks noGrp="1"/>
+          </p:cNvGraphicFramePr>
+          <p:nvPr>
+            <p:extLst>
+              <p:ext uri="{D42A27DB-BD31-4B8C-83A1-F6EECF244321}">
+                <p14:modId xmlns:p14="http://schemas.microsoft.com/office/powerpoint/2010/main" val="755877455"/>
+              </p:ext>
+            </p:extLst>
+          </p:nvPr>
+        </p:nvGraphicFramePr>
+        <p:xfrm>
+          <a:off x="769735" y="2541756"/>
+          <a:ext cx="5188614" cy="2595880"/>
+        </p:xfrm>
+        <a:graphic>
+          <a:graphicData uri="http://schemas.openxmlformats.org/drawingml/2006/table">
+            <a:tbl>
+              <a:tblPr firstRow="1" bandRow="1">
+                <a:tableStyleId>{073A0DAA-6AF3-43AB-8588-CEC1D06C72B9}</a:tableStyleId>
+              </a:tblPr>
+              <a:tblGrid>
+                <a:gridCol w="1729538">
+                  <a:extLst>
+                    <a:ext uri="{9D8B030D-6E8A-4147-A177-3AD203B41FA5}">
+                      <a16:colId xmlns:a16="http://schemas.microsoft.com/office/drawing/2014/main" val="2072905676"/>
+                    </a:ext>
+                  </a:extLst>
+                </a:gridCol>
+                <a:gridCol w="1729538">
+                  <a:extLst>
+                    <a:ext uri="{9D8B030D-6E8A-4147-A177-3AD203B41FA5}">
+                      <a16:colId xmlns:a16="http://schemas.microsoft.com/office/drawing/2014/main" val="684301918"/>
+                    </a:ext>
+                  </a:extLst>
+                </a:gridCol>
+                <a:gridCol w="1729538">
+                  <a:extLst>
+                    <a:ext uri="{9D8B030D-6E8A-4147-A177-3AD203B41FA5}">
+                      <a16:colId xmlns:a16="http://schemas.microsoft.com/office/drawing/2014/main" val="1610736767"/>
+                    </a:ext>
+                  </a:extLst>
+                </a:gridCol>
+              </a:tblGrid>
+              <a:tr h="370840">
+                <a:tc>
+                  <a:txBody>
+                    <a:bodyPr/>
+                    <a:lstStyle/>
+                    <a:p>
+                      <a:pPr algn="ctr"/>
+                      <a:r>
+                        <a:rPr lang="en-US" dirty="0"/>
+                        <a:t>Round</a:t>
+                      </a:r>
+                      <a:endParaRPr lang="en-IN" dirty="0"/>
+                    </a:p>
+                  </a:txBody>
+                  <a:tcPr/>
+                </a:tc>
+                <a:tc>
+                  <a:txBody>
+                    <a:bodyPr/>
+                    <a:lstStyle/>
+                    <a:p>
+                      <a:pPr algn="ctr"/>
+                      <a:r>
+                        <a:rPr lang="en-US" dirty="0"/>
+                        <a:t>Accuracy</a:t>
+                      </a:r>
+                      <a:endParaRPr lang="en-IN" dirty="0"/>
+                    </a:p>
+                  </a:txBody>
+                  <a:tcPr/>
+                </a:tc>
+                <a:tc>
+                  <a:txBody>
+                    <a:bodyPr/>
+                    <a:lstStyle/>
+                    <a:p>
+                      <a:pPr algn="ctr"/>
+                      <a:r>
+                        <a:rPr lang="en-US" dirty="0"/>
+                        <a:t>Loss</a:t>
+                      </a:r>
+                      <a:endParaRPr lang="en-IN" dirty="0"/>
+                    </a:p>
+                  </a:txBody>
+                  <a:tcPr/>
+                </a:tc>
+                <a:extLst>
+                  <a:ext uri="{0D108BD9-81ED-4DB2-BD59-A6C34878D82A}">
+                    <a16:rowId xmlns:a16="http://schemas.microsoft.com/office/drawing/2014/main" val="2980590616"/>
+                  </a:ext>
+                </a:extLst>
+              </a:tr>
+              <a:tr h="370840">
+                <a:tc>
+                  <a:txBody>
+                    <a:bodyPr/>
+                    <a:lstStyle/>
+                    <a:p>
+                      <a:pPr algn="ctr"/>
+                      <a:r>
+                        <a:rPr lang="en-US" dirty="0"/>
+                        <a:t>1</a:t>
+                      </a:r>
+                    </a:p>
+                  </a:txBody>
+                  <a:tcPr/>
+                </a:tc>
+                <a:tc>
+                  <a:txBody>
+                    <a:bodyPr/>
+                    <a:lstStyle/>
+                    <a:p>
+                      <a:pPr algn="ctr"/>
+                      <a:r>
+                        <a:rPr lang="en-US" dirty="0"/>
+                        <a:t>48.81 %</a:t>
+                      </a:r>
+                      <a:endParaRPr lang="en-IN" dirty="0"/>
+                    </a:p>
+                  </a:txBody>
+                  <a:tcPr/>
+                </a:tc>
+                <a:tc>
+                  <a:txBody>
+                    <a:bodyPr/>
+                    <a:lstStyle/>
+                    <a:p>
+                      <a:pPr algn="ctr"/>
+                      <a:r>
+                        <a:rPr lang="en-US" dirty="0"/>
+                        <a:t>0.95</a:t>
+                      </a:r>
+                      <a:endParaRPr lang="en-IN" dirty="0"/>
+                    </a:p>
+                  </a:txBody>
+                  <a:tcPr/>
+                </a:tc>
+                <a:extLst>
+                  <a:ext uri="{0D108BD9-81ED-4DB2-BD59-A6C34878D82A}">
+                    <a16:rowId xmlns:a16="http://schemas.microsoft.com/office/drawing/2014/main" val="528740570"/>
+                  </a:ext>
+                </a:extLst>
+              </a:tr>
+              <a:tr h="370840">
+                <a:tc>
+                  <a:txBody>
+                    <a:bodyPr/>
+                    <a:lstStyle/>
+                    <a:p>
+                      <a:pPr algn="ctr"/>
+                      <a:r>
+                        <a:rPr lang="en-US" dirty="0"/>
+                        <a:t>2</a:t>
+                      </a:r>
+                      <a:endParaRPr lang="en-IN" dirty="0"/>
+                    </a:p>
+                  </a:txBody>
+                  <a:tcPr/>
+                </a:tc>
+                <a:tc>
+                  <a:txBody>
+                    <a:bodyPr/>
+                    <a:lstStyle/>
+                    <a:p>
+                      <a:pPr algn="ctr"/>
+                      <a:r>
+                        <a:rPr lang="en-US" dirty="0"/>
+                        <a:t>87.85 %</a:t>
+                      </a:r>
+                      <a:endParaRPr lang="en-IN" dirty="0"/>
+                    </a:p>
+                  </a:txBody>
+                  <a:tcPr/>
+                </a:tc>
+                <a:tc>
+                  <a:txBody>
+                    <a:bodyPr/>
+                    <a:lstStyle/>
+                    <a:p>
+                      <a:pPr algn="ctr"/>
+                      <a:r>
+                        <a:rPr lang="en-US" dirty="0"/>
+                        <a:t>0.36</a:t>
+                      </a:r>
+                      <a:endParaRPr lang="en-IN" dirty="0"/>
+                    </a:p>
+                  </a:txBody>
+                  <a:tcPr/>
+                </a:tc>
+                <a:extLst>
+                  <a:ext uri="{0D108BD9-81ED-4DB2-BD59-A6C34878D82A}">
+                    <a16:rowId xmlns:a16="http://schemas.microsoft.com/office/drawing/2014/main" val="3909944274"/>
+                  </a:ext>
+                </a:extLst>
+              </a:tr>
+              <a:tr h="370840">
+                <a:tc>
+                  <a:txBody>
+                    <a:bodyPr/>
+                    <a:lstStyle/>
+                    <a:p>
+                      <a:pPr algn="ctr"/>
+                      <a:r>
+                        <a:rPr lang="en-US" dirty="0"/>
+                        <a:t>3</a:t>
+                      </a:r>
+                      <a:endParaRPr lang="en-IN" dirty="0"/>
+                    </a:p>
+                  </a:txBody>
+                  <a:tcPr/>
+                </a:tc>
+                <a:tc>
+                  <a:txBody>
+                    <a:bodyPr/>
+                    <a:lstStyle/>
+                    <a:p>
+                      <a:pPr algn="ctr"/>
+                      <a:r>
+                        <a:rPr lang="en-US" dirty="0"/>
+                        <a:t>91.54 %</a:t>
+                      </a:r>
+                      <a:endParaRPr lang="en-IN" dirty="0"/>
+                    </a:p>
+                  </a:txBody>
+                  <a:tcPr/>
+                </a:tc>
+                <a:tc>
+                  <a:txBody>
+                    <a:bodyPr/>
+                    <a:lstStyle/>
+                    <a:p>
+                      <a:pPr algn="ctr"/>
+                      <a:r>
+                        <a:rPr lang="en-US" dirty="0"/>
+                        <a:t>0.28</a:t>
+                      </a:r>
+                      <a:endParaRPr lang="en-IN" dirty="0"/>
+                    </a:p>
+                  </a:txBody>
+                  <a:tcPr/>
+                </a:tc>
+                <a:extLst>
+                  <a:ext uri="{0D108BD9-81ED-4DB2-BD59-A6C34878D82A}">
+                    <a16:rowId xmlns:a16="http://schemas.microsoft.com/office/drawing/2014/main" val="74134503"/>
+                  </a:ext>
+                </a:extLst>
+              </a:tr>
+              <a:tr h="370840">
+                <a:tc>
+                  <a:txBody>
+                    <a:bodyPr/>
+                    <a:lstStyle/>
+                    <a:p>
+                      <a:pPr algn="ctr"/>
+                      <a:r>
+                        <a:rPr lang="en-US" dirty="0"/>
+                        <a:t>4</a:t>
+                      </a:r>
+                      <a:endParaRPr lang="en-IN" dirty="0"/>
+                    </a:p>
+                  </a:txBody>
+                  <a:tcPr/>
+                </a:tc>
+                <a:tc>
+                  <a:txBody>
+                    <a:bodyPr/>
+                    <a:lstStyle/>
+                    <a:p>
+                      <a:pPr algn="ctr"/>
+                      <a:r>
+                        <a:rPr lang="en-US" dirty="0"/>
+                        <a:t>90.02 %</a:t>
+                      </a:r>
+                      <a:endParaRPr lang="en-IN" dirty="0"/>
+                    </a:p>
+                  </a:txBody>
+                  <a:tcPr/>
+                </a:tc>
+                <a:tc>
+                  <a:txBody>
+                    <a:bodyPr/>
+                    <a:lstStyle/>
+                    <a:p>
+                      <a:pPr algn="ctr"/>
+                      <a:r>
+                        <a:rPr lang="en-US" dirty="0"/>
+                        <a:t>0.28</a:t>
+                      </a:r>
+                      <a:endParaRPr lang="en-IN" dirty="0"/>
+                    </a:p>
+                  </a:txBody>
+                  <a:tcPr/>
+                </a:tc>
+                <a:extLst>
+                  <a:ext uri="{0D108BD9-81ED-4DB2-BD59-A6C34878D82A}">
+                    <a16:rowId xmlns:a16="http://schemas.microsoft.com/office/drawing/2014/main" val="3961088009"/>
+                  </a:ext>
+                </a:extLst>
+              </a:tr>
+              <a:tr h="370840">
+                <a:tc>
+                  <a:txBody>
+                    <a:bodyPr/>
+                    <a:lstStyle/>
+                    <a:p>
+                      <a:pPr algn="ctr"/>
+                      <a:r>
+                        <a:rPr lang="en-US" dirty="0"/>
+                        <a:t>5</a:t>
+                      </a:r>
+                      <a:endParaRPr lang="en-IN" dirty="0"/>
+                    </a:p>
+                  </a:txBody>
+                  <a:tcPr/>
+                </a:tc>
+                <a:tc>
+                  <a:txBody>
+                    <a:bodyPr/>
+                    <a:lstStyle/>
+                    <a:p>
+                      <a:pPr algn="ctr"/>
+                      <a:r>
+                        <a:rPr lang="en-US" dirty="0"/>
+                        <a:t>92.19 %</a:t>
+                      </a:r>
+                      <a:endParaRPr lang="en-IN" dirty="0"/>
+                    </a:p>
+                  </a:txBody>
+                  <a:tcPr/>
+                </a:tc>
+                <a:tc>
+                  <a:txBody>
+                    <a:bodyPr/>
+                    <a:lstStyle/>
+                    <a:p>
+                      <a:pPr algn="ctr"/>
+                      <a:r>
+                        <a:rPr lang="en-US" dirty="0"/>
+                        <a:t>0.22</a:t>
+                      </a:r>
+                      <a:endParaRPr lang="en-IN" dirty="0"/>
+                    </a:p>
+                  </a:txBody>
+                  <a:tcPr/>
+                </a:tc>
+                <a:extLst>
+                  <a:ext uri="{0D108BD9-81ED-4DB2-BD59-A6C34878D82A}">
+                    <a16:rowId xmlns:a16="http://schemas.microsoft.com/office/drawing/2014/main" val="25863476"/>
+                  </a:ext>
+                </a:extLst>
+              </a:tr>
+              <a:tr h="370840">
+                <a:tc>
+                  <a:txBody>
+                    <a:bodyPr/>
+                    <a:lstStyle/>
+                    <a:p>
+                      <a:pPr algn="ctr"/>
+                      <a:r>
+                        <a:rPr lang="en-US" dirty="0"/>
+                        <a:t>6</a:t>
+                      </a:r>
+                      <a:endParaRPr lang="en-IN" dirty="0"/>
+                    </a:p>
+                  </a:txBody>
+                  <a:tcPr/>
+                </a:tc>
+                <a:tc>
+                  <a:txBody>
+                    <a:bodyPr/>
+                    <a:lstStyle/>
+                    <a:p>
+                      <a:pPr algn="ctr"/>
+                      <a:r>
+                        <a:rPr lang="en-US" dirty="0"/>
+                        <a:t>91.32 %</a:t>
+                      </a:r>
+                      <a:endParaRPr lang="en-IN" dirty="0"/>
+                    </a:p>
+                  </a:txBody>
+                  <a:tcPr/>
+                </a:tc>
+                <a:tc>
+                  <a:txBody>
+                    <a:bodyPr/>
+                    <a:lstStyle/>
+                    <a:p>
+                      <a:pPr algn="ctr"/>
+                      <a:r>
+                        <a:rPr lang="en-US" dirty="0"/>
+                        <a:t>0.28</a:t>
+                      </a:r>
+                      <a:endParaRPr lang="en-IN" dirty="0"/>
+                    </a:p>
+                  </a:txBody>
+                  <a:tcPr/>
+                </a:tc>
+                <a:extLst>
+                  <a:ext uri="{0D108BD9-81ED-4DB2-BD59-A6C34878D82A}">
+                    <a16:rowId xmlns:a16="http://schemas.microsoft.com/office/drawing/2014/main" val="1531931162"/>
+                  </a:ext>
+                </a:extLst>
+              </a:tr>
+            </a:tbl>
+          </a:graphicData>
+        </a:graphic>
+      </p:graphicFrame>
+      <p:graphicFrame>
+        <p:nvGraphicFramePr>
+          <p:cNvPr id="5" name="Table 4">
+            <a:extLst>
+              <a:ext uri="{FF2B5EF4-FFF2-40B4-BE49-F238E27FC236}">
+                <a16:creationId xmlns:a16="http://schemas.microsoft.com/office/drawing/2014/main" id="{C268EB4C-8ED0-090D-A61D-07ABF8F662C7}"/>
+              </a:ext>
+            </a:extLst>
+          </p:cNvPr>
+          <p:cNvGraphicFramePr>
+            <a:graphicFrameLocks noGrp="1"/>
+          </p:cNvGraphicFramePr>
+          <p:nvPr>
+            <p:extLst>
+              <p:ext uri="{D42A27DB-BD31-4B8C-83A1-F6EECF244321}">
+                <p14:modId xmlns:p14="http://schemas.microsoft.com/office/powerpoint/2010/main" val="3177030564"/>
+              </p:ext>
+            </p:extLst>
+          </p:nvPr>
+        </p:nvGraphicFramePr>
+        <p:xfrm>
+          <a:off x="6233651" y="2541756"/>
+          <a:ext cx="5188614" cy="2595880"/>
+        </p:xfrm>
+        <a:graphic>
+          <a:graphicData uri="http://schemas.openxmlformats.org/drawingml/2006/table">
+            <a:tbl>
+              <a:tblPr firstRow="1" bandRow="1">
+                <a:tableStyleId>{073A0DAA-6AF3-43AB-8588-CEC1D06C72B9}</a:tableStyleId>
+              </a:tblPr>
+              <a:tblGrid>
+                <a:gridCol w="1729538">
+                  <a:extLst>
+                    <a:ext uri="{9D8B030D-6E8A-4147-A177-3AD203B41FA5}">
+                      <a16:colId xmlns:a16="http://schemas.microsoft.com/office/drawing/2014/main" val="2072905676"/>
+                    </a:ext>
+                  </a:extLst>
+                </a:gridCol>
+                <a:gridCol w="1729538">
+                  <a:extLst>
+                    <a:ext uri="{9D8B030D-6E8A-4147-A177-3AD203B41FA5}">
+                      <a16:colId xmlns:a16="http://schemas.microsoft.com/office/drawing/2014/main" val="684301918"/>
+                    </a:ext>
+                  </a:extLst>
+                </a:gridCol>
+                <a:gridCol w="1729538">
+                  <a:extLst>
+                    <a:ext uri="{9D8B030D-6E8A-4147-A177-3AD203B41FA5}">
+                      <a16:colId xmlns:a16="http://schemas.microsoft.com/office/drawing/2014/main" val="1610736767"/>
+                    </a:ext>
+                  </a:extLst>
+                </a:gridCol>
+              </a:tblGrid>
+              <a:tr h="370840">
+                <a:tc>
+                  <a:txBody>
+                    <a:bodyPr/>
+                    <a:lstStyle/>
+                    <a:p>
+                      <a:pPr algn="ctr"/>
+                      <a:r>
+                        <a:rPr lang="en-US" dirty="0"/>
+                        <a:t>Round</a:t>
+                      </a:r>
+                      <a:endParaRPr lang="en-IN" dirty="0"/>
+                    </a:p>
+                  </a:txBody>
+                  <a:tcPr/>
+                </a:tc>
+                <a:tc>
+                  <a:txBody>
+                    <a:bodyPr/>
+                    <a:lstStyle/>
+                    <a:p>
+                      <a:pPr algn="ctr"/>
+                      <a:r>
+                        <a:rPr lang="en-US" dirty="0"/>
+                        <a:t>Accuracy</a:t>
+                      </a:r>
+                      <a:endParaRPr lang="en-IN" dirty="0"/>
+                    </a:p>
+                  </a:txBody>
+                  <a:tcPr/>
+                </a:tc>
+                <a:tc>
+                  <a:txBody>
+                    <a:bodyPr/>
+                    <a:lstStyle/>
+                    <a:p>
+                      <a:pPr algn="ctr"/>
+                      <a:r>
+                        <a:rPr lang="en-US" dirty="0"/>
+                        <a:t>Loss</a:t>
+                      </a:r>
+                      <a:endParaRPr lang="en-IN" dirty="0"/>
+                    </a:p>
+                  </a:txBody>
+                  <a:tcPr/>
+                </a:tc>
+                <a:extLst>
+                  <a:ext uri="{0D108BD9-81ED-4DB2-BD59-A6C34878D82A}">
+                    <a16:rowId xmlns:a16="http://schemas.microsoft.com/office/drawing/2014/main" val="2980590616"/>
+                  </a:ext>
+                </a:extLst>
+              </a:tr>
+              <a:tr h="370840">
+                <a:tc>
+                  <a:txBody>
+                    <a:bodyPr/>
+                    <a:lstStyle/>
+                    <a:p>
+                      <a:pPr algn="ctr"/>
+                      <a:r>
+                        <a:rPr lang="en-US" dirty="0"/>
+                        <a:t>7</a:t>
+                      </a:r>
+                    </a:p>
+                  </a:txBody>
+                  <a:tcPr/>
+                </a:tc>
+                <a:tc>
+                  <a:txBody>
+                    <a:bodyPr/>
+                    <a:lstStyle/>
+                    <a:p>
+                      <a:pPr algn="ctr"/>
+                      <a:r>
+                        <a:rPr lang="en-US" dirty="0"/>
+                        <a:t>92.62 %</a:t>
+                      </a:r>
+                      <a:endParaRPr lang="en-IN" dirty="0"/>
+                    </a:p>
+                  </a:txBody>
+                  <a:tcPr/>
+                </a:tc>
+                <a:tc>
+                  <a:txBody>
+                    <a:bodyPr/>
+                    <a:lstStyle/>
+                    <a:p>
+                      <a:pPr algn="ctr"/>
+                      <a:r>
+                        <a:rPr lang="en-US" dirty="0"/>
+                        <a:t>0.21</a:t>
+                      </a:r>
+                      <a:endParaRPr lang="en-IN" dirty="0"/>
+                    </a:p>
+                  </a:txBody>
+                  <a:tcPr/>
+                </a:tc>
+                <a:extLst>
+                  <a:ext uri="{0D108BD9-81ED-4DB2-BD59-A6C34878D82A}">
+                    <a16:rowId xmlns:a16="http://schemas.microsoft.com/office/drawing/2014/main" val="528740570"/>
+                  </a:ext>
+                </a:extLst>
+              </a:tr>
+              <a:tr h="370840">
+                <a:tc>
+                  <a:txBody>
+                    <a:bodyPr/>
+                    <a:lstStyle/>
+                    <a:p>
+                      <a:pPr algn="ctr"/>
+                      <a:r>
+                        <a:rPr lang="en-US" dirty="0"/>
+                        <a:t>8</a:t>
+                      </a:r>
+                      <a:endParaRPr lang="en-IN" dirty="0"/>
+                    </a:p>
+                  </a:txBody>
+                  <a:tcPr/>
+                </a:tc>
+                <a:tc>
+                  <a:txBody>
+                    <a:bodyPr/>
+                    <a:lstStyle/>
+                    <a:p>
+                      <a:pPr algn="ctr"/>
+                      <a:r>
+                        <a:rPr lang="en-US" dirty="0"/>
+                        <a:t>94.79 %</a:t>
+                      </a:r>
+                      <a:endParaRPr lang="en-IN" dirty="0"/>
+                    </a:p>
+                  </a:txBody>
+                  <a:tcPr/>
+                </a:tc>
+                <a:tc>
+                  <a:txBody>
+                    <a:bodyPr/>
+                    <a:lstStyle/>
+                    <a:p>
+                      <a:pPr algn="ctr"/>
+                      <a:r>
+                        <a:rPr lang="en-US" dirty="0"/>
+                        <a:t>0.18</a:t>
+                      </a:r>
+                      <a:endParaRPr lang="en-IN" dirty="0"/>
+                    </a:p>
+                  </a:txBody>
+                  <a:tcPr/>
+                </a:tc>
+                <a:extLst>
+                  <a:ext uri="{0D108BD9-81ED-4DB2-BD59-A6C34878D82A}">
+                    <a16:rowId xmlns:a16="http://schemas.microsoft.com/office/drawing/2014/main" val="3909944274"/>
+                  </a:ext>
+                </a:extLst>
+              </a:tr>
+              <a:tr h="370840">
+                <a:tc>
+                  <a:txBody>
+                    <a:bodyPr/>
+                    <a:lstStyle/>
+                    <a:p>
+                      <a:pPr algn="ctr"/>
+                      <a:r>
+                        <a:rPr lang="en-US" dirty="0"/>
+                        <a:t>9</a:t>
+                      </a:r>
+                      <a:endParaRPr lang="en-IN" dirty="0"/>
+                    </a:p>
+                  </a:txBody>
+                  <a:tcPr/>
+                </a:tc>
+                <a:tc>
+                  <a:txBody>
+                    <a:bodyPr/>
+                    <a:lstStyle/>
+                    <a:p>
+                      <a:pPr algn="ctr"/>
+                      <a:r>
+                        <a:rPr lang="en-US" dirty="0"/>
+                        <a:t>94.36 %</a:t>
+                      </a:r>
+                      <a:endParaRPr lang="en-IN" dirty="0"/>
+                    </a:p>
+                  </a:txBody>
+                  <a:tcPr/>
+                </a:tc>
+                <a:tc>
+                  <a:txBody>
+                    <a:bodyPr/>
+                    <a:lstStyle/>
+                    <a:p>
+                      <a:pPr algn="ctr"/>
+                      <a:r>
+                        <a:rPr lang="en-US" dirty="0"/>
+                        <a:t>0.19</a:t>
+                      </a:r>
+                      <a:endParaRPr lang="en-IN" dirty="0"/>
+                    </a:p>
+                  </a:txBody>
+                  <a:tcPr/>
+                </a:tc>
+                <a:extLst>
+                  <a:ext uri="{0D108BD9-81ED-4DB2-BD59-A6C34878D82A}">
+                    <a16:rowId xmlns:a16="http://schemas.microsoft.com/office/drawing/2014/main" val="74134503"/>
+                  </a:ext>
+                </a:extLst>
+              </a:tr>
+              <a:tr h="370840">
+                <a:tc>
+                  <a:txBody>
+                    <a:bodyPr/>
+                    <a:lstStyle/>
+                    <a:p>
+                      <a:pPr algn="ctr"/>
+                      <a:r>
+                        <a:rPr lang="en-US" dirty="0"/>
+                        <a:t>10</a:t>
+                      </a:r>
+                      <a:endParaRPr lang="en-IN" dirty="0"/>
+                    </a:p>
+                  </a:txBody>
+                  <a:tcPr/>
+                </a:tc>
+                <a:tc>
+                  <a:txBody>
+                    <a:bodyPr/>
+                    <a:lstStyle/>
+                    <a:p>
+                      <a:pPr algn="ctr"/>
+                      <a:r>
+                        <a:rPr lang="en-US" dirty="0"/>
+                        <a:t>94.14 %</a:t>
+                      </a:r>
+                      <a:endParaRPr lang="en-IN" dirty="0"/>
+                    </a:p>
+                  </a:txBody>
+                  <a:tcPr/>
+                </a:tc>
+                <a:tc>
+                  <a:txBody>
+                    <a:bodyPr/>
+                    <a:lstStyle/>
+                    <a:p>
+                      <a:pPr algn="ctr"/>
+                      <a:r>
+                        <a:rPr lang="en-US" dirty="0"/>
+                        <a:t>0.18</a:t>
+                      </a:r>
+                      <a:endParaRPr lang="en-IN" dirty="0"/>
+                    </a:p>
+                  </a:txBody>
+                  <a:tcPr/>
+                </a:tc>
+                <a:extLst>
+                  <a:ext uri="{0D108BD9-81ED-4DB2-BD59-A6C34878D82A}">
+                    <a16:rowId xmlns:a16="http://schemas.microsoft.com/office/drawing/2014/main" val="3961088009"/>
+                  </a:ext>
+                </a:extLst>
+              </a:tr>
+              <a:tr h="370840">
+                <a:tc>
+                  <a:txBody>
+                    <a:bodyPr/>
+                    <a:lstStyle/>
+                    <a:p>
+                      <a:pPr algn="ctr"/>
+                      <a:r>
+                        <a:rPr lang="en-US" dirty="0"/>
+                        <a:t>11</a:t>
+                      </a:r>
+                      <a:endParaRPr lang="en-IN" dirty="0"/>
+                    </a:p>
+                  </a:txBody>
+                  <a:tcPr/>
+                </a:tc>
+                <a:tc>
+                  <a:txBody>
+                    <a:bodyPr/>
+                    <a:lstStyle/>
+                    <a:p>
+                      <a:pPr algn="ctr"/>
+                      <a:r>
+                        <a:rPr lang="en-US" dirty="0"/>
+                        <a:t>94.14 %</a:t>
+                      </a:r>
+                      <a:endParaRPr lang="en-IN" dirty="0"/>
+                    </a:p>
+                  </a:txBody>
+                  <a:tcPr/>
+                </a:tc>
+                <a:tc>
+                  <a:txBody>
+                    <a:bodyPr/>
+                    <a:lstStyle/>
+                    <a:p>
+                      <a:pPr algn="ctr"/>
+                      <a:r>
+                        <a:rPr lang="en-US" dirty="0"/>
+                        <a:t>0.16</a:t>
+                      </a:r>
+                      <a:endParaRPr lang="en-IN" dirty="0"/>
+                    </a:p>
+                  </a:txBody>
+                  <a:tcPr/>
+                </a:tc>
+                <a:extLst>
+                  <a:ext uri="{0D108BD9-81ED-4DB2-BD59-A6C34878D82A}">
+                    <a16:rowId xmlns:a16="http://schemas.microsoft.com/office/drawing/2014/main" val="25863476"/>
+                  </a:ext>
+                </a:extLst>
+              </a:tr>
+              <a:tr h="370840">
+                <a:tc>
+                  <a:txBody>
+                    <a:bodyPr/>
+                    <a:lstStyle/>
+                    <a:p>
+                      <a:pPr algn="ctr"/>
+                      <a:r>
+                        <a:rPr lang="en-US" dirty="0"/>
+                        <a:t>12</a:t>
+                      </a:r>
+                      <a:endParaRPr lang="en-IN" dirty="0"/>
+                    </a:p>
+                  </a:txBody>
+                  <a:tcPr/>
+                </a:tc>
+                <a:tc>
+                  <a:txBody>
+                    <a:bodyPr/>
+                    <a:lstStyle/>
+                    <a:p>
+                      <a:pPr algn="ctr"/>
+                      <a:r>
+                        <a:rPr lang="en-US" dirty="0"/>
+                        <a:t>93.71 %</a:t>
+                      </a:r>
+                      <a:endParaRPr lang="en-IN" dirty="0"/>
+                    </a:p>
+                  </a:txBody>
+                  <a:tcPr/>
+                </a:tc>
+                <a:tc>
+                  <a:txBody>
+                    <a:bodyPr/>
+                    <a:lstStyle/>
+                    <a:p>
+                      <a:pPr algn="ctr"/>
+                      <a:r>
+                        <a:rPr lang="en-US" dirty="0"/>
+                        <a:t>0.25</a:t>
+                      </a:r>
+                      <a:endParaRPr lang="en-IN" dirty="0"/>
+                    </a:p>
+                  </a:txBody>
+                  <a:tcPr/>
+                </a:tc>
+                <a:extLst>
+                  <a:ext uri="{0D108BD9-81ED-4DB2-BD59-A6C34878D82A}">
+                    <a16:rowId xmlns:a16="http://schemas.microsoft.com/office/drawing/2014/main" val="1531931162"/>
+                  </a:ext>
+                </a:extLst>
+              </a:tr>
+            </a:tbl>
+          </a:graphicData>
+        </a:graphic>
+      </p:graphicFrame>
     </p:spTree>
     <p:extLst>
       <p:ext uri="{BB962C8B-B14F-4D97-AF65-F5344CB8AC3E}">
-        <p14:creationId xmlns:p14="http://schemas.microsoft.com/office/powerpoint/2010/main" val="1117386952"/>
+        <p14:creationId xmlns:p14="http://schemas.microsoft.com/office/powerpoint/2010/main" val="1903676821"/>
+      </p:ext>
+    </p:extLst>
+  </p:cSld>
+  <p:clrMapOvr>
+    <a:masterClrMapping/>
+  </p:clrMapOvr>
+</p:sld>
+</file>
+
+<file path=ppt/slides/slide23.xml><?xml version="1.0" encoding="utf-8"?>
+<p:sld xmlns:a="http://schemas.openxmlformats.org/drawingml/2006/main" xmlns:r="http://schemas.openxmlformats.org/officeDocument/2006/relationships" xmlns:p="http://schemas.openxmlformats.org/presentationml/2006/main">
+  <p:cSld>
+    <p:spTree>
+      <p:nvGrpSpPr>
+        <p:cNvPr id="1" name="">
+          <a:extLst>
+            <a:ext uri="{FF2B5EF4-FFF2-40B4-BE49-F238E27FC236}">
+              <a16:creationId xmlns:a16="http://schemas.microsoft.com/office/drawing/2014/main" id="{187547F4-8BA4-99ED-19F9-01FA3E35B75A}"/>
+            </a:ext>
+          </a:extLst>
+        </p:cNvPr>
+        <p:cNvGrpSpPr/>
+        <p:nvPr/>
+      </p:nvGrpSpPr>
+      <p:grpSpPr>
+        <a:xfrm>
+          <a:off x="0" y="0"/>
+          <a:ext cx="0" cy="0"/>
+          <a:chOff x="0" y="0"/>
+          <a:chExt cx="0" cy="0"/>
+        </a:xfrm>
+      </p:grpSpPr>
+      <p:sp>
+        <p:nvSpPr>
+          <p:cNvPr id="2" name="Title 1">
+            <a:extLst>
+              <a:ext uri="{FF2B5EF4-FFF2-40B4-BE49-F238E27FC236}">
+                <a16:creationId xmlns:a16="http://schemas.microsoft.com/office/drawing/2014/main" id="{5FF2B041-645F-E897-AE1C-EB2A4A3F227E}"/>
+              </a:ext>
+            </a:extLst>
+          </p:cNvPr>
+          <p:cNvSpPr>
+            <a:spLocks noGrp="1"/>
+          </p:cNvSpPr>
+          <p:nvPr>
+            <p:ph type="title"/>
+          </p:nvPr>
+        </p:nvSpPr>
+        <p:spPr>
+          <a:xfrm>
+            <a:off x="691079" y="132038"/>
+            <a:ext cx="10325000" cy="821395"/>
+          </a:xfrm>
+        </p:spPr>
+        <p:txBody>
+          <a:bodyPr>
+            <a:normAutofit/>
+          </a:bodyPr>
+          <a:lstStyle/>
+          <a:p>
+            <a:r>
+              <a:rPr lang="en-US" sz="3200" dirty="0"/>
+              <a:t>Implementation Results – without Xavier Initialization</a:t>
+            </a:r>
+            <a:endParaRPr lang="en-IN" sz="3200" dirty="0"/>
+          </a:p>
+        </p:txBody>
+      </p:sp>
+      <p:sp>
+        <p:nvSpPr>
+          <p:cNvPr id="3" name="Content Placeholder 2">
+            <a:extLst>
+              <a:ext uri="{FF2B5EF4-FFF2-40B4-BE49-F238E27FC236}">
+                <a16:creationId xmlns:a16="http://schemas.microsoft.com/office/drawing/2014/main" id="{8E212826-163E-0AA1-B0BF-1B8CD8729E9A}"/>
+              </a:ext>
+            </a:extLst>
+          </p:cNvPr>
+          <p:cNvSpPr>
+            <a:spLocks noGrp="1"/>
+          </p:cNvSpPr>
+          <p:nvPr>
+            <p:ph idx="1"/>
+          </p:nvPr>
+        </p:nvSpPr>
+        <p:spPr>
+          <a:xfrm>
+            <a:off x="691078" y="953432"/>
+            <a:ext cx="11274779" cy="5772529"/>
+          </a:xfrm>
+        </p:spPr>
+        <p:txBody>
+          <a:bodyPr>
+            <a:normAutofit/>
+          </a:bodyPr>
+          <a:lstStyle/>
+          <a:p>
+            <a:pPr marL="0" indent="0">
+              <a:buNone/>
+            </a:pPr>
+            <a:r>
+              <a:rPr lang="en-US" sz="2800" b="1" dirty="0"/>
+              <a:t>Results:</a:t>
+            </a:r>
+          </a:p>
+          <a:p>
+            <a:r>
+              <a:rPr lang="en-IN" b="1" dirty="0"/>
+              <a:t>DenseNet201 Model:</a:t>
+            </a:r>
+          </a:p>
+          <a:p>
+            <a:pPr marL="0" indent="0">
+              <a:buNone/>
+            </a:pPr>
+            <a:r>
+              <a:rPr lang="en-IN" b="1" dirty="0"/>
+              <a:t>Classification Report:                                                  Accuracy Plot:</a:t>
+            </a:r>
+          </a:p>
+          <a:p>
+            <a:pPr marL="0" indent="0">
+              <a:buNone/>
+            </a:pPr>
+            <a:endParaRPr lang="en-IN" b="1" dirty="0"/>
+          </a:p>
+          <a:p>
+            <a:pPr marL="0" indent="0">
+              <a:buNone/>
+            </a:pPr>
+            <a:endParaRPr lang="en-IN" b="1" dirty="0"/>
+          </a:p>
+          <a:p>
+            <a:pPr marL="0" indent="0">
+              <a:buNone/>
+            </a:pPr>
+            <a:r>
+              <a:rPr lang="en-IN" b="1" dirty="0"/>
+              <a:t>	</a:t>
+            </a:r>
+          </a:p>
+        </p:txBody>
+      </p:sp>
+      <p:pic>
+        <p:nvPicPr>
+          <p:cNvPr id="6" name="Picture 5" descr="A screenshot of a computer&#10;&#10;Description automatically generated">
+            <a:extLst>
+              <a:ext uri="{FF2B5EF4-FFF2-40B4-BE49-F238E27FC236}">
+                <a16:creationId xmlns:a16="http://schemas.microsoft.com/office/drawing/2014/main" id="{04A3B332-92E1-F0AD-BA74-B0FD59F7CD0C}"/>
+              </a:ext>
+            </a:extLst>
+          </p:cNvPr>
+          <p:cNvPicPr>
+            <a:picLocks noChangeAspect="1"/>
+          </p:cNvPicPr>
+          <p:nvPr/>
+        </p:nvPicPr>
+        <p:blipFill>
+          <a:blip r:embed="rId2">
+            <a:extLst>
+              <a:ext uri="{28A0092B-C50C-407E-A947-70E740481C1C}">
+                <a14:useLocalDpi xmlns:a14="http://schemas.microsoft.com/office/drawing/2010/main" val="0"/>
+              </a:ext>
+            </a:extLst>
+          </a:blip>
+          <a:stretch>
+            <a:fillRect/>
+          </a:stretch>
+        </p:blipFill>
+        <p:spPr>
+          <a:xfrm>
+            <a:off x="1209368" y="2467844"/>
+            <a:ext cx="3292872" cy="4190354"/>
+          </a:xfrm>
+          <a:prstGeom prst="rect">
+            <a:avLst/>
+          </a:prstGeom>
+        </p:spPr>
+      </p:pic>
+      <p:pic>
+        <p:nvPicPr>
+          <p:cNvPr id="9" name="Picture 8" descr="A graph with a line going up&#10;&#10;Description automatically generated">
+            <a:extLst>
+              <a:ext uri="{FF2B5EF4-FFF2-40B4-BE49-F238E27FC236}">
+                <a16:creationId xmlns:a16="http://schemas.microsoft.com/office/drawing/2014/main" id="{4FA30902-DC43-040D-7C1B-616E5A860586}"/>
+              </a:ext>
+            </a:extLst>
+          </p:cNvPr>
+          <p:cNvPicPr>
+            <a:picLocks noChangeAspect="1"/>
+          </p:cNvPicPr>
+          <p:nvPr/>
+        </p:nvPicPr>
+        <p:blipFill>
+          <a:blip r:embed="rId3">
+            <a:extLst>
+              <a:ext uri="{28A0092B-C50C-407E-A947-70E740481C1C}">
+                <a14:useLocalDpi xmlns:a14="http://schemas.microsoft.com/office/drawing/2010/main" val="0"/>
+              </a:ext>
+            </a:extLst>
+          </a:blip>
+          <a:srcRect r="46947"/>
+          <a:stretch/>
+        </p:blipFill>
+        <p:spPr>
+          <a:xfrm>
+            <a:off x="6667259" y="2467844"/>
+            <a:ext cx="5007676" cy="3932956"/>
+          </a:xfrm>
+          <a:prstGeom prst="rect">
+            <a:avLst/>
+          </a:prstGeom>
+        </p:spPr>
+      </p:pic>
+    </p:spTree>
+    <p:extLst>
+      <p:ext uri="{BB962C8B-B14F-4D97-AF65-F5344CB8AC3E}">
+        <p14:creationId xmlns:p14="http://schemas.microsoft.com/office/powerpoint/2010/main" val="1834112733"/>
+      </p:ext>
+    </p:extLst>
+  </p:cSld>
+  <p:clrMapOvr>
+    <a:masterClrMapping/>
+  </p:clrMapOvr>
+</p:sld>
+</file>
+
+<file path=ppt/slides/slide24.xml><?xml version="1.0" encoding="utf-8"?>
+<p:sld xmlns:a="http://schemas.openxmlformats.org/drawingml/2006/main" xmlns:r="http://schemas.openxmlformats.org/officeDocument/2006/relationships" xmlns:p="http://schemas.openxmlformats.org/presentationml/2006/main">
+  <p:cSld>
+    <p:spTree>
+      <p:nvGrpSpPr>
+        <p:cNvPr id="1" name="">
+          <a:extLst>
+            <a:ext uri="{FF2B5EF4-FFF2-40B4-BE49-F238E27FC236}">
+              <a16:creationId xmlns:a16="http://schemas.microsoft.com/office/drawing/2014/main" id="{83DB7796-2C1F-C54E-5F16-CF22D9CE52F4}"/>
+            </a:ext>
+          </a:extLst>
+        </p:cNvPr>
+        <p:cNvGrpSpPr/>
+        <p:nvPr/>
+      </p:nvGrpSpPr>
+      <p:grpSpPr>
+        <a:xfrm>
+          <a:off x="0" y="0"/>
+          <a:ext cx="0" cy="0"/>
+          <a:chOff x="0" y="0"/>
+          <a:chExt cx="0" cy="0"/>
+        </a:xfrm>
+      </p:grpSpPr>
+      <p:sp>
+        <p:nvSpPr>
+          <p:cNvPr id="2" name="Title 1">
+            <a:extLst>
+              <a:ext uri="{FF2B5EF4-FFF2-40B4-BE49-F238E27FC236}">
+                <a16:creationId xmlns:a16="http://schemas.microsoft.com/office/drawing/2014/main" id="{A1FA60FC-CB7E-2031-1288-AEA166B5C2D1}"/>
+              </a:ext>
+            </a:extLst>
+          </p:cNvPr>
+          <p:cNvSpPr>
+            <a:spLocks noGrp="1"/>
+          </p:cNvSpPr>
+          <p:nvPr>
+            <p:ph type="title"/>
+          </p:nvPr>
+        </p:nvSpPr>
+        <p:spPr>
+          <a:xfrm>
+            <a:off x="691079" y="132038"/>
+            <a:ext cx="10325000" cy="821395"/>
+          </a:xfrm>
+        </p:spPr>
+        <p:txBody>
+          <a:bodyPr>
+            <a:normAutofit/>
+          </a:bodyPr>
+          <a:lstStyle/>
+          <a:p>
+            <a:r>
+              <a:rPr lang="en-US" sz="3200" dirty="0"/>
+              <a:t>Implementation Results – without Xavier Initialization</a:t>
+            </a:r>
+            <a:endParaRPr lang="en-IN" sz="3200" dirty="0"/>
+          </a:p>
+        </p:txBody>
+      </p:sp>
+      <p:sp>
+        <p:nvSpPr>
+          <p:cNvPr id="3" name="Content Placeholder 2">
+            <a:extLst>
+              <a:ext uri="{FF2B5EF4-FFF2-40B4-BE49-F238E27FC236}">
+                <a16:creationId xmlns:a16="http://schemas.microsoft.com/office/drawing/2014/main" id="{6601A7CC-D719-E408-60C0-AF28A80B7DF6}"/>
+              </a:ext>
+            </a:extLst>
+          </p:cNvPr>
+          <p:cNvSpPr>
+            <a:spLocks noGrp="1"/>
+          </p:cNvSpPr>
+          <p:nvPr>
+            <p:ph idx="1"/>
+          </p:nvPr>
+        </p:nvSpPr>
+        <p:spPr>
+          <a:xfrm>
+            <a:off x="691078" y="953432"/>
+            <a:ext cx="11274779" cy="5772529"/>
+          </a:xfrm>
+        </p:spPr>
+        <p:txBody>
+          <a:bodyPr>
+            <a:normAutofit/>
+          </a:bodyPr>
+          <a:lstStyle/>
+          <a:p>
+            <a:pPr marL="0" indent="0">
+              <a:buNone/>
+            </a:pPr>
+            <a:r>
+              <a:rPr lang="en-US" sz="2800" b="1" dirty="0"/>
+              <a:t>Results:</a:t>
+            </a:r>
+          </a:p>
+          <a:p>
+            <a:r>
+              <a:rPr lang="en-IN" b="1" dirty="0"/>
+              <a:t>DenseNet201 Model:</a:t>
+            </a:r>
+          </a:p>
+          <a:p>
+            <a:pPr marL="0" indent="0">
+              <a:buNone/>
+            </a:pPr>
+            <a:r>
+              <a:rPr lang="en-IN" b="1" dirty="0"/>
+              <a:t>Confusion Matrix:</a:t>
+            </a:r>
+          </a:p>
+          <a:p>
+            <a:pPr marL="0" indent="0">
+              <a:buNone/>
+            </a:pPr>
+            <a:endParaRPr lang="en-IN" b="1" dirty="0"/>
+          </a:p>
+          <a:p>
+            <a:pPr marL="0" indent="0">
+              <a:buNone/>
+            </a:pPr>
+            <a:endParaRPr lang="en-IN" b="1" dirty="0"/>
+          </a:p>
+          <a:p>
+            <a:pPr marL="0" indent="0">
+              <a:buNone/>
+            </a:pPr>
+            <a:r>
+              <a:rPr lang="en-IN" b="1" dirty="0"/>
+              <a:t>	</a:t>
+            </a:r>
+          </a:p>
+        </p:txBody>
+      </p:sp>
+      <p:pic>
+        <p:nvPicPr>
+          <p:cNvPr id="10" name="Picture 9" descr="A blue squares with white text&#10;&#10;Description automatically generated">
+            <a:extLst>
+              <a:ext uri="{FF2B5EF4-FFF2-40B4-BE49-F238E27FC236}">
+                <a16:creationId xmlns:a16="http://schemas.microsoft.com/office/drawing/2014/main" id="{F1C47C39-AF81-A29D-5480-CE27CEDBB82A}"/>
+              </a:ext>
+            </a:extLst>
+          </p:cNvPr>
+          <p:cNvPicPr>
+            <a:picLocks noChangeAspect="1"/>
+          </p:cNvPicPr>
+          <p:nvPr/>
+        </p:nvPicPr>
+        <p:blipFill>
+          <a:blip r:embed="rId2">
+            <a:extLst>
+              <a:ext uri="{28A0092B-C50C-407E-A947-70E740481C1C}">
+                <a14:useLocalDpi xmlns:a14="http://schemas.microsoft.com/office/drawing/2010/main" val="0"/>
+              </a:ext>
+            </a:extLst>
+          </a:blip>
+          <a:stretch>
+            <a:fillRect/>
+          </a:stretch>
+        </p:blipFill>
+        <p:spPr>
+          <a:xfrm>
+            <a:off x="3047754" y="2251586"/>
+            <a:ext cx="5357211" cy="4017908"/>
+          </a:xfrm>
+          <a:prstGeom prst="rect">
+            <a:avLst/>
+          </a:prstGeom>
+        </p:spPr>
+      </p:pic>
+    </p:spTree>
+    <p:extLst>
+      <p:ext uri="{BB962C8B-B14F-4D97-AF65-F5344CB8AC3E}">
+        <p14:creationId xmlns:p14="http://schemas.microsoft.com/office/powerpoint/2010/main" val="1672645487"/>
+      </p:ext>
+    </p:extLst>
+  </p:cSld>
+  <p:clrMapOvr>
+    <a:masterClrMapping/>
+  </p:clrMapOvr>
+</p:sld>
+</file>
+
+<file path=ppt/slides/slide25.xml><?xml version="1.0" encoding="utf-8"?>
+<p:sld xmlns:a="http://schemas.openxmlformats.org/drawingml/2006/main" xmlns:r="http://schemas.openxmlformats.org/officeDocument/2006/relationships" xmlns:p="http://schemas.openxmlformats.org/presentationml/2006/main">
+  <p:cSld>
+    <p:spTree>
+      <p:nvGrpSpPr>
+        <p:cNvPr id="1" name="">
+          <a:extLst>
+            <a:ext uri="{FF2B5EF4-FFF2-40B4-BE49-F238E27FC236}">
+              <a16:creationId xmlns:a16="http://schemas.microsoft.com/office/drawing/2014/main" id="{2CFFB8A0-EBE7-C2EE-EC5C-C41813815D49}"/>
+            </a:ext>
+          </a:extLst>
+        </p:cNvPr>
+        <p:cNvGrpSpPr/>
+        <p:nvPr/>
+      </p:nvGrpSpPr>
+      <p:grpSpPr>
+        <a:xfrm>
+          <a:off x="0" y="0"/>
+          <a:ext cx="0" cy="0"/>
+          <a:chOff x="0" y="0"/>
+          <a:chExt cx="0" cy="0"/>
+        </a:xfrm>
+      </p:grpSpPr>
+      <p:sp>
+        <p:nvSpPr>
+          <p:cNvPr id="2" name="Title 1">
+            <a:extLst>
+              <a:ext uri="{FF2B5EF4-FFF2-40B4-BE49-F238E27FC236}">
+                <a16:creationId xmlns:a16="http://schemas.microsoft.com/office/drawing/2014/main" id="{0660D79C-7252-0CA5-914D-96B13E0FE6AA}"/>
+              </a:ext>
+            </a:extLst>
+          </p:cNvPr>
+          <p:cNvSpPr>
+            <a:spLocks noGrp="1"/>
+          </p:cNvSpPr>
+          <p:nvPr>
+            <p:ph type="title"/>
+          </p:nvPr>
+        </p:nvSpPr>
+        <p:spPr>
+          <a:xfrm>
+            <a:off x="691079" y="132038"/>
+            <a:ext cx="10325000" cy="821395"/>
+          </a:xfrm>
+        </p:spPr>
+        <p:txBody>
+          <a:bodyPr>
+            <a:normAutofit/>
+          </a:bodyPr>
+          <a:lstStyle/>
+          <a:p>
+            <a:r>
+              <a:rPr lang="en-US" sz="3200" dirty="0"/>
+              <a:t>Implementation Results – without Xavier Initialization</a:t>
+            </a:r>
+            <a:endParaRPr lang="en-IN" sz="3200" dirty="0"/>
+          </a:p>
+        </p:txBody>
+      </p:sp>
+      <p:sp>
+        <p:nvSpPr>
+          <p:cNvPr id="3" name="Content Placeholder 2">
+            <a:extLst>
+              <a:ext uri="{FF2B5EF4-FFF2-40B4-BE49-F238E27FC236}">
+                <a16:creationId xmlns:a16="http://schemas.microsoft.com/office/drawing/2014/main" id="{2B54D38D-9932-A41C-FA5B-33FA49E237B5}"/>
+              </a:ext>
+            </a:extLst>
+          </p:cNvPr>
+          <p:cNvSpPr>
+            <a:spLocks noGrp="1"/>
+          </p:cNvSpPr>
+          <p:nvPr>
+            <p:ph idx="1"/>
+          </p:nvPr>
+        </p:nvSpPr>
+        <p:spPr>
+          <a:xfrm>
+            <a:off x="691078" y="953432"/>
+            <a:ext cx="11274779" cy="5772529"/>
+          </a:xfrm>
+        </p:spPr>
+        <p:txBody>
+          <a:bodyPr>
+            <a:normAutofit/>
+          </a:bodyPr>
+          <a:lstStyle/>
+          <a:p>
+            <a:pPr marL="0" indent="0">
+              <a:buNone/>
+            </a:pPr>
+            <a:r>
+              <a:rPr lang="en-US" sz="2800" b="1" dirty="0"/>
+              <a:t>Results:</a:t>
+            </a:r>
+          </a:p>
+          <a:p>
+            <a:r>
+              <a:rPr lang="en-IN" b="1" dirty="0"/>
+              <a:t>DenseNet201 Model:</a:t>
+            </a:r>
+          </a:p>
+          <a:p>
+            <a:pPr marL="0" indent="0">
+              <a:buNone/>
+            </a:pPr>
+            <a:r>
+              <a:rPr lang="en-IN" b="1" dirty="0"/>
+              <a:t>Federated Learning Metrics:</a:t>
+            </a:r>
+          </a:p>
+          <a:p>
+            <a:pPr marL="0" indent="0">
+              <a:buNone/>
+            </a:pPr>
+            <a:endParaRPr lang="en-IN" b="1" dirty="0"/>
+          </a:p>
+          <a:p>
+            <a:pPr marL="0" indent="0">
+              <a:buNone/>
+            </a:pPr>
+            <a:endParaRPr lang="en-IN" b="1" dirty="0"/>
+          </a:p>
+          <a:p>
+            <a:pPr marL="0" indent="0">
+              <a:buNone/>
+            </a:pPr>
+            <a:endParaRPr lang="en-IN" b="1" dirty="0"/>
+          </a:p>
+          <a:p>
+            <a:pPr marL="0" indent="0">
+              <a:buNone/>
+            </a:pPr>
+            <a:r>
+              <a:rPr lang="en-IN" b="1" dirty="0"/>
+              <a:t>	Federated Learning Metrics:</a:t>
+            </a:r>
+          </a:p>
+          <a:p>
+            <a:pPr marL="0" indent="0">
+              <a:buNone/>
+            </a:pPr>
+            <a:endParaRPr lang="en-IN" b="1" dirty="0"/>
+          </a:p>
+          <a:p>
+            <a:pPr marL="0" indent="0">
+              <a:buNone/>
+            </a:pPr>
+            <a:endParaRPr lang="en-IN" b="1" dirty="0"/>
+          </a:p>
+          <a:p>
+            <a:pPr marL="0" indent="0">
+              <a:buNone/>
+            </a:pPr>
+            <a:r>
+              <a:rPr lang="en-IN" b="1" dirty="0"/>
+              <a:t>Final Metrics:</a:t>
+            </a:r>
+          </a:p>
+          <a:p>
+            <a:r>
+              <a:rPr lang="en-IN" sz="1600" b="1" dirty="0"/>
+              <a:t>Global Accuracy : 95.18 %</a:t>
+            </a:r>
+          </a:p>
+          <a:p>
+            <a:r>
+              <a:rPr lang="en-IN" sz="1600" b="1" dirty="0"/>
+              <a:t>Global Loss : 0.1450</a:t>
+            </a:r>
+          </a:p>
+        </p:txBody>
+      </p:sp>
+      <p:graphicFrame>
+        <p:nvGraphicFramePr>
+          <p:cNvPr id="4" name="Table 3">
+            <a:extLst>
+              <a:ext uri="{FF2B5EF4-FFF2-40B4-BE49-F238E27FC236}">
+                <a16:creationId xmlns:a16="http://schemas.microsoft.com/office/drawing/2014/main" id="{0EB62C90-B0E5-2FF0-5CAD-9616362DFA6E}"/>
+              </a:ext>
+            </a:extLst>
+          </p:cNvPr>
+          <p:cNvGraphicFramePr>
+            <a:graphicFrameLocks noGrp="1"/>
+          </p:cNvGraphicFramePr>
+          <p:nvPr>
+            <p:extLst>
+              <p:ext uri="{D42A27DB-BD31-4B8C-83A1-F6EECF244321}">
+                <p14:modId xmlns:p14="http://schemas.microsoft.com/office/powerpoint/2010/main" val="3651116759"/>
+              </p:ext>
+            </p:extLst>
+          </p:nvPr>
+        </p:nvGraphicFramePr>
+        <p:xfrm>
+          <a:off x="769735" y="2541756"/>
+          <a:ext cx="5188614" cy="2595880"/>
+        </p:xfrm>
+        <a:graphic>
+          <a:graphicData uri="http://schemas.openxmlformats.org/drawingml/2006/table">
+            <a:tbl>
+              <a:tblPr firstRow="1" bandRow="1">
+                <a:tableStyleId>{073A0DAA-6AF3-43AB-8588-CEC1D06C72B9}</a:tableStyleId>
+              </a:tblPr>
+              <a:tblGrid>
+                <a:gridCol w="1729538">
+                  <a:extLst>
+                    <a:ext uri="{9D8B030D-6E8A-4147-A177-3AD203B41FA5}">
+                      <a16:colId xmlns:a16="http://schemas.microsoft.com/office/drawing/2014/main" val="2072905676"/>
+                    </a:ext>
+                  </a:extLst>
+                </a:gridCol>
+                <a:gridCol w="1729538">
+                  <a:extLst>
+                    <a:ext uri="{9D8B030D-6E8A-4147-A177-3AD203B41FA5}">
+                      <a16:colId xmlns:a16="http://schemas.microsoft.com/office/drawing/2014/main" val="684301918"/>
+                    </a:ext>
+                  </a:extLst>
+                </a:gridCol>
+                <a:gridCol w="1729538">
+                  <a:extLst>
+                    <a:ext uri="{9D8B030D-6E8A-4147-A177-3AD203B41FA5}">
+                      <a16:colId xmlns:a16="http://schemas.microsoft.com/office/drawing/2014/main" val="1610736767"/>
+                    </a:ext>
+                  </a:extLst>
+                </a:gridCol>
+              </a:tblGrid>
+              <a:tr h="370840">
+                <a:tc>
+                  <a:txBody>
+                    <a:bodyPr/>
+                    <a:lstStyle/>
+                    <a:p>
+                      <a:pPr algn="ctr"/>
+                      <a:r>
+                        <a:rPr lang="en-US" dirty="0"/>
+                        <a:t>Round</a:t>
+                      </a:r>
+                      <a:endParaRPr lang="en-IN" dirty="0"/>
+                    </a:p>
+                  </a:txBody>
+                  <a:tcPr/>
+                </a:tc>
+                <a:tc>
+                  <a:txBody>
+                    <a:bodyPr/>
+                    <a:lstStyle/>
+                    <a:p>
+                      <a:pPr algn="ctr"/>
+                      <a:r>
+                        <a:rPr lang="en-US" dirty="0"/>
+                        <a:t>Accuracy</a:t>
+                      </a:r>
+                      <a:endParaRPr lang="en-IN" dirty="0"/>
+                    </a:p>
+                  </a:txBody>
+                  <a:tcPr/>
+                </a:tc>
+                <a:tc>
+                  <a:txBody>
+                    <a:bodyPr/>
+                    <a:lstStyle/>
+                    <a:p>
+                      <a:pPr algn="ctr"/>
+                      <a:r>
+                        <a:rPr lang="en-US" dirty="0"/>
+                        <a:t>Loss</a:t>
+                      </a:r>
+                      <a:endParaRPr lang="en-IN" dirty="0"/>
+                    </a:p>
+                  </a:txBody>
+                  <a:tcPr/>
+                </a:tc>
+                <a:extLst>
+                  <a:ext uri="{0D108BD9-81ED-4DB2-BD59-A6C34878D82A}">
+                    <a16:rowId xmlns:a16="http://schemas.microsoft.com/office/drawing/2014/main" val="2980590616"/>
+                  </a:ext>
+                </a:extLst>
+              </a:tr>
+              <a:tr h="370840">
+                <a:tc>
+                  <a:txBody>
+                    <a:bodyPr/>
+                    <a:lstStyle/>
+                    <a:p>
+                      <a:pPr algn="ctr"/>
+                      <a:r>
+                        <a:rPr lang="en-US" dirty="0"/>
+                        <a:t>1</a:t>
+                      </a:r>
+                    </a:p>
+                  </a:txBody>
+                  <a:tcPr/>
+                </a:tc>
+                <a:tc>
+                  <a:txBody>
+                    <a:bodyPr/>
+                    <a:lstStyle/>
+                    <a:p>
+                      <a:pPr algn="ctr"/>
+                      <a:r>
+                        <a:rPr lang="en-US" dirty="0"/>
+                        <a:t>71.15 %</a:t>
+                      </a:r>
+                      <a:endParaRPr lang="en-IN" dirty="0"/>
+                    </a:p>
+                  </a:txBody>
+                  <a:tcPr/>
+                </a:tc>
+                <a:tc>
+                  <a:txBody>
+                    <a:bodyPr/>
+                    <a:lstStyle/>
+                    <a:p>
+                      <a:pPr algn="ctr"/>
+                      <a:r>
+                        <a:rPr lang="en-US" dirty="0"/>
+                        <a:t>0.89</a:t>
+                      </a:r>
+                      <a:endParaRPr lang="en-IN" dirty="0"/>
+                    </a:p>
+                  </a:txBody>
+                  <a:tcPr/>
+                </a:tc>
+                <a:extLst>
+                  <a:ext uri="{0D108BD9-81ED-4DB2-BD59-A6C34878D82A}">
+                    <a16:rowId xmlns:a16="http://schemas.microsoft.com/office/drawing/2014/main" val="528740570"/>
+                  </a:ext>
+                </a:extLst>
+              </a:tr>
+              <a:tr h="370840">
+                <a:tc>
+                  <a:txBody>
+                    <a:bodyPr/>
+                    <a:lstStyle/>
+                    <a:p>
+                      <a:pPr algn="ctr"/>
+                      <a:r>
+                        <a:rPr lang="en-US" dirty="0"/>
+                        <a:t>2</a:t>
+                      </a:r>
+                      <a:endParaRPr lang="en-IN" dirty="0"/>
+                    </a:p>
+                  </a:txBody>
+                  <a:tcPr/>
+                </a:tc>
+                <a:tc>
+                  <a:txBody>
+                    <a:bodyPr/>
+                    <a:lstStyle/>
+                    <a:p>
+                      <a:pPr algn="ctr"/>
+                      <a:r>
+                        <a:rPr lang="en-US" dirty="0"/>
+                        <a:t>84.38 %</a:t>
+                      </a:r>
+                      <a:endParaRPr lang="en-IN" dirty="0"/>
+                    </a:p>
+                  </a:txBody>
+                  <a:tcPr/>
+                </a:tc>
+                <a:tc>
+                  <a:txBody>
+                    <a:bodyPr/>
+                    <a:lstStyle/>
+                    <a:p>
+                      <a:pPr algn="ctr"/>
+                      <a:r>
+                        <a:rPr lang="en-US" dirty="0"/>
+                        <a:t>0.50</a:t>
+                      </a:r>
+                      <a:endParaRPr lang="en-IN" dirty="0"/>
+                    </a:p>
+                  </a:txBody>
+                  <a:tcPr/>
+                </a:tc>
+                <a:extLst>
+                  <a:ext uri="{0D108BD9-81ED-4DB2-BD59-A6C34878D82A}">
+                    <a16:rowId xmlns:a16="http://schemas.microsoft.com/office/drawing/2014/main" val="3909944274"/>
+                  </a:ext>
+                </a:extLst>
+              </a:tr>
+              <a:tr h="370840">
+                <a:tc>
+                  <a:txBody>
+                    <a:bodyPr/>
+                    <a:lstStyle/>
+                    <a:p>
+                      <a:pPr algn="ctr"/>
+                      <a:r>
+                        <a:rPr lang="en-US" dirty="0"/>
+                        <a:t>3</a:t>
+                      </a:r>
+                      <a:endParaRPr lang="en-IN" dirty="0"/>
+                    </a:p>
+                  </a:txBody>
+                  <a:tcPr/>
+                </a:tc>
+                <a:tc>
+                  <a:txBody>
+                    <a:bodyPr/>
+                    <a:lstStyle/>
+                    <a:p>
+                      <a:pPr algn="ctr"/>
+                      <a:r>
+                        <a:rPr lang="en-US" dirty="0"/>
+                        <a:t>86.33 %</a:t>
+                      </a:r>
+                      <a:endParaRPr lang="en-IN" dirty="0"/>
+                    </a:p>
+                  </a:txBody>
+                  <a:tcPr/>
+                </a:tc>
+                <a:tc>
+                  <a:txBody>
+                    <a:bodyPr/>
+                    <a:lstStyle/>
+                    <a:p>
+                      <a:pPr algn="ctr"/>
+                      <a:r>
+                        <a:rPr lang="en-US" dirty="0"/>
+                        <a:t>0.42</a:t>
+                      </a:r>
+                      <a:endParaRPr lang="en-IN" dirty="0"/>
+                    </a:p>
+                  </a:txBody>
+                  <a:tcPr/>
+                </a:tc>
+                <a:extLst>
+                  <a:ext uri="{0D108BD9-81ED-4DB2-BD59-A6C34878D82A}">
+                    <a16:rowId xmlns:a16="http://schemas.microsoft.com/office/drawing/2014/main" val="74134503"/>
+                  </a:ext>
+                </a:extLst>
+              </a:tr>
+              <a:tr h="370840">
+                <a:tc>
+                  <a:txBody>
+                    <a:bodyPr/>
+                    <a:lstStyle/>
+                    <a:p>
+                      <a:pPr algn="ctr"/>
+                      <a:r>
+                        <a:rPr lang="en-US" dirty="0"/>
+                        <a:t>4</a:t>
+                      </a:r>
+                      <a:endParaRPr lang="en-IN" dirty="0"/>
+                    </a:p>
+                  </a:txBody>
+                  <a:tcPr/>
+                </a:tc>
+                <a:tc>
+                  <a:txBody>
+                    <a:bodyPr/>
+                    <a:lstStyle/>
+                    <a:p>
+                      <a:pPr algn="ctr"/>
+                      <a:r>
+                        <a:rPr lang="en-US" dirty="0"/>
+                        <a:t>86.12 %</a:t>
+                      </a:r>
+                      <a:endParaRPr lang="en-IN" dirty="0"/>
+                    </a:p>
+                  </a:txBody>
+                  <a:tcPr/>
+                </a:tc>
+                <a:tc>
+                  <a:txBody>
+                    <a:bodyPr/>
+                    <a:lstStyle/>
+                    <a:p>
+                      <a:pPr algn="ctr"/>
+                      <a:r>
+                        <a:rPr lang="en-US" dirty="0"/>
+                        <a:t>0.38</a:t>
+                      </a:r>
+                      <a:endParaRPr lang="en-IN" dirty="0"/>
+                    </a:p>
+                  </a:txBody>
+                  <a:tcPr/>
+                </a:tc>
+                <a:extLst>
+                  <a:ext uri="{0D108BD9-81ED-4DB2-BD59-A6C34878D82A}">
+                    <a16:rowId xmlns:a16="http://schemas.microsoft.com/office/drawing/2014/main" val="3961088009"/>
+                  </a:ext>
+                </a:extLst>
+              </a:tr>
+              <a:tr h="370840">
+                <a:tc>
+                  <a:txBody>
+                    <a:bodyPr/>
+                    <a:lstStyle/>
+                    <a:p>
+                      <a:pPr algn="ctr"/>
+                      <a:r>
+                        <a:rPr lang="en-US" dirty="0"/>
+                        <a:t>5</a:t>
+                      </a:r>
+                      <a:endParaRPr lang="en-IN" dirty="0"/>
+                    </a:p>
+                  </a:txBody>
+                  <a:tcPr/>
+                </a:tc>
+                <a:tc>
+                  <a:txBody>
+                    <a:bodyPr/>
+                    <a:lstStyle/>
+                    <a:p>
+                      <a:pPr algn="ctr"/>
+                      <a:r>
+                        <a:rPr lang="en-US" dirty="0"/>
+                        <a:t>90.67 %</a:t>
+                      </a:r>
+                      <a:endParaRPr lang="en-IN" dirty="0"/>
+                    </a:p>
+                  </a:txBody>
+                  <a:tcPr/>
+                </a:tc>
+                <a:tc>
+                  <a:txBody>
+                    <a:bodyPr/>
+                    <a:lstStyle/>
+                    <a:p>
+                      <a:pPr algn="ctr"/>
+                      <a:r>
+                        <a:rPr lang="en-US" dirty="0"/>
+                        <a:t>0.31</a:t>
+                      </a:r>
+                      <a:endParaRPr lang="en-IN" dirty="0"/>
+                    </a:p>
+                  </a:txBody>
+                  <a:tcPr/>
+                </a:tc>
+                <a:extLst>
+                  <a:ext uri="{0D108BD9-81ED-4DB2-BD59-A6C34878D82A}">
+                    <a16:rowId xmlns:a16="http://schemas.microsoft.com/office/drawing/2014/main" val="25863476"/>
+                  </a:ext>
+                </a:extLst>
+              </a:tr>
+              <a:tr h="370840">
+                <a:tc>
+                  <a:txBody>
+                    <a:bodyPr/>
+                    <a:lstStyle/>
+                    <a:p>
+                      <a:pPr algn="ctr"/>
+                      <a:r>
+                        <a:rPr lang="en-US" dirty="0"/>
+                        <a:t>6</a:t>
+                      </a:r>
+                      <a:endParaRPr lang="en-IN" dirty="0"/>
+                    </a:p>
+                  </a:txBody>
+                  <a:tcPr/>
+                </a:tc>
+                <a:tc>
+                  <a:txBody>
+                    <a:bodyPr/>
+                    <a:lstStyle/>
+                    <a:p>
+                      <a:pPr algn="ctr"/>
+                      <a:r>
+                        <a:rPr lang="en-US" dirty="0"/>
+                        <a:t>90.46 %</a:t>
+                      </a:r>
+                      <a:endParaRPr lang="en-IN" dirty="0"/>
+                    </a:p>
+                  </a:txBody>
+                  <a:tcPr/>
+                </a:tc>
+                <a:tc>
+                  <a:txBody>
+                    <a:bodyPr/>
+                    <a:lstStyle/>
+                    <a:p>
+                      <a:pPr algn="ctr"/>
+                      <a:r>
+                        <a:rPr lang="en-US" dirty="0"/>
+                        <a:t>0.32</a:t>
+                      </a:r>
+                      <a:endParaRPr lang="en-IN" dirty="0"/>
+                    </a:p>
+                  </a:txBody>
+                  <a:tcPr/>
+                </a:tc>
+                <a:extLst>
+                  <a:ext uri="{0D108BD9-81ED-4DB2-BD59-A6C34878D82A}">
+                    <a16:rowId xmlns:a16="http://schemas.microsoft.com/office/drawing/2014/main" val="1531931162"/>
+                  </a:ext>
+                </a:extLst>
+              </a:tr>
+            </a:tbl>
+          </a:graphicData>
+        </a:graphic>
+      </p:graphicFrame>
+      <p:graphicFrame>
+        <p:nvGraphicFramePr>
+          <p:cNvPr id="5" name="Table 4">
+            <a:extLst>
+              <a:ext uri="{FF2B5EF4-FFF2-40B4-BE49-F238E27FC236}">
+                <a16:creationId xmlns:a16="http://schemas.microsoft.com/office/drawing/2014/main" id="{49AFED11-3048-13E5-37DC-42E37D9F59CD}"/>
+              </a:ext>
+            </a:extLst>
+          </p:cNvPr>
+          <p:cNvGraphicFramePr>
+            <a:graphicFrameLocks noGrp="1"/>
+          </p:cNvGraphicFramePr>
+          <p:nvPr>
+            <p:extLst>
+              <p:ext uri="{D42A27DB-BD31-4B8C-83A1-F6EECF244321}">
+                <p14:modId xmlns:p14="http://schemas.microsoft.com/office/powerpoint/2010/main" val="3698303345"/>
+              </p:ext>
+            </p:extLst>
+          </p:nvPr>
+        </p:nvGraphicFramePr>
+        <p:xfrm>
+          <a:off x="6233651" y="2541756"/>
+          <a:ext cx="5188614" cy="2595880"/>
+        </p:xfrm>
+        <a:graphic>
+          <a:graphicData uri="http://schemas.openxmlformats.org/drawingml/2006/table">
+            <a:tbl>
+              <a:tblPr firstRow="1" bandRow="1">
+                <a:tableStyleId>{073A0DAA-6AF3-43AB-8588-CEC1D06C72B9}</a:tableStyleId>
+              </a:tblPr>
+              <a:tblGrid>
+                <a:gridCol w="1729538">
+                  <a:extLst>
+                    <a:ext uri="{9D8B030D-6E8A-4147-A177-3AD203B41FA5}">
+                      <a16:colId xmlns:a16="http://schemas.microsoft.com/office/drawing/2014/main" val="2072905676"/>
+                    </a:ext>
+                  </a:extLst>
+                </a:gridCol>
+                <a:gridCol w="1729538">
+                  <a:extLst>
+                    <a:ext uri="{9D8B030D-6E8A-4147-A177-3AD203B41FA5}">
+                      <a16:colId xmlns:a16="http://schemas.microsoft.com/office/drawing/2014/main" val="684301918"/>
+                    </a:ext>
+                  </a:extLst>
+                </a:gridCol>
+                <a:gridCol w="1729538">
+                  <a:extLst>
+                    <a:ext uri="{9D8B030D-6E8A-4147-A177-3AD203B41FA5}">
+                      <a16:colId xmlns:a16="http://schemas.microsoft.com/office/drawing/2014/main" val="1610736767"/>
+                    </a:ext>
+                  </a:extLst>
+                </a:gridCol>
+              </a:tblGrid>
+              <a:tr h="370840">
+                <a:tc>
+                  <a:txBody>
+                    <a:bodyPr/>
+                    <a:lstStyle/>
+                    <a:p>
+                      <a:pPr algn="ctr"/>
+                      <a:r>
+                        <a:rPr lang="en-US" dirty="0"/>
+                        <a:t>Round</a:t>
+                      </a:r>
+                      <a:endParaRPr lang="en-IN" dirty="0"/>
+                    </a:p>
+                  </a:txBody>
+                  <a:tcPr/>
+                </a:tc>
+                <a:tc>
+                  <a:txBody>
+                    <a:bodyPr/>
+                    <a:lstStyle/>
+                    <a:p>
+                      <a:pPr algn="ctr"/>
+                      <a:r>
+                        <a:rPr lang="en-US" dirty="0"/>
+                        <a:t>Accuracy</a:t>
+                      </a:r>
+                      <a:endParaRPr lang="en-IN" dirty="0"/>
+                    </a:p>
+                  </a:txBody>
+                  <a:tcPr/>
+                </a:tc>
+                <a:tc>
+                  <a:txBody>
+                    <a:bodyPr/>
+                    <a:lstStyle/>
+                    <a:p>
+                      <a:pPr algn="ctr"/>
+                      <a:r>
+                        <a:rPr lang="en-US" dirty="0"/>
+                        <a:t>Loss</a:t>
+                      </a:r>
+                      <a:endParaRPr lang="en-IN" dirty="0"/>
+                    </a:p>
+                  </a:txBody>
+                  <a:tcPr/>
+                </a:tc>
+                <a:extLst>
+                  <a:ext uri="{0D108BD9-81ED-4DB2-BD59-A6C34878D82A}">
+                    <a16:rowId xmlns:a16="http://schemas.microsoft.com/office/drawing/2014/main" val="2980590616"/>
+                  </a:ext>
+                </a:extLst>
+              </a:tr>
+              <a:tr h="370840">
+                <a:tc>
+                  <a:txBody>
+                    <a:bodyPr/>
+                    <a:lstStyle/>
+                    <a:p>
+                      <a:pPr algn="ctr"/>
+                      <a:r>
+                        <a:rPr lang="en-US" dirty="0"/>
+                        <a:t>7</a:t>
+                      </a:r>
+                    </a:p>
+                  </a:txBody>
+                  <a:tcPr/>
+                </a:tc>
+                <a:tc>
+                  <a:txBody>
+                    <a:bodyPr/>
+                    <a:lstStyle/>
+                    <a:p>
+                      <a:pPr algn="ctr"/>
+                      <a:r>
+                        <a:rPr lang="en-US" dirty="0"/>
+                        <a:t>91.32 %</a:t>
+                      </a:r>
+                      <a:endParaRPr lang="en-IN" dirty="0"/>
+                    </a:p>
+                  </a:txBody>
+                  <a:tcPr/>
+                </a:tc>
+                <a:tc>
+                  <a:txBody>
+                    <a:bodyPr/>
+                    <a:lstStyle/>
+                    <a:p>
+                      <a:pPr algn="ctr"/>
+                      <a:r>
+                        <a:rPr lang="en-US" dirty="0"/>
+                        <a:t>0.27</a:t>
+                      </a:r>
+                      <a:endParaRPr lang="en-IN" dirty="0"/>
+                    </a:p>
+                  </a:txBody>
+                  <a:tcPr/>
+                </a:tc>
+                <a:extLst>
+                  <a:ext uri="{0D108BD9-81ED-4DB2-BD59-A6C34878D82A}">
+                    <a16:rowId xmlns:a16="http://schemas.microsoft.com/office/drawing/2014/main" val="528740570"/>
+                  </a:ext>
+                </a:extLst>
+              </a:tr>
+              <a:tr h="370840">
+                <a:tc>
+                  <a:txBody>
+                    <a:bodyPr/>
+                    <a:lstStyle/>
+                    <a:p>
+                      <a:pPr algn="ctr"/>
+                      <a:r>
+                        <a:rPr lang="en-US" dirty="0"/>
+                        <a:t>8</a:t>
+                      </a:r>
+                      <a:endParaRPr lang="en-IN" dirty="0"/>
+                    </a:p>
+                  </a:txBody>
+                  <a:tcPr/>
+                </a:tc>
+                <a:tc>
+                  <a:txBody>
+                    <a:bodyPr/>
+                    <a:lstStyle/>
+                    <a:p>
+                      <a:pPr algn="ctr"/>
+                      <a:r>
+                        <a:rPr lang="en-US" dirty="0"/>
+                        <a:t>92.62 %</a:t>
+                      </a:r>
+                      <a:endParaRPr lang="en-IN" dirty="0"/>
+                    </a:p>
+                  </a:txBody>
+                  <a:tcPr/>
+                </a:tc>
+                <a:tc>
+                  <a:txBody>
+                    <a:bodyPr/>
+                    <a:lstStyle/>
+                    <a:p>
+                      <a:pPr algn="ctr"/>
+                      <a:r>
+                        <a:rPr lang="en-US" dirty="0"/>
+                        <a:t>0.28</a:t>
+                      </a:r>
+                      <a:endParaRPr lang="en-IN" dirty="0"/>
+                    </a:p>
+                  </a:txBody>
+                  <a:tcPr/>
+                </a:tc>
+                <a:extLst>
+                  <a:ext uri="{0D108BD9-81ED-4DB2-BD59-A6C34878D82A}">
+                    <a16:rowId xmlns:a16="http://schemas.microsoft.com/office/drawing/2014/main" val="3909944274"/>
+                  </a:ext>
+                </a:extLst>
+              </a:tr>
+              <a:tr h="370840">
+                <a:tc>
+                  <a:txBody>
+                    <a:bodyPr/>
+                    <a:lstStyle/>
+                    <a:p>
+                      <a:pPr algn="ctr"/>
+                      <a:r>
+                        <a:rPr lang="en-US" dirty="0"/>
+                        <a:t>9</a:t>
+                      </a:r>
+                      <a:endParaRPr lang="en-IN" dirty="0"/>
+                    </a:p>
+                  </a:txBody>
+                  <a:tcPr/>
+                </a:tc>
+                <a:tc>
+                  <a:txBody>
+                    <a:bodyPr/>
+                    <a:lstStyle/>
+                    <a:p>
+                      <a:pPr algn="ctr"/>
+                      <a:r>
+                        <a:rPr lang="en-US" dirty="0"/>
+                        <a:t>94.14 %</a:t>
+                      </a:r>
+                      <a:endParaRPr lang="en-IN" dirty="0"/>
+                    </a:p>
+                  </a:txBody>
+                  <a:tcPr/>
+                </a:tc>
+                <a:tc>
+                  <a:txBody>
+                    <a:bodyPr/>
+                    <a:lstStyle/>
+                    <a:p>
+                      <a:pPr algn="ctr"/>
+                      <a:r>
+                        <a:rPr lang="en-US" dirty="0"/>
+                        <a:t>0.22</a:t>
+                      </a:r>
+                      <a:endParaRPr lang="en-IN" dirty="0"/>
+                    </a:p>
+                  </a:txBody>
+                  <a:tcPr/>
+                </a:tc>
+                <a:extLst>
+                  <a:ext uri="{0D108BD9-81ED-4DB2-BD59-A6C34878D82A}">
+                    <a16:rowId xmlns:a16="http://schemas.microsoft.com/office/drawing/2014/main" val="74134503"/>
+                  </a:ext>
+                </a:extLst>
+              </a:tr>
+              <a:tr h="370840">
+                <a:tc>
+                  <a:txBody>
+                    <a:bodyPr/>
+                    <a:lstStyle/>
+                    <a:p>
+                      <a:pPr algn="ctr"/>
+                      <a:r>
+                        <a:rPr lang="en-US" dirty="0"/>
+                        <a:t>10</a:t>
+                      </a:r>
+                      <a:endParaRPr lang="en-IN" dirty="0"/>
+                    </a:p>
+                  </a:txBody>
+                  <a:tcPr/>
+                </a:tc>
+                <a:tc>
+                  <a:txBody>
+                    <a:bodyPr/>
+                    <a:lstStyle/>
+                    <a:p>
+                      <a:pPr algn="ctr"/>
+                      <a:r>
+                        <a:rPr lang="en-US" dirty="0"/>
+                        <a:t>93.71 %</a:t>
+                      </a:r>
+                      <a:endParaRPr lang="en-IN" dirty="0"/>
+                    </a:p>
+                  </a:txBody>
+                  <a:tcPr/>
+                </a:tc>
+                <a:tc>
+                  <a:txBody>
+                    <a:bodyPr/>
+                    <a:lstStyle/>
+                    <a:p>
+                      <a:pPr algn="ctr"/>
+                      <a:r>
+                        <a:rPr lang="en-US" dirty="0"/>
+                        <a:t>0.21</a:t>
+                      </a:r>
+                      <a:endParaRPr lang="en-IN" dirty="0"/>
+                    </a:p>
+                  </a:txBody>
+                  <a:tcPr/>
+                </a:tc>
+                <a:extLst>
+                  <a:ext uri="{0D108BD9-81ED-4DB2-BD59-A6C34878D82A}">
+                    <a16:rowId xmlns:a16="http://schemas.microsoft.com/office/drawing/2014/main" val="3961088009"/>
+                  </a:ext>
+                </a:extLst>
+              </a:tr>
+              <a:tr h="370840">
+                <a:tc>
+                  <a:txBody>
+                    <a:bodyPr/>
+                    <a:lstStyle/>
+                    <a:p>
+                      <a:pPr algn="ctr"/>
+                      <a:r>
+                        <a:rPr lang="en-US" dirty="0"/>
+                        <a:t>11</a:t>
+                      </a:r>
+                      <a:endParaRPr lang="en-IN" dirty="0"/>
+                    </a:p>
+                  </a:txBody>
+                  <a:tcPr/>
+                </a:tc>
+                <a:tc>
+                  <a:txBody>
+                    <a:bodyPr/>
+                    <a:lstStyle/>
+                    <a:p>
+                      <a:pPr algn="ctr"/>
+                      <a:r>
+                        <a:rPr lang="en-US" dirty="0"/>
+                        <a:t>90.89 %</a:t>
+                      </a:r>
+                      <a:endParaRPr lang="en-IN" dirty="0"/>
+                    </a:p>
+                  </a:txBody>
+                  <a:tcPr/>
+                </a:tc>
+                <a:tc>
+                  <a:txBody>
+                    <a:bodyPr/>
+                    <a:lstStyle/>
+                    <a:p>
+                      <a:pPr algn="ctr"/>
+                      <a:r>
+                        <a:rPr lang="en-US" dirty="0"/>
+                        <a:t>0.25</a:t>
+                      </a:r>
+                      <a:endParaRPr lang="en-IN" dirty="0"/>
+                    </a:p>
+                  </a:txBody>
+                  <a:tcPr/>
+                </a:tc>
+                <a:extLst>
+                  <a:ext uri="{0D108BD9-81ED-4DB2-BD59-A6C34878D82A}">
+                    <a16:rowId xmlns:a16="http://schemas.microsoft.com/office/drawing/2014/main" val="25863476"/>
+                  </a:ext>
+                </a:extLst>
+              </a:tr>
+              <a:tr h="370840">
+                <a:tc>
+                  <a:txBody>
+                    <a:bodyPr/>
+                    <a:lstStyle/>
+                    <a:p>
+                      <a:pPr algn="ctr"/>
+                      <a:r>
+                        <a:rPr lang="en-US" dirty="0"/>
+                        <a:t>12</a:t>
+                      </a:r>
+                      <a:endParaRPr lang="en-IN" dirty="0"/>
+                    </a:p>
+                  </a:txBody>
+                  <a:tcPr/>
+                </a:tc>
+                <a:tc>
+                  <a:txBody>
+                    <a:bodyPr/>
+                    <a:lstStyle/>
+                    <a:p>
+                      <a:pPr algn="ctr"/>
+                      <a:r>
+                        <a:rPr lang="en-US" dirty="0"/>
+                        <a:t>93.28 %</a:t>
+                      </a:r>
+                      <a:endParaRPr lang="en-IN" dirty="0"/>
+                    </a:p>
+                  </a:txBody>
+                  <a:tcPr/>
+                </a:tc>
+                <a:tc>
+                  <a:txBody>
+                    <a:bodyPr/>
+                    <a:lstStyle/>
+                    <a:p>
+                      <a:pPr algn="ctr"/>
+                      <a:r>
+                        <a:rPr lang="en-US" dirty="0"/>
+                        <a:t>0.20</a:t>
+                      </a:r>
+                      <a:endParaRPr lang="en-IN" dirty="0"/>
+                    </a:p>
+                  </a:txBody>
+                  <a:tcPr/>
+                </a:tc>
+                <a:extLst>
+                  <a:ext uri="{0D108BD9-81ED-4DB2-BD59-A6C34878D82A}">
+                    <a16:rowId xmlns:a16="http://schemas.microsoft.com/office/drawing/2014/main" val="1531931162"/>
+                  </a:ext>
+                </a:extLst>
+              </a:tr>
+            </a:tbl>
+          </a:graphicData>
+        </a:graphic>
+      </p:graphicFrame>
+    </p:spTree>
+    <p:extLst>
+      <p:ext uri="{BB962C8B-B14F-4D97-AF65-F5344CB8AC3E}">
+        <p14:creationId xmlns:p14="http://schemas.microsoft.com/office/powerpoint/2010/main" val="1716908727"/>
+      </p:ext>
+    </p:extLst>
+  </p:cSld>
+  <p:clrMapOvr>
+    <a:masterClrMapping/>
+  </p:clrMapOvr>
+</p:sld>
+</file>
+
+<file path=ppt/slides/slide26.xml><?xml version="1.0" encoding="utf-8"?>
+<p:sld xmlns:a="http://schemas.openxmlformats.org/drawingml/2006/main" xmlns:r="http://schemas.openxmlformats.org/officeDocument/2006/relationships" xmlns:p="http://schemas.openxmlformats.org/presentationml/2006/main">
+  <p:cSld>
+    <p:spTree>
+      <p:nvGrpSpPr>
+        <p:cNvPr id="1" name="">
+          <a:extLst>
+            <a:ext uri="{FF2B5EF4-FFF2-40B4-BE49-F238E27FC236}">
+              <a16:creationId xmlns:a16="http://schemas.microsoft.com/office/drawing/2014/main" id="{97165738-315C-7D5A-0595-D27CDC718659}"/>
+            </a:ext>
+          </a:extLst>
+        </p:cNvPr>
+        <p:cNvGrpSpPr/>
+        <p:nvPr/>
+      </p:nvGrpSpPr>
+      <p:grpSpPr>
+        <a:xfrm>
+          <a:off x="0" y="0"/>
+          <a:ext cx="0" cy="0"/>
+          <a:chOff x="0" y="0"/>
+          <a:chExt cx="0" cy="0"/>
+        </a:xfrm>
+      </p:grpSpPr>
+      <p:sp>
+        <p:nvSpPr>
+          <p:cNvPr id="2" name="Title 1">
+            <a:extLst>
+              <a:ext uri="{FF2B5EF4-FFF2-40B4-BE49-F238E27FC236}">
+                <a16:creationId xmlns:a16="http://schemas.microsoft.com/office/drawing/2014/main" id="{C9B43470-E22D-D8BA-B181-CB3ADC67572A}"/>
+              </a:ext>
+            </a:extLst>
+          </p:cNvPr>
+          <p:cNvSpPr>
+            <a:spLocks noGrp="1"/>
+          </p:cNvSpPr>
+          <p:nvPr>
+            <p:ph type="title"/>
+          </p:nvPr>
+        </p:nvSpPr>
+        <p:spPr>
+          <a:xfrm>
+            <a:off x="691079" y="132038"/>
+            <a:ext cx="10325000" cy="821395"/>
+          </a:xfrm>
+        </p:spPr>
+        <p:txBody>
+          <a:bodyPr>
+            <a:normAutofit/>
+          </a:bodyPr>
+          <a:lstStyle/>
+          <a:p>
+            <a:r>
+              <a:rPr lang="en-US" sz="3200" dirty="0"/>
+              <a:t>Implementation Results – without Xavier Initialization</a:t>
+            </a:r>
+            <a:endParaRPr lang="en-IN" sz="3200" dirty="0"/>
+          </a:p>
+        </p:txBody>
+      </p:sp>
+      <p:sp>
+        <p:nvSpPr>
+          <p:cNvPr id="3" name="Content Placeholder 2">
+            <a:extLst>
+              <a:ext uri="{FF2B5EF4-FFF2-40B4-BE49-F238E27FC236}">
+                <a16:creationId xmlns:a16="http://schemas.microsoft.com/office/drawing/2014/main" id="{C1574E14-870E-0DE9-074C-F6EA3ADCA944}"/>
+              </a:ext>
+            </a:extLst>
+          </p:cNvPr>
+          <p:cNvSpPr>
+            <a:spLocks noGrp="1"/>
+          </p:cNvSpPr>
+          <p:nvPr>
+            <p:ph idx="1"/>
+          </p:nvPr>
+        </p:nvSpPr>
+        <p:spPr>
+          <a:xfrm>
+            <a:off x="691078" y="953432"/>
+            <a:ext cx="11274779" cy="5772529"/>
+          </a:xfrm>
+        </p:spPr>
+        <p:txBody>
+          <a:bodyPr>
+            <a:normAutofit/>
+          </a:bodyPr>
+          <a:lstStyle/>
+          <a:p>
+            <a:pPr marL="0" indent="0">
+              <a:buNone/>
+            </a:pPr>
+            <a:r>
+              <a:rPr lang="en-US" sz="2800" b="1" dirty="0"/>
+              <a:t>Results:</a:t>
+            </a:r>
+          </a:p>
+          <a:p>
+            <a:r>
+              <a:rPr lang="en-IN" b="1" dirty="0"/>
+              <a:t>InceptionResNetV2 Model:</a:t>
+            </a:r>
+          </a:p>
+          <a:p>
+            <a:pPr marL="0" indent="0">
+              <a:buNone/>
+            </a:pPr>
+            <a:r>
+              <a:rPr lang="en-IN" b="1" dirty="0"/>
+              <a:t>Classification Report:                                                  Accuracy Plot:</a:t>
+            </a:r>
+          </a:p>
+          <a:p>
+            <a:pPr marL="0" indent="0">
+              <a:buNone/>
+            </a:pPr>
+            <a:endParaRPr lang="en-IN" b="1" dirty="0"/>
+          </a:p>
+          <a:p>
+            <a:pPr marL="0" indent="0">
+              <a:buNone/>
+            </a:pPr>
+            <a:endParaRPr lang="en-IN" b="1" dirty="0"/>
+          </a:p>
+          <a:p>
+            <a:pPr marL="0" indent="0">
+              <a:buNone/>
+            </a:pPr>
+            <a:r>
+              <a:rPr lang="en-IN" b="1" dirty="0"/>
+              <a:t>	</a:t>
+            </a:r>
+          </a:p>
+        </p:txBody>
+      </p:sp>
+      <p:pic>
+        <p:nvPicPr>
+          <p:cNvPr id="5" name="Picture 4" descr="A screenshot of a computer&#10;&#10;Description automatically generated">
+            <a:extLst>
+              <a:ext uri="{FF2B5EF4-FFF2-40B4-BE49-F238E27FC236}">
+                <a16:creationId xmlns:a16="http://schemas.microsoft.com/office/drawing/2014/main" id="{AC36353E-78BB-E0F2-E26E-DDB250B7340D}"/>
+              </a:ext>
+            </a:extLst>
+          </p:cNvPr>
+          <p:cNvPicPr>
+            <a:picLocks noChangeAspect="1"/>
+          </p:cNvPicPr>
+          <p:nvPr/>
+        </p:nvPicPr>
+        <p:blipFill>
+          <a:blip r:embed="rId2">
+            <a:extLst>
+              <a:ext uri="{28A0092B-C50C-407E-A947-70E740481C1C}">
+                <a14:useLocalDpi xmlns:a14="http://schemas.microsoft.com/office/drawing/2010/main" val="0"/>
+              </a:ext>
+            </a:extLst>
+          </a:blip>
+          <a:stretch>
+            <a:fillRect/>
+          </a:stretch>
+        </p:blipFill>
+        <p:spPr>
+          <a:xfrm>
+            <a:off x="1363196" y="2451798"/>
+            <a:ext cx="3658986" cy="4012906"/>
+          </a:xfrm>
+          <a:prstGeom prst="rect">
+            <a:avLst/>
+          </a:prstGeom>
+        </p:spPr>
+      </p:pic>
+      <p:pic>
+        <p:nvPicPr>
+          <p:cNvPr id="8" name="Picture 7" descr="A graph with a line going up&#10;&#10;Description automatically generated">
+            <a:extLst>
+              <a:ext uri="{FF2B5EF4-FFF2-40B4-BE49-F238E27FC236}">
+                <a16:creationId xmlns:a16="http://schemas.microsoft.com/office/drawing/2014/main" id="{A81DD873-4D87-70CB-ADF4-13216847AF0F}"/>
+              </a:ext>
+            </a:extLst>
+          </p:cNvPr>
+          <p:cNvPicPr>
+            <a:picLocks noChangeAspect="1"/>
+          </p:cNvPicPr>
+          <p:nvPr/>
+        </p:nvPicPr>
+        <p:blipFill>
+          <a:blip r:embed="rId3">
+            <a:extLst>
+              <a:ext uri="{28A0092B-C50C-407E-A947-70E740481C1C}">
+                <a14:useLocalDpi xmlns:a14="http://schemas.microsoft.com/office/drawing/2010/main" val="0"/>
+              </a:ext>
+            </a:extLst>
+          </a:blip>
+          <a:srcRect r="46398"/>
+          <a:stretch/>
+        </p:blipFill>
+        <p:spPr>
+          <a:xfrm>
+            <a:off x="6417537" y="2550318"/>
+            <a:ext cx="4908908" cy="3815866"/>
+          </a:xfrm>
+          <a:prstGeom prst="rect">
+            <a:avLst/>
+          </a:prstGeom>
+        </p:spPr>
+      </p:pic>
+    </p:spTree>
+    <p:extLst>
+      <p:ext uri="{BB962C8B-B14F-4D97-AF65-F5344CB8AC3E}">
+        <p14:creationId xmlns:p14="http://schemas.microsoft.com/office/powerpoint/2010/main" val="14203471"/>
+      </p:ext>
+    </p:extLst>
+  </p:cSld>
+  <p:clrMapOvr>
+    <a:masterClrMapping/>
+  </p:clrMapOvr>
+</p:sld>
+</file>
+
+<file path=ppt/slides/slide27.xml><?xml version="1.0" encoding="utf-8"?>
+<p:sld xmlns:a="http://schemas.openxmlformats.org/drawingml/2006/main" xmlns:r="http://schemas.openxmlformats.org/officeDocument/2006/relationships" xmlns:p="http://schemas.openxmlformats.org/presentationml/2006/main">
+  <p:cSld>
+    <p:spTree>
+      <p:nvGrpSpPr>
+        <p:cNvPr id="1" name="">
+          <a:extLst>
+            <a:ext uri="{FF2B5EF4-FFF2-40B4-BE49-F238E27FC236}">
+              <a16:creationId xmlns:a16="http://schemas.microsoft.com/office/drawing/2014/main" id="{83B06C09-E612-AF5A-7ABB-AE567B80A7FE}"/>
+            </a:ext>
+          </a:extLst>
+        </p:cNvPr>
+        <p:cNvGrpSpPr/>
+        <p:nvPr/>
+      </p:nvGrpSpPr>
+      <p:grpSpPr>
+        <a:xfrm>
+          <a:off x="0" y="0"/>
+          <a:ext cx="0" cy="0"/>
+          <a:chOff x="0" y="0"/>
+          <a:chExt cx="0" cy="0"/>
+        </a:xfrm>
+      </p:grpSpPr>
+      <p:sp>
+        <p:nvSpPr>
+          <p:cNvPr id="2" name="Title 1">
+            <a:extLst>
+              <a:ext uri="{FF2B5EF4-FFF2-40B4-BE49-F238E27FC236}">
+                <a16:creationId xmlns:a16="http://schemas.microsoft.com/office/drawing/2014/main" id="{E2E74404-D9A6-ED16-8FF4-7D34F9EA9A65}"/>
+              </a:ext>
+            </a:extLst>
+          </p:cNvPr>
+          <p:cNvSpPr>
+            <a:spLocks noGrp="1"/>
+          </p:cNvSpPr>
+          <p:nvPr>
+            <p:ph type="title"/>
+          </p:nvPr>
+        </p:nvSpPr>
+        <p:spPr>
+          <a:xfrm>
+            <a:off x="691079" y="132038"/>
+            <a:ext cx="10325000" cy="821395"/>
+          </a:xfrm>
+        </p:spPr>
+        <p:txBody>
+          <a:bodyPr>
+            <a:normAutofit/>
+          </a:bodyPr>
+          <a:lstStyle/>
+          <a:p>
+            <a:r>
+              <a:rPr lang="en-US" sz="3200" dirty="0"/>
+              <a:t>Implementation Results – without Xavier Initialization</a:t>
+            </a:r>
+            <a:endParaRPr lang="en-IN" sz="3200" dirty="0"/>
+          </a:p>
+        </p:txBody>
+      </p:sp>
+      <p:sp>
+        <p:nvSpPr>
+          <p:cNvPr id="3" name="Content Placeholder 2">
+            <a:extLst>
+              <a:ext uri="{FF2B5EF4-FFF2-40B4-BE49-F238E27FC236}">
+                <a16:creationId xmlns:a16="http://schemas.microsoft.com/office/drawing/2014/main" id="{3AD7CD05-9050-7800-B33C-BBCB3D20A834}"/>
+              </a:ext>
+            </a:extLst>
+          </p:cNvPr>
+          <p:cNvSpPr>
+            <a:spLocks noGrp="1"/>
+          </p:cNvSpPr>
+          <p:nvPr>
+            <p:ph idx="1"/>
+          </p:nvPr>
+        </p:nvSpPr>
+        <p:spPr>
+          <a:xfrm>
+            <a:off x="691078" y="953432"/>
+            <a:ext cx="11274779" cy="5772529"/>
+          </a:xfrm>
+        </p:spPr>
+        <p:txBody>
+          <a:bodyPr>
+            <a:normAutofit/>
+          </a:bodyPr>
+          <a:lstStyle/>
+          <a:p>
+            <a:pPr marL="0" indent="0">
+              <a:buNone/>
+            </a:pPr>
+            <a:r>
+              <a:rPr lang="en-US" sz="2800" b="1" dirty="0"/>
+              <a:t>Results:</a:t>
+            </a:r>
+          </a:p>
+          <a:p>
+            <a:r>
+              <a:rPr lang="en-IN" b="1" dirty="0"/>
+              <a:t>InceptionResNetV2 Model:</a:t>
+            </a:r>
+          </a:p>
+          <a:p>
+            <a:pPr marL="0" indent="0">
+              <a:buNone/>
+            </a:pPr>
+            <a:r>
+              <a:rPr lang="en-IN" b="1" dirty="0"/>
+              <a:t>Confusion Matrix:</a:t>
+            </a:r>
+          </a:p>
+          <a:p>
+            <a:pPr marL="0" indent="0">
+              <a:buNone/>
+            </a:pPr>
+            <a:endParaRPr lang="en-IN" b="1" dirty="0"/>
+          </a:p>
+          <a:p>
+            <a:pPr marL="0" indent="0">
+              <a:buNone/>
+            </a:pPr>
+            <a:endParaRPr lang="en-IN" b="1" dirty="0"/>
+          </a:p>
+          <a:p>
+            <a:pPr marL="0" indent="0">
+              <a:buNone/>
+            </a:pPr>
+            <a:r>
+              <a:rPr lang="en-IN" b="1" dirty="0"/>
+              <a:t>	</a:t>
+            </a:r>
+          </a:p>
+        </p:txBody>
+      </p:sp>
+      <p:pic>
+        <p:nvPicPr>
+          <p:cNvPr id="5" name="Picture 4" descr="A graph with numbers and a blue square&#10;&#10;Description automatically generated with medium confidence">
+            <a:extLst>
+              <a:ext uri="{FF2B5EF4-FFF2-40B4-BE49-F238E27FC236}">
+                <a16:creationId xmlns:a16="http://schemas.microsoft.com/office/drawing/2014/main" id="{A4E3452D-5FBF-B386-94D3-1DB6A6232443}"/>
+              </a:ext>
+            </a:extLst>
+          </p:cNvPr>
+          <p:cNvPicPr>
+            <a:picLocks noChangeAspect="1"/>
+          </p:cNvPicPr>
+          <p:nvPr/>
+        </p:nvPicPr>
+        <p:blipFill>
+          <a:blip r:embed="rId2">
+            <a:extLst>
+              <a:ext uri="{28A0092B-C50C-407E-A947-70E740481C1C}">
+                <a14:useLocalDpi xmlns:a14="http://schemas.microsoft.com/office/drawing/2010/main" val="0"/>
+              </a:ext>
+            </a:extLst>
+          </a:blip>
+          <a:stretch>
+            <a:fillRect/>
+          </a:stretch>
+        </p:blipFill>
+        <p:spPr>
+          <a:xfrm>
+            <a:off x="3475051" y="2321169"/>
+            <a:ext cx="5241897" cy="3931423"/>
+          </a:xfrm>
+          <a:prstGeom prst="rect">
+            <a:avLst/>
+          </a:prstGeom>
+        </p:spPr>
+      </p:pic>
+    </p:spTree>
+    <p:extLst>
+      <p:ext uri="{BB962C8B-B14F-4D97-AF65-F5344CB8AC3E}">
+        <p14:creationId xmlns:p14="http://schemas.microsoft.com/office/powerpoint/2010/main" val="3794074852"/>
+      </p:ext>
+    </p:extLst>
+  </p:cSld>
+  <p:clrMapOvr>
+    <a:masterClrMapping/>
+  </p:clrMapOvr>
+</p:sld>
+</file>
+
+<file path=ppt/slides/slide28.xml><?xml version="1.0" encoding="utf-8"?>
+<p:sld xmlns:a="http://schemas.openxmlformats.org/drawingml/2006/main" xmlns:r="http://schemas.openxmlformats.org/officeDocument/2006/relationships" xmlns:p="http://schemas.openxmlformats.org/presentationml/2006/main">
+  <p:cSld>
+    <p:spTree>
+      <p:nvGrpSpPr>
+        <p:cNvPr id="1" name="">
+          <a:extLst>
+            <a:ext uri="{FF2B5EF4-FFF2-40B4-BE49-F238E27FC236}">
+              <a16:creationId xmlns:a16="http://schemas.microsoft.com/office/drawing/2014/main" id="{11AFB2DD-E1C4-C981-928B-AAA93C24C2E9}"/>
+            </a:ext>
+          </a:extLst>
+        </p:cNvPr>
+        <p:cNvGrpSpPr/>
+        <p:nvPr/>
+      </p:nvGrpSpPr>
+      <p:grpSpPr>
+        <a:xfrm>
+          <a:off x="0" y="0"/>
+          <a:ext cx="0" cy="0"/>
+          <a:chOff x="0" y="0"/>
+          <a:chExt cx="0" cy="0"/>
+        </a:xfrm>
+      </p:grpSpPr>
+      <p:sp>
+        <p:nvSpPr>
+          <p:cNvPr id="2" name="Title 1">
+            <a:extLst>
+              <a:ext uri="{FF2B5EF4-FFF2-40B4-BE49-F238E27FC236}">
+                <a16:creationId xmlns:a16="http://schemas.microsoft.com/office/drawing/2014/main" id="{1361F3E6-92B2-781B-45EA-B99AC6A7D8AE}"/>
+              </a:ext>
+            </a:extLst>
+          </p:cNvPr>
+          <p:cNvSpPr>
+            <a:spLocks noGrp="1"/>
+          </p:cNvSpPr>
+          <p:nvPr>
+            <p:ph type="title"/>
+          </p:nvPr>
+        </p:nvSpPr>
+        <p:spPr>
+          <a:xfrm>
+            <a:off x="691079" y="132038"/>
+            <a:ext cx="10325000" cy="821395"/>
+          </a:xfrm>
+        </p:spPr>
+        <p:txBody>
+          <a:bodyPr>
+            <a:normAutofit/>
+          </a:bodyPr>
+          <a:lstStyle/>
+          <a:p>
+            <a:r>
+              <a:rPr kumimoji="0" lang="en-US" sz="3200" b="0" i="0" u="none" strike="noStrike" kern="1200" cap="none" spc="0" normalizeH="0" baseline="0" noProof="0" dirty="0">
+                <a:ln>
+                  <a:noFill/>
+                </a:ln>
+                <a:solidFill>
+                  <a:srgbClr val="352441"/>
+                </a:solidFill>
+                <a:effectLst/>
+                <a:uLnTx/>
+                <a:uFillTx/>
+                <a:latin typeface="Grandview"/>
+                <a:ea typeface="+mj-ea"/>
+                <a:cs typeface="+mj-cs"/>
+              </a:rPr>
+              <a:t>Implementation Results – without Xavier Initialization</a:t>
+            </a:r>
+            <a:endParaRPr lang="en-IN" sz="4000" dirty="0"/>
+          </a:p>
+        </p:txBody>
+      </p:sp>
+      <p:sp>
+        <p:nvSpPr>
+          <p:cNvPr id="3" name="Content Placeholder 2">
+            <a:extLst>
+              <a:ext uri="{FF2B5EF4-FFF2-40B4-BE49-F238E27FC236}">
+                <a16:creationId xmlns:a16="http://schemas.microsoft.com/office/drawing/2014/main" id="{DDF1FB2F-E3C7-8D21-D61F-9D87D379F77D}"/>
+              </a:ext>
+            </a:extLst>
+          </p:cNvPr>
+          <p:cNvSpPr>
+            <a:spLocks noGrp="1"/>
+          </p:cNvSpPr>
+          <p:nvPr>
+            <p:ph idx="1"/>
+          </p:nvPr>
+        </p:nvSpPr>
+        <p:spPr>
+          <a:xfrm>
+            <a:off x="691078" y="953432"/>
+            <a:ext cx="11274779" cy="5772529"/>
+          </a:xfrm>
+        </p:spPr>
+        <p:txBody>
+          <a:bodyPr>
+            <a:normAutofit/>
+          </a:bodyPr>
+          <a:lstStyle/>
+          <a:p>
+            <a:pPr marL="0" indent="0">
+              <a:buNone/>
+            </a:pPr>
+            <a:r>
+              <a:rPr lang="en-US" sz="2800" b="1" dirty="0"/>
+              <a:t>Results:</a:t>
+            </a:r>
+          </a:p>
+          <a:p>
+            <a:r>
+              <a:rPr lang="en-IN" b="1" dirty="0"/>
+              <a:t>InceptionResNetV2 Model:</a:t>
+            </a:r>
+          </a:p>
+          <a:p>
+            <a:pPr marL="0" indent="0">
+              <a:buNone/>
+            </a:pPr>
+            <a:r>
+              <a:rPr lang="en-IN" b="1" dirty="0"/>
+              <a:t>Federated Learning Metrics:</a:t>
+            </a:r>
+          </a:p>
+          <a:p>
+            <a:pPr marL="0" indent="0">
+              <a:buNone/>
+            </a:pPr>
+            <a:endParaRPr lang="en-IN" b="1" dirty="0"/>
+          </a:p>
+          <a:p>
+            <a:pPr marL="0" indent="0">
+              <a:buNone/>
+            </a:pPr>
+            <a:endParaRPr lang="en-IN" b="1" dirty="0"/>
+          </a:p>
+          <a:p>
+            <a:pPr marL="0" indent="0">
+              <a:buNone/>
+            </a:pPr>
+            <a:endParaRPr lang="en-IN" b="1" dirty="0"/>
+          </a:p>
+          <a:p>
+            <a:pPr marL="0" indent="0">
+              <a:buNone/>
+            </a:pPr>
+            <a:r>
+              <a:rPr lang="en-IN" b="1" dirty="0"/>
+              <a:t>	Federated Learning Metrics:</a:t>
+            </a:r>
+          </a:p>
+          <a:p>
+            <a:pPr marL="0" indent="0">
+              <a:buNone/>
+            </a:pPr>
+            <a:endParaRPr lang="en-IN" b="1" dirty="0"/>
+          </a:p>
+          <a:p>
+            <a:pPr marL="0" indent="0">
+              <a:buNone/>
+            </a:pPr>
+            <a:endParaRPr lang="en-IN" b="1" dirty="0"/>
+          </a:p>
+          <a:p>
+            <a:pPr marL="0" indent="0">
+              <a:buNone/>
+            </a:pPr>
+            <a:r>
+              <a:rPr lang="en-IN" b="1" dirty="0"/>
+              <a:t>Final Metrics:</a:t>
+            </a:r>
+          </a:p>
+          <a:p>
+            <a:r>
+              <a:rPr lang="en-IN" sz="1600" b="1" dirty="0"/>
+              <a:t>Global Accuracy : 93.87 %</a:t>
+            </a:r>
+          </a:p>
+          <a:p>
+            <a:r>
+              <a:rPr lang="en-IN" sz="1600" b="1" dirty="0"/>
+              <a:t>Global Loss : 0.1813</a:t>
+            </a:r>
+          </a:p>
+        </p:txBody>
+      </p:sp>
+      <p:graphicFrame>
+        <p:nvGraphicFramePr>
+          <p:cNvPr id="4" name="Table 3">
+            <a:extLst>
+              <a:ext uri="{FF2B5EF4-FFF2-40B4-BE49-F238E27FC236}">
+                <a16:creationId xmlns:a16="http://schemas.microsoft.com/office/drawing/2014/main" id="{16E45F5E-72CC-D5CA-BA82-FF6558DBE560}"/>
+              </a:ext>
+            </a:extLst>
+          </p:cNvPr>
+          <p:cNvGraphicFramePr>
+            <a:graphicFrameLocks noGrp="1"/>
+          </p:cNvGraphicFramePr>
+          <p:nvPr>
+            <p:extLst>
+              <p:ext uri="{D42A27DB-BD31-4B8C-83A1-F6EECF244321}">
+                <p14:modId xmlns:p14="http://schemas.microsoft.com/office/powerpoint/2010/main" val="2977481413"/>
+              </p:ext>
+            </p:extLst>
+          </p:nvPr>
+        </p:nvGraphicFramePr>
+        <p:xfrm>
+          <a:off x="769735" y="2541756"/>
+          <a:ext cx="5188614" cy="2595880"/>
+        </p:xfrm>
+        <a:graphic>
+          <a:graphicData uri="http://schemas.openxmlformats.org/drawingml/2006/table">
+            <a:tbl>
+              <a:tblPr firstRow="1" bandRow="1">
+                <a:tableStyleId>{073A0DAA-6AF3-43AB-8588-CEC1D06C72B9}</a:tableStyleId>
+              </a:tblPr>
+              <a:tblGrid>
+                <a:gridCol w="1729538">
+                  <a:extLst>
+                    <a:ext uri="{9D8B030D-6E8A-4147-A177-3AD203B41FA5}">
+                      <a16:colId xmlns:a16="http://schemas.microsoft.com/office/drawing/2014/main" val="2072905676"/>
+                    </a:ext>
+                  </a:extLst>
+                </a:gridCol>
+                <a:gridCol w="1729538">
+                  <a:extLst>
+                    <a:ext uri="{9D8B030D-6E8A-4147-A177-3AD203B41FA5}">
+                      <a16:colId xmlns:a16="http://schemas.microsoft.com/office/drawing/2014/main" val="684301918"/>
+                    </a:ext>
+                  </a:extLst>
+                </a:gridCol>
+                <a:gridCol w="1729538">
+                  <a:extLst>
+                    <a:ext uri="{9D8B030D-6E8A-4147-A177-3AD203B41FA5}">
+                      <a16:colId xmlns:a16="http://schemas.microsoft.com/office/drawing/2014/main" val="1610736767"/>
+                    </a:ext>
+                  </a:extLst>
+                </a:gridCol>
+              </a:tblGrid>
+              <a:tr h="370840">
+                <a:tc>
+                  <a:txBody>
+                    <a:bodyPr/>
+                    <a:lstStyle/>
+                    <a:p>
+                      <a:pPr algn="ctr"/>
+                      <a:r>
+                        <a:rPr lang="en-US" dirty="0"/>
+                        <a:t>Round</a:t>
+                      </a:r>
+                      <a:endParaRPr lang="en-IN" dirty="0"/>
+                    </a:p>
+                  </a:txBody>
+                  <a:tcPr/>
+                </a:tc>
+                <a:tc>
+                  <a:txBody>
+                    <a:bodyPr/>
+                    <a:lstStyle/>
+                    <a:p>
+                      <a:pPr algn="ctr"/>
+                      <a:r>
+                        <a:rPr lang="en-US" dirty="0"/>
+                        <a:t>Accuracy</a:t>
+                      </a:r>
+                      <a:endParaRPr lang="en-IN" dirty="0"/>
+                    </a:p>
+                  </a:txBody>
+                  <a:tcPr/>
+                </a:tc>
+                <a:tc>
+                  <a:txBody>
+                    <a:bodyPr/>
+                    <a:lstStyle/>
+                    <a:p>
+                      <a:pPr algn="ctr"/>
+                      <a:r>
+                        <a:rPr lang="en-US" dirty="0"/>
+                        <a:t>Loss</a:t>
+                      </a:r>
+                      <a:endParaRPr lang="en-IN" dirty="0"/>
+                    </a:p>
+                  </a:txBody>
+                  <a:tcPr/>
+                </a:tc>
+                <a:extLst>
+                  <a:ext uri="{0D108BD9-81ED-4DB2-BD59-A6C34878D82A}">
+                    <a16:rowId xmlns:a16="http://schemas.microsoft.com/office/drawing/2014/main" val="2980590616"/>
+                  </a:ext>
+                </a:extLst>
+              </a:tr>
+              <a:tr h="370840">
+                <a:tc>
+                  <a:txBody>
+                    <a:bodyPr/>
+                    <a:lstStyle/>
+                    <a:p>
+                      <a:pPr algn="ctr"/>
+                      <a:r>
+                        <a:rPr lang="en-US" dirty="0"/>
+                        <a:t>1</a:t>
+                      </a:r>
+                    </a:p>
+                  </a:txBody>
+                  <a:tcPr/>
+                </a:tc>
+                <a:tc>
+                  <a:txBody>
+                    <a:bodyPr/>
+                    <a:lstStyle/>
+                    <a:p>
+                      <a:pPr algn="ctr"/>
+                      <a:r>
+                        <a:rPr lang="en-US" dirty="0"/>
+                        <a:t>85.68 %</a:t>
+                      </a:r>
+                      <a:endParaRPr lang="en-IN" dirty="0"/>
+                    </a:p>
+                  </a:txBody>
+                  <a:tcPr/>
+                </a:tc>
+                <a:tc>
+                  <a:txBody>
+                    <a:bodyPr/>
+                    <a:lstStyle/>
+                    <a:p>
+                      <a:pPr algn="ctr"/>
+                      <a:r>
+                        <a:rPr lang="en-US" dirty="0"/>
+                        <a:t>0.86</a:t>
+                      </a:r>
+                      <a:endParaRPr lang="en-IN" dirty="0"/>
+                    </a:p>
+                  </a:txBody>
+                  <a:tcPr/>
+                </a:tc>
+                <a:extLst>
+                  <a:ext uri="{0D108BD9-81ED-4DB2-BD59-A6C34878D82A}">
+                    <a16:rowId xmlns:a16="http://schemas.microsoft.com/office/drawing/2014/main" val="528740570"/>
+                  </a:ext>
+                </a:extLst>
+              </a:tr>
+              <a:tr h="370840">
+                <a:tc>
+                  <a:txBody>
+                    <a:bodyPr/>
+                    <a:lstStyle/>
+                    <a:p>
+                      <a:pPr algn="ctr"/>
+                      <a:r>
+                        <a:rPr lang="en-US" dirty="0"/>
+                        <a:t>2</a:t>
+                      </a:r>
+                      <a:endParaRPr lang="en-IN" dirty="0"/>
+                    </a:p>
+                  </a:txBody>
+                  <a:tcPr/>
+                </a:tc>
+                <a:tc>
+                  <a:txBody>
+                    <a:bodyPr/>
+                    <a:lstStyle/>
+                    <a:p>
+                      <a:pPr algn="ctr"/>
+                      <a:r>
+                        <a:rPr lang="en-US" dirty="0"/>
+                        <a:t>88.07 %</a:t>
+                      </a:r>
+                      <a:endParaRPr lang="en-IN" dirty="0"/>
+                    </a:p>
+                  </a:txBody>
+                  <a:tcPr/>
+                </a:tc>
+                <a:tc>
+                  <a:txBody>
+                    <a:bodyPr/>
+                    <a:lstStyle/>
+                    <a:p>
+                      <a:pPr algn="ctr"/>
+                      <a:r>
+                        <a:rPr lang="en-US" dirty="0"/>
+                        <a:t>0.38</a:t>
+                      </a:r>
+                      <a:endParaRPr lang="en-IN" dirty="0"/>
+                    </a:p>
+                  </a:txBody>
+                  <a:tcPr/>
+                </a:tc>
+                <a:extLst>
+                  <a:ext uri="{0D108BD9-81ED-4DB2-BD59-A6C34878D82A}">
+                    <a16:rowId xmlns:a16="http://schemas.microsoft.com/office/drawing/2014/main" val="3909944274"/>
+                  </a:ext>
+                </a:extLst>
+              </a:tr>
+              <a:tr h="370840">
+                <a:tc>
+                  <a:txBody>
+                    <a:bodyPr/>
+                    <a:lstStyle/>
+                    <a:p>
+                      <a:pPr algn="ctr"/>
+                      <a:r>
+                        <a:rPr lang="en-US" dirty="0"/>
+                        <a:t>3</a:t>
+                      </a:r>
+                      <a:endParaRPr lang="en-IN" dirty="0"/>
+                    </a:p>
+                  </a:txBody>
+                  <a:tcPr/>
+                </a:tc>
+                <a:tc>
+                  <a:txBody>
+                    <a:bodyPr/>
+                    <a:lstStyle/>
+                    <a:p>
+                      <a:pPr algn="ctr"/>
+                      <a:r>
+                        <a:rPr lang="en-US" dirty="0"/>
+                        <a:t>88.29 %</a:t>
+                      </a:r>
+                      <a:endParaRPr lang="en-IN" dirty="0"/>
+                    </a:p>
+                  </a:txBody>
+                  <a:tcPr/>
+                </a:tc>
+                <a:tc>
+                  <a:txBody>
+                    <a:bodyPr/>
+                    <a:lstStyle/>
+                    <a:p>
+                      <a:pPr algn="ctr"/>
+                      <a:r>
+                        <a:rPr lang="en-US" dirty="0"/>
+                        <a:t>0.34</a:t>
+                      </a:r>
+                      <a:endParaRPr lang="en-IN" dirty="0"/>
+                    </a:p>
+                  </a:txBody>
+                  <a:tcPr/>
+                </a:tc>
+                <a:extLst>
+                  <a:ext uri="{0D108BD9-81ED-4DB2-BD59-A6C34878D82A}">
+                    <a16:rowId xmlns:a16="http://schemas.microsoft.com/office/drawing/2014/main" val="74134503"/>
+                  </a:ext>
+                </a:extLst>
+              </a:tr>
+              <a:tr h="370840">
+                <a:tc>
+                  <a:txBody>
+                    <a:bodyPr/>
+                    <a:lstStyle/>
+                    <a:p>
+                      <a:pPr algn="ctr"/>
+                      <a:r>
+                        <a:rPr lang="en-US" dirty="0"/>
+                        <a:t>4</a:t>
+                      </a:r>
+                      <a:endParaRPr lang="en-IN" dirty="0"/>
+                    </a:p>
+                  </a:txBody>
+                  <a:tcPr/>
+                </a:tc>
+                <a:tc>
+                  <a:txBody>
+                    <a:bodyPr/>
+                    <a:lstStyle/>
+                    <a:p>
+                      <a:pPr algn="ctr"/>
+                      <a:r>
+                        <a:rPr lang="en-US" dirty="0"/>
+                        <a:t>91.32 %</a:t>
+                      </a:r>
+                      <a:endParaRPr lang="en-IN" dirty="0"/>
+                    </a:p>
+                  </a:txBody>
+                  <a:tcPr/>
+                </a:tc>
+                <a:tc>
+                  <a:txBody>
+                    <a:bodyPr/>
+                    <a:lstStyle/>
+                    <a:p>
+                      <a:pPr algn="ctr"/>
+                      <a:r>
+                        <a:rPr lang="en-US" dirty="0"/>
+                        <a:t>0.28</a:t>
+                      </a:r>
+                      <a:endParaRPr lang="en-IN" dirty="0"/>
+                    </a:p>
+                  </a:txBody>
+                  <a:tcPr/>
+                </a:tc>
+                <a:extLst>
+                  <a:ext uri="{0D108BD9-81ED-4DB2-BD59-A6C34878D82A}">
+                    <a16:rowId xmlns:a16="http://schemas.microsoft.com/office/drawing/2014/main" val="3961088009"/>
+                  </a:ext>
+                </a:extLst>
+              </a:tr>
+              <a:tr h="370840">
+                <a:tc>
+                  <a:txBody>
+                    <a:bodyPr/>
+                    <a:lstStyle/>
+                    <a:p>
+                      <a:pPr algn="ctr"/>
+                      <a:r>
+                        <a:rPr lang="en-US" dirty="0"/>
+                        <a:t>5</a:t>
+                      </a:r>
+                      <a:endParaRPr lang="en-IN" dirty="0"/>
+                    </a:p>
+                  </a:txBody>
+                  <a:tcPr/>
+                </a:tc>
+                <a:tc>
+                  <a:txBody>
+                    <a:bodyPr/>
+                    <a:lstStyle/>
+                    <a:p>
+                      <a:pPr algn="ctr"/>
+                      <a:r>
+                        <a:rPr lang="en-US" dirty="0"/>
+                        <a:t>92.62 %</a:t>
+                      </a:r>
+                      <a:endParaRPr lang="en-IN" dirty="0"/>
+                    </a:p>
+                  </a:txBody>
+                  <a:tcPr/>
+                </a:tc>
+                <a:tc>
+                  <a:txBody>
+                    <a:bodyPr/>
+                    <a:lstStyle/>
+                    <a:p>
+                      <a:pPr algn="ctr"/>
+                      <a:r>
+                        <a:rPr lang="en-US" dirty="0"/>
+                        <a:t>0.23</a:t>
+                      </a:r>
+                      <a:endParaRPr lang="en-IN" dirty="0"/>
+                    </a:p>
+                  </a:txBody>
+                  <a:tcPr/>
+                </a:tc>
+                <a:extLst>
+                  <a:ext uri="{0D108BD9-81ED-4DB2-BD59-A6C34878D82A}">
+                    <a16:rowId xmlns:a16="http://schemas.microsoft.com/office/drawing/2014/main" val="25863476"/>
+                  </a:ext>
+                </a:extLst>
+              </a:tr>
+              <a:tr h="370840">
+                <a:tc>
+                  <a:txBody>
+                    <a:bodyPr/>
+                    <a:lstStyle/>
+                    <a:p>
+                      <a:pPr algn="ctr"/>
+                      <a:r>
+                        <a:rPr lang="en-US" dirty="0"/>
+                        <a:t>6</a:t>
+                      </a:r>
+                      <a:endParaRPr lang="en-IN" dirty="0"/>
+                    </a:p>
+                  </a:txBody>
+                  <a:tcPr/>
+                </a:tc>
+                <a:tc>
+                  <a:txBody>
+                    <a:bodyPr/>
+                    <a:lstStyle/>
+                    <a:p>
+                      <a:pPr algn="ctr"/>
+                      <a:r>
+                        <a:rPr lang="en-US" dirty="0"/>
+                        <a:t>93.49 %</a:t>
+                      </a:r>
+                      <a:endParaRPr lang="en-IN" dirty="0"/>
+                    </a:p>
+                  </a:txBody>
+                  <a:tcPr/>
+                </a:tc>
+                <a:tc>
+                  <a:txBody>
+                    <a:bodyPr/>
+                    <a:lstStyle/>
+                    <a:p>
+                      <a:pPr algn="ctr"/>
+                      <a:r>
+                        <a:rPr lang="en-US" dirty="0"/>
+                        <a:t>0.23</a:t>
+                      </a:r>
+                      <a:endParaRPr lang="en-IN" dirty="0"/>
+                    </a:p>
+                  </a:txBody>
+                  <a:tcPr/>
+                </a:tc>
+                <a:extLst>
+                  <a:ext uri="{0D108BD9-81ED-4DB2-BD59-A6C34878D82A}">
+                    <a16:rowId xmlns:a16="http://schemas.microsoft.com/office/drawing/2014/main" val="1531931162"/>
+                  </a:ext>
+                </a:extLst>
+              </a:tr>
+            </a:tbl>
+          </a:graphicData>
+        </a:graphic>
+      </p:graphicFrame>
+      <p:graphicFrame>
+        <p:nvGraphicFramePr>
+          <p:cNvPr id="5" name="Table 4">
+            <a:extLst>
+              <a:ext uri="{FF2B5EF4-FFF2-40B4-BE49-F238E27FC236}">
+                <a16:creationId xmlns:a16="http://schemas.microsoft.com/office/drawing/2014/main" id="{E1912E28-8C7B-5471-2366-2B7E3E615C91}"/>
+              </a:ext>
+            </a:extLst>
+          </p:cNvPr>
+          <p:cNvGraphicFramePr>
+            <a:graphicFrameLocks noGrp="1"/>
+          </p:cNvGraphicFramePr>
+          <p:nvPr>
+            <p:extLst>
+              <p:ext uri="{D42A27DB-BD31-4B8C-83A1-F6EECF244321}">
+                <p14:modId xmlns:p14="http://schemas.microsoft.com/office/powerpoint/2010/main" val="1584410800"/>
+              </p:ext>
+            </p:extLst>
+          </p:nvPr>
+        </p:nvGraphicFramePr>
+        <p:xfrm>
+          <a:off x="6233651" y="2541756"/>
+          <a:ext cx="5188614" cy="2595880"/>
+        </p:xfrm>
+        <a:graphic>
+          <a:graphicData uri="http://schemas.openxmlformats.org/drawingml/2006/table">
+            <a:tbl>
+              <a:tblPr firstRow="1" bandRow="1">
+                <a:tableStyleId>{073A0DAA-6AF3-43AB-8588-CEC1D06C72B9}</a:tableStyleId>
+              </a:tblPr>
+              <a:tblGrid>
+                <a:gridCol w="1729538">
+                  <a:extLst>
+                    <a:ext uri="{9D8B030D-6E8A-4147-A177-3AD203B41FA5}">
+                      <a16:colId xmlns:a16="http://schemas.microsoft.com/office/drawing/2014/main" val="2072905676"/>
+                    </a:ext>
+                  </a:extLst>
+                </a:gridCol>
+                <a:gridCol w="1729538">
+                  <a:extLst>
+                    <a:ext uri="{9D8B030D-6E8A-4147-A177-3AD203B41FA5}">
+                      <a16:colId xmlns:a16="http://schemas.microsoft.com/office/drawing/2014/main" val="684301918"/>
+                    </a:ext>
+                  </a:extLst>
+                </a:gridCol>
+                <a:gridCol w="1729538">
+                  <a:extLst>
+                    <a:ext uri="{9D8B030D-6E8A-4147-A177-3AD203B41FA5}">
+                      <a16:colId xmlns:a16="http://schemas.microsoft.com/office/drawing/2014/main" val="1610736767"/>
+                    </a:ext>
+                  </a:extLst>
+                </a:gridCol>
+              </a:tblGrid>
+              <a:tr h="370840">
+                <a:tc>
+                  <a:txBody>
+                    <a:bodyPr/>
+                    <a:lstStyle/>
+                    <a:p>
+                      <a:pPr algn="ctr"/>
+                      <a:r>
+                        <a:rPr lang="en-US" dirty="0"/>
+                        <a:t>Round</a:t>
+                      </a:r>
+                      <a:endParaRPr lang="en-IN" dirty="0"/>
+                    </a:p>
+                  </a:txBody>
+                  <a:tcPr/>
+                </a:tc>
+                <a:tc>
+                  <a:txBody>
+                    <a:bodyPr/>
+                    <a:lstStyle/>
+                    <a:p>
+                      <a:pPr algn="ctr"/>
+                      <a:r>
+                        <a:rPr lang="en-US" dirty="0"/>
+                        <a:t>Accuracy</a:t>
+                      </a:r>
+                      <a:endParaRPr lang="en-IN" dirty="0"/>
+                    </a:p>
+                  </a:txBody>
+                  <a:tcPr/>
+                </a:tc>
+                <a:tc>
+                  <a:txBody>
+                    <a:bodyPr/>
+                    <a:lstStyle/>
+                    <a:p>
+                      <a:pPr algn="ctr"/>
+                      <a:r>
+                        <a:rPr lang="en-US" dirty="0"/>
+                        <a:t>Loss</a:t>
+                      </a:r>
+                      <a:endParaRPr lang="en-IN" dirty="0"/>
+                    </a:p>
+                  </a:txBody>
+                  <a:tcPr/>
+                </a:tc>
+                <a:extLst>
+                  <a:ext uri="{0D108BD9-81ED-4DB2-BD59-A6C34878D82A}">
+                    <a16:rowId xmlns:a16="http://schemas.microsoft.com/office/drawing/2014/main" val="2980590616"/>
+                  </a:ext>
+                </a:extLst>
+              </a:tr>
+              <a:tr h="370840">
+                <a:tc>
+                  <a:txBody>
+                    <a:bodyPr/>
+                    <a:lstStyle/>
+                    <a:p>
+                      <a:pPr algn="ctr"/>
+                      <a:r>
+                        <a:rPr lang="en-US" dirty="0"/>
+                        <a:t>7</a:t>
+                      </a:r>
+                    </a:p>
+                  </a:txBody>
+                  <a:tcPr/>
+                </a:tc>
+                <a:tc>
+                  <a:txBody>
+                    <a:bodyPr/>
+                    <a:lstStyle/>
+                    <a:p>
+                      <a:pPr algn="ctr"/>
+                      <a:r>
+                        <a:rPr lang="en-US" dirty="0"/>
+                        <a:t>94.14 %</a:t>
+                      </a:r>
+                      <a:endParaRPr lang="en-IN" dirty="0"/>
+                    </a:p>
+                  </a:txBody>
+                  <a:tcPr/>
+                </a:tc>
+                <a:tc>
+                  <a:txBody>
+                    <a:bodyPr/>
+                    <a:lstStyle/>
+                    <a:p>
+                      <a:pPr algn="ctr"/>
+                      <a:r>
+                        <a:rPr lang="en-US" dirty="0"/>
+                        <a:t>0.20</a:t>
+                      </a:r>
+                      <a:endParaRPr lang="en-IN" dirty="0"/>
+                    </a:p>
+                  </a:txBody>
+                  <a:tcPr/>
+                </a:tc>
+                <a:extLst>
+                  <a:ext uri="{0D108BD9-81ED-4DB2-BD59-A6C34878D82A}">
+                    <a16:rowId xmlns:a16="http://schemas.microsoft.com/office/drawing/2014/main" val="528740570"/>
+                  </a:ext>
+                </a:extLst>
+              </a:tr>
+              <a:tr h="370840">
+                <a:tc>
+                  <a:txBody>
+                    <a:bodyPr/>
+                    <a:lstStyle/>
+                    <a:p>
+                      <a:pPr algn="ctr"/>
+                      <a:r>
+                        <a:rPr lang="en-US" dirty="0"/>
+                        <a:t>8</a:t>
+                      </a:r>
+                      <a:endParaRPr lang="en-IN" dirty="0"/>
+                    </a:p>
+                  </a:txBody>
+                  <a:tcPr/>
+                </a:tc>
+                <a:tc>
+                  <a:txBody>
+                    <a:bodyPr/>
+                    <a:lstStyle/>
+                    <a:p>
+                      <a:pPr algn="ctr"/>
+                      <a:r>
+                        <a:rPr lang="en-US" dirty="0"/>
+                        <a:t>93.93 %</a:t>
+                      </a:r>
+                      <a:endParaRPr lang="en-IN" dirty="0"/>
+                    </a:p>
+                  </a:txBody>
+                  <a:tcPr/>
+                </a:tc>
+                <a:tc>
+                  <a:txBody>
+                    <a:bodyPr/>
+                    <a:lstStyle/>
+                    <a:p>
+                      <a:pPr algn="ctr"/>
+                      <a:r>
+                        <a:rPr lang="en-US" dirty="0"/>
+                        <a:t>0.19</a:t>
+                      </a:r>
+                      <a:endParaRPr lang="en-IN" dirty="0"/>
+                    </a:p>
+                  </a:txBody>
+                  <a:tcPr/>
+                </a:tc>
+                <a:extLst>
+                  <a:ext uri="{0D108BD9-81ED-4DB2-BD59-A6C34878D82A}">
+                    <a16:rowId xmlns:a16="http://schemas.microsoft.com/office/drawing/2014/main" val="3909944274"/>
+                  </a:ext>
+                </a:extLst>
+              </a:tr>
+              <a:tr h="370840">
+                <a:tc>
+                  <a:txBody>
+                    <a:bodyPr/>
+                    <a:lstStyle/>
+                    <a:p>
+                      <a:pPr algn="ctr"/>
+                      <a:r>
+                        <a:rPr lang="en-US" dirty="0"/>
+                        <a:t>9</a:t>
+                      </a:r>
+                      <a:endParaRPr lang="en-IN" dirty="0"/>
+                    </a:p>
+                  </a:txBody>
+                  <a:tcPr/>
+                </a:tc>
+                <a:tc>
+                  <a:txBody>
+                    <a:bodyPr/>
+                    <a:lstStyle/>
+                    <a:p>
+                      <a:pPr algn="ctr"/>
+                      <a:r>
+                        <a:rPr lang="en-US" dirty="0"/>
+                        <a:t>93.93 %</a:t>
+                      </a:r>
+                      <a:endParaRPr lang="en-IN" dirty="0"/>
+                    </a:p>
+                  </a:txBody>
+                  <a:tcPr/>
+                </a:tc>
+                <a:tc>
+                  <a:txBody>
+                    <a:bodyPr/>
+                    <a:lstStyle/>
+                    <a:p>
+                      <a:pPr algn="ctr"/>
+                      <a:r>
+                        <a:rPr lang="en-US" dirty="0"/>
+                        <a:t>0.20</a:t>
+                      </a:r>
+                      <a:endParaRPr lang="en-IN" dirty="0"/>
+                    </a:p>
+                  </a:txBody>
+                  <a:tcPr/>
+                </a:tc>
+                <a:extLst>
+                  <a:ext uri="{0D108BD9-81ED-4DB2-BD59-A6C34878D82A}">
+                    <a16:rowId xmlns:a16="http://schemas.microsoft.com/office/drawing/2014/main" val="74134503"/>
+                  </a:ext>
+                </a:extLst>
+              </a:tr>
+              <a:tr h="370840">
+                <a:tc>
+                  <a:txBody>
+                    <a:bodyPr/>
+                    <a:lstStyle/>
+                    <a:p>
+                      <a:pPr algn="ctr"/>
+                      <a:r>
+                        <a:rPr lang="en-US" dirty="0"/>
+                        <a:t>10</a:t>
+                      </a:r>
+                      <a:endParaRPr lang="en-IN" dirty="0"/>
+                    </a:p>
+                  </a:txBody>
+                  <a:tcPr/>
+                </a:tc>
+                <a:tc>
+                  <a:txBody>
+                    <a:bodyPr/>
+                    <a:lstStyle/>
+                    <a:p>
+                      <a:pPr algn="ctr"/>
+                      <a:r>
+                        <a:rPr lang="en-US" dirty="0"/>
+                        <a:t>94.14 %</a:t>
+                      </a:r>
+                      <a:endParaRPr lang="en-IN" dirty="0"/>
+                    </a:p>
+                  </a:txBody>
+                  <a:tcPr/>
+                </a:tc>
+                <a:tc>
+                  <a:txBody>
+                    <a:bodyPr/>
+                    <a:lstStyle/>
+                    <a:p>
+                      <a:pPr algn="ctr"/>
+                      <a:r>
+                        <a:rPr lang="en-US" dirty="0"/>
+                        <a:t>0.18</a:t>
+                      </a:r>
+                      <a:endParaRPr lang="en-IN" dirty="0"/>
+                    </a:p>
+                  </a:txBody>
+                  <a:tcPr/>
+                </a:tc>
+                <a:extLst>
+                  <a:ext uri="{0D108BD9-81ED-4DB2-BD59-A6C34878D82A}">
+                    <a16:rowId xmlns:a16="http://schemas.microsoft.com/office/drawing/2014/main" val="3961088009"/>
+                  </a:ext>
+                </a:extLst>
+              </a:tr>
+              <a:tr h="370840">
+                <a:tc>
+                  <a:txBody>
+                    <a:bodyPr/>
+                    <a:lstStyle/>
+                    <a:p>
+                      <a:pPr algn="ctr"/>
+                      <a:r>
+                        <a:rPr lang="en-US" dirty="0"/>
+                        <a:t>11</a:t>
+                      </a:r>
+                      <a:endParaRPr lang="en-IN" dirty="0"/>
+                    </a:p>
+                  </a:txBody>
+                  <a:tcPr/>
+                </a:tc>
+                <a:tc>
+                  <a:txBody>
+                    <a:bodyPr/>
+                    <a:lstStyle/>
+                    <a:p>
+                      <a:pPr algn="ctr"/>
+                      <a:r>
+                        <a:rPr lang="en-US" dirty="0"/>
+                        <a:t>95.23 %</a:t>
+                      </a:r>
+                      <a:endParaRPr lang="en-IN" dirty="0"/>
+                    </a:p>
+                  </a:txBody>
+                  <a:tcPr/>
+                </a:tc>
+                <a:tc>
+                  <a:txBody>
+                    <a:bodyPr/>
+                    <a:lstStyle/>
+                    <a:p>
+                      <a:pPr algn="ctr"/>
+                      <a:r>
+                        <a:rPr lang="en-US" dirty="0"/>
+                        <a:t>0.18</a:t>
+                      </a:r>
+                      <a:endParaRPr lang="en-IN" dirty="0"/>
+                    </a:p>
+                  </a:txBody>
+                  <a:tcPr/>
+                </a:tc>
+                <a:extLst>
+                  <a:ext uri="{0D108BD9-81ED-4DB2-BD59-A6C34878D82A}">
+                    <a16:rowId xmlns:a16="http://schemas.microsoft.com/office/drawing/2014/main" val="25863476"/>
+                  </a:ext>
+                </a:extLst>
+              </a:tr>
+              <a:tr h="370840">
+                <a:tc>
+                  <a:txBody>
+                    <a:bodyPr/>
+                    <a:lstStyle/>
+                    <a:p>
+                      <a:pPr algn="ctr"/>
+                      <a:r>
+                        <a:rPr lang="en-US" dirty="0"/>
+                        <a:t>12</a:t>
+                      </a:r>
+                      <a:endParaRPr lang="en-IN" dirty="0"/>
+                    </a:p>
+                  </a:txBody>
+                  <a:tcPr/>
+                </a:tc>
+                <a:tc>
+                  <a:txBody>
+                    <a:bodyPr/>
+                    <a:lstStyle/>
+                    <a:p>
+                      <a:pPr algn="ctr"/>
+                      <a:r>
+                        <a:rPr lang="en-US" dirty="0"/>
+                        <a:t>91.11 %</a:t>
+                      </a:r>
+                      <a:endParaRPr lang="en-IN" dirty="0"/>
+                    </a:p>
+                  </a:txBody>
+                  <a:tcPr/>
+                </a:tc>
+                <a:tc>
+                  <a:txBody>
+                    <a:bodyPr/>
+                    <a:lstStyle/>
+                    <a:p>
+                      <a:pPr algn="ctr"/>
+                      <a:r>
+                        <a:rPr lang="en-US" dirty="0"/>
+                        <a:t>0.30</a:t>
+                      </a:r>
+                      <a:endParaRPr lang="en-IN" dirty="0"/>
+                    </a:p>
+                  </a:txBody>
+                  <a:tcPr/>
+                </a:tc>
+                <a:extLst>
+                  <a:ext uri="{0D108BD9-81ED-4DB2-BD59-A6C34878D82A}">
+                    <a16:rowId xmlns:a16="http://schemas.microsoft.com/office/drawing/2014/main" val="1531931162"/>
+                  </a:ext>
+                </a:extLst>
+              </a:tr>
+            </a:tbl>
+          </a:graphicData>
+        </a:graphic>
+      </p:graphicFrame>
+    </p:spTree>
+    <p:extLst>
+      <p:ext uri="{BB962C8B-B14F-4D97-AF65-F5344CB8AC3E}">
+        <p14:creationId xmlns:p14="http://schemas.microsoft.com/office/powerpoint/2010/main" val="998223375"/>
+      </p:ext>
+    </p:extLst>
+  </p:cSld>
+  <p:clrMapOvr>
+    <a:masterClrMapping/>
+  </p:clrMapOvr>
+</p:sld>
+</file>
+
+<file path=ppt/slides/slide29.xml><?xml version="1.0" encoding="utf-8"?>
+<p:sld xmlns:a="http://schemas.openxmlformats.org/drawingml/2006/main" xmlns:r="http://schemas.openxmlformats.org/officeDocument/2006/relationships" xmlns:p="http://schemas.openxmlformats.org/presentationml/2006/main">
+  <p:cSld>
+    <p:spTree>
+      <p:nvGrpSpPr>
+        <p:cNvPr id="1" name="">
+          <a:extLst>
+            <a:ext uri="{FF2B5EF4-FFF2-40B4-BE49-F238E27FC236}">
+              <a16:creationId xmlns:a16="http://schemas.microsoft.com/office/drawing/2014/main" id="{5FAE2504-CF67-6650-9021-BAB1321A738D}"/>
+            </a:ext>
+          </a:extLst>
+        </p:cNvPr>
+        <p:cNvGrpSpPr/>
+        <p:nvPr/>
+      </p:nvGrpSpPr>
+      <p:grpSpPr>
+        <a:xfrm>
+          <a:off x="0" y="0"/>
+          <a:ext cx="0" cy="0"/>
+          <a:chOff x="0" y="0"/>
+          <a:chExt cx="0" cy="0"/>
+        </a:xfrm>
+      </p:grpSpPr>
+      <p:sp>
+        <p:nvSpPr>
+          <p:cNvPr id="2" name="Title 1">
+            <a:extLst>
+              <a:ext uri="{FF2B5EF4-FFF2-40B4-BE49-F238E27FC236}">
+                <a16:creationId xmlns:a16="http://schemas.microsoft.com/office/drawing/2014/main" id="{4B6DD28D-8F55-2215-A713-6F27629F32BA}"/>
+              </a:ext>
+            </a:extLst>
+          </p:cNvPr>
+          <p:cNvSpPr>
+            <a:spLocks noGrp="1"/>
+          </p:cNvSpPr>
+          <p:nvPr>
+            <p:ph type="title"/>
+          </p:nvPr>
+        </p:nvSpPr>
+        <p:spPr>
+          <a:xfrm>
+            <a:off x="691079" y="132038"/>
+            <a:ext cx="10325000" cy="821395"/>
+          </a:xfrm>
+        </p:spPr>
+        <p:txBody>
+          <a:bodyPr>
+            <a:normAutofit/>
+          </a:bodyPr>
+          <a:lstStyle/>
+          <a:p>
+            <a:r>
+              <a:rPr kumimoji="0" lang="en-US" sz="3200" b="0" i="0" u="none" strike="noStrike" kern="1200" cap="none" spc="0" normalizeH="0" baseline="0" noProof="0" dirty="0">
+                <a:ln>
+                  <a:noFill/>
+                </a:ln>
+                <a:solidFill>
+                  <a:srgbClr val="352441"/>
+                </a:solidFill>
+                <a:effectLst/>
+                <a:uLnTx/>
+                <a:uFillTx/>
+                <a:latin typeface="Grandview"/>
+                <a:ea typeface="+mj-ea"/>
+                <a:cs typeface="+mj-cs"/>
+              </a:rPr>
+              <a:t>Implementation Results</a:t>
+            </a:r>
+            <a:endParaRPr lang="en-IN" sz="4000" dirty="0"/>
+          </a:p>
+        </p:txBody>
+      </p:sp>
+      <p:sp>
+        <p:nvSpPr>
+          <p:cNvPr id="3" name="Content Placeholder 2">
+            <a:extLst>
+              <a:ext uri="{FF2B5EF4-FFF2-40B4-BE49-F238E27FC236}">
+                <a16:creationId xmlns:a16="http://schemas.microsoft.com/office/drawing/2014/main" id="{8B3CAA7C-0A20-B47C-0492-BE9DA5BBD185}"/>
+              </a:ext>
+            </a:extLst>
+          </p:cNvPr>
+          <p:cNvSpPr>
+            <a:spLocks noGrp="1"/>
+          </p:cNvSpPr>
+          <p:nvPr>
+            <p:ph idx="1"/>
+          </p:nvPr>
+        </p:nvSpPr>
+        <p:spPr>
+          <a:xfrm>
+            <a:off x="691078" y="953432"/>
+            <a:ext cx="11274779" cy="5772529"/>
+          </a:xfrm>
+        </p:spPr>
+        <p:txBody>
+          <a:bodyPr>
+            <a:normAutofit/>
+          </a:bodyPr>
+          <a:lstStyle/>
+          <a:p>
+            <a:pPr marL="0" indent="0">
+              <a:buNone/>
+            </a:pPr>
+            <a:endParaRPr lang="en-US" sz="2800" b="1" dirty="0"/>
+          </a:p>
+          <a:p>
+            <a:pPr marL="0" indent="0">
+              <a:buNone/>
+            </a:pPr>
+            <a:r>
+              <a:rPr lang="en-US" sz="2800" b="1" dirty="0"/>
+              <a:t>Summary:</a:t>
+            </a:r>
+            <a:r>
+              <a:rPr lang="en-IN" b="1" dirty="0"/>
+              <a:t>	</a:t>
+            </a:r>
+          </a:p>
+        </p:txBody>
+      </p:sp>
+      <p:graphicFrame>
+        <p:nvGraphicFramePr>
+          <p:cNvPr id="4" name="Table 3">
+            <a:extLst>
+              <a:ext uri="{FF2B5EF4-FFF2-40B4-BE49-F238E27FC236}">
+                <a16:creationId xmlns:a16="http://schemas.microsoft.com/office/drawing/2014/main" id="{45ED1081-EE4F-CE72-DF7B-2C4541C065B3}"/>
+              </a:ext>
+            </a:extLst>
+          </p:cNvPr>
+          <p:cNvGraphicFramePr>
+            <a:graphicFrameLocks noGrp="1"/>
+          </p:cNvGraphicFramePr>
+          <p:nvPr>
+            <p:extLst>
+              <p:ext uri="{D42A27DB-BD31-4B8C-83A1-F6EECF244321}">
+                <p14:modId xmlns:p14="http://schemas.microsoft.com/office/powerpoint/2010/main" val="493670466"/>
+              </p:ext>
+            </p:extLst>
+          </p:nvPr>
+        </p:nvGraphicFramePr>
+        <p:xfrm>
+          <a:off x="723959" y="2384440"/>
+          <a:ext cx="6365099" cy="1381760"/>
+        </p:xfrm>
+        <a:graphic>
+          <a:graphicData uri="http://schemas.openxmlformats.org/drawingml/2006/table">
+            <a:tbl>
+              <a:tblPr firstRow="1" bandRow="1">
+                <a:tableStyleId>{073A0DAA-6AF3-43AB-8588-CEC1D06C72B9}</a:tableStyleId>
+              </a:tblPr>
+              <a:tblGrid>
+                <a:gridCol w="2412531">
+                  <a:extLst>
+                    <a:ext uri="{9D8B030D-6E8A-4147-A177-3AD203B41FA5}">
+                      <a16:colId xmlns:a16="http://schemas.microsoft.com/office/drawing/2014/main" val="2072905676"/>
+                    </a:ext>
+                  </a:extLst>
+                </a:gridCol>
+                <a:gridCol w="1714198">
+                  <a:extLst>
+                    <a:ext uri="{9D8B030D-6E8A-4147-A177-3AD203B41FA5}">
+                      <a16:colId xmlns:a16="http://schemas.microsoft.com/office/drawing/2014/main" val="684301918"/>
+                    </a:ext>
+                  </a:extLst>
+                </a:gridCol>
+                <a:gridCol w="2238370">
+                  <a:extLst>
+                    <a:ext uri="{9D8B030D-6E8A-4147-A177-3AD203B41FA5}">
+                      <a16:colId xmlns:a16="http://schemas.microsoft.com/office/drawing/2014/main" val="1610736767"/>
+                    </a:ext>
+                  </a:extLst>
+                </a:gridCol>
+              </a:tblGrid>
+              <a:tr h="370840">
+                <a:tc>
+                  <a:txBody>
+                    <a:bodyPr/>
+                    <a:lstStyle/>
+                    <a:p>
+                      <a:pPr algn="ctr"/>
+                      <a:r>
+                        <a:rPr lang="en-US" dirty="0"/>
+                        <a:t>Model</a:t>
+                      </a:r>
+                      <a:endParaRPr lang="en-IN" dirty="0"/>
+                    </a:p>
+                  </a:txBody>
+                  <a:tcPr/>
+                </a:tc>
+                <a:tc>
+                  <a:txBody>
+                    <a:bodyPr/>
+                    <a:lstStyle/>
+                    <a:p>
+                      <a:pPr algn="ctr"/>
+                      <a:r>
+                        <a:rPr lang="en-US" dirty="0"/>
+                        <a:t>Xavier Initialization</a:t>
+                      </a:r>
+                      <a:endParaRPr lang="en-IN" dirty="0"/>
+                    </a:p>
+                  </a:txBody>
+                  <a:tcPr/>
+                </a:tc>
+                <a:tc>
+                  <a:txBody>
+                    <a:bodyPr/>
+                    <a:lstStyle/>
+                    <a:p>
+                      <a:pPr algn="ctr"/>
+                      <a:r>
+                        <a:rPr lang="en-US" dirty="0"/>
+                        <a:t>Without Xavier Initialization</a:t>
+                      </a:r>
+                      <a:endParaRPr lang="en-IN" dirty="0"/>
+                    </a:p>
+                  </a:txBody>
+                  <a:tcPr/>
+                </a:tc>
+                <a:extLst>
+                  <a:ext uri="{0D108BD9-81ED-4DB2-BD59-A6C34878D82A}">
+                    <a16:rowId xmlns:a16="http://schemas.microsoft.com/office/drawing/2014/main" val="2980590616"/>
+                  </a:ext>
+                </a:extLst>
+              </a:tr>
+              <a:tr h="370840">
+                <a:tc>
+                  <a:txBody>
+                    <a:bodyPr/>
+                    <a:lstStyle/>
+                    <a:p>
+                      <a:pPr algn="ctr"/>
+                      <a:r>
+                        <a:rPr lang="en-US" dirty="0"/>
+                        <a:t>DenseNet201</a:t>
+                      </a:r>
+                    </a:p>
+                  </a:txBody>
+                  <a:tcPr/>
+                </a:tc>
+                <a:tc>
+                  <a:txBody>
+                    <a:bodyPr/>
+                    <a:lstStyle/>
+                    <a:p>
+                      <a:pPr algn="ctr"/>
+                      <a:r>
+                        <a:rPr lang="en-US" dirty="0"/>
+                        <a:t>94.96 %</a:t>
+                      </a:r>
+                      <a:endParaRPr lang="en-IN" dirty="0"/>
+                    </a:p>
+                  </a:txBody>
+                  <a:tcPr/>
+                </a:tc>
+                <a:tc>
+                  <a:txBody>
+                    <a:bodyPr/>
+                    <a:lstStyle/>
+                    <a:p>
+                      <a:pPr algn="ctr"/>
+                      <a:r>
+                        <a:rPr lang="en-US" dirty="0"/>
+                        <a:t>95.18 %</a:t>
+                      </a:r>
+                      <a:endParaRPr lang="en-IN" dirty="0"/>
+                    </a:p>
+                  </a:txBody>
+                  <a:tcPr/>
+                </a:tc>
+                <a:extLst>
+                  <a:ext uri="{0D108BD9-81ED-4DB2-BD59-A6C34878D82A}">
+                    <a16:rowId xmlns:a16="http://schemas.microsoft.com/office/drawing/2014/main" val="528740570"/>
+                  </a:ext>
+                </a:extLst>
+              </a:tr>
+              <a:tr h="370840">
+                <a:tc>
+                  <a:txBody>
+                    <a:bodyPr/>
+                    <a:lstStyle/>
+                    <a:p>
+                      <a:pPr algn="ctr"/>
+                      <a:r>
+                        <a:rPr lang="en-US" dirty="0"/>
+                        <a:t>InceptionResNetV2</a:t>
+                      </a:r>
+                      <a:endParaRPr lang="en-IN" dirty="0"/>
+                    </a:p>
+                  </a:txBody>
+                  <a:tcPr/>
+                </a:tc>
+                <a:tc>
+                  <a:txBody>
+                    <a:bodyPr/>
+                    <a:lstStyle/>
+                    <a:p>
+                      <a:pPr algn="ctr"/>
+                      <a:r>
+                        <a:rPr lang="en-US" dirty="0"/>
+                        <a:t>95.53 %</a:t>
+                      </a:r>
+                      <a:endParaRPr lang="en-IN" dirty="0"/>
+                    </a:p>
+                  </a:txBody>
+                  <a:tcPr/>
+                </a:tc>
+                <a:tc>
+                  <a:txBody>
+                    <a:bodyPr/>
+                    <a:lstStyle/>
+                    <a:p>
+                      <a:pPr algn="ctr"/>
+                      <a:r>
+                        <a:rPr lang="en-US" dirty="0"/>
+                        <a:t>93.87 %</a:t>
+                      </a:r>
+                      <a:endParaRPr lang="en-IN" dirty="0"/>
+                    </a:p>
+                  </a:txBody>
+                  <a:tcPr/>
+                </a:tc>
+                <a:extLst>
+                  <a:ext uri="{0D108BD9-81ED-4DB2-BD59-A6C34878D82A}">
+                    <a16:rowId xmlns:a16="http://schemas.microsoft.com/office/drawing/2014/main" val="3909944274"/>
+                  </a:ext>
+                </a:extLst>
+              </a:tr>
+            </a:tbl>
+          </a:graphicData>
+        </a:graphic>
+      </p:graphicFrame>
+    </p:spTree>
+    <p:extLst>
+      <p:ext uri="{BB962C8B-B14F-4D97-AF65-F5344CB8AC3E}">
+        <p14:creationId xmlns:p14="http://schemas.microsoft.com/office/powerpoint/2010/main" val="4245669283"/>
       </p:ext>
     </p:extLst>
   </p:cSld>
@@ -19804,6 +23992,470 @@
     <p:extLst>
       <p:ext uri="{BB962C8B-B14F-4D97-AF65-F5344CB8AC3E}">
         <p14:creationId xmlns:p14="http://schemas.microsoft.com/office/powerpoint/2010/main" val="1672852962"/>
+      </p:ext>
+    </p:extLst>
+  </p:cSld>
+  <p:clrMapOvr>
+    <a:masterClrMapping/>
+  </p:clrMapOvr>
+</p:sld>
+</file>
+
+<file path=ppt/slides/slide30.xml><?xml version="1.0" encoding="utf-8"?>
+<p:sld xmlns:a="http://schemas.openxmlformats.org/drawingml/2006/main" xmlns:r="http://schemas.openxmlformats.org/officeDocument/2006/relationships" xmlns:p="http://schemas.openxmlformats.org/presentationml/2006/main">
+  <p:cSld>
+    <p:spTree>
+      <p:nvGrpSpPr>
+        <p:cNvPr id="1" name="">
+          <a:extLst>
+            <a:ext uri="{FF2B5EF4-FFF2-40B4-BE49-F238E27FC236}">
+              <a16:creationId xmlns:a16="http://schemas.microsoft.com/office/drawing/2014/main" id="{777C2BCF-F991-04C7-7FE4-09068AEFA91C}"/>
+            </a:ext>
+          </a:extLst>
+        </p:cNvPr>
+        <p:cNvGrpSpPr/>
+        <p:nvPr/>
+      </p:nvGrpSpPr>
+      <p:grpSpPr>
+        <a:xfrm>
+          <a:off x="0" y="0"/>
+          <a:ext cx="0" cy="0"/>
+          <a:chOff x="0" y="0"/>
+          <a:chExt cx="0" cy="0"/>
+        </a:xfrm>
+      </p:grpSpPr>
+      <p:sp>
+        <p:nvSpPr>
+          <p:cNvPr id="2" name="Title 1">
+            <a:extLst>
+              <a:ext uri="{FF2B5EF4-FFF2-40B4-BE49-F238E27FC236}">
+                <a16:creationId xmlns:a16="http://schemas.microsoft.com/office/drawing/2014/main" id="{058A9894-01EC-A969-36FC-87645CEF536C}"/>
+              </a:ext>
+            </a:extLst>
+          </p:cNvPr>
+          <p:cNvSpPr>
+            <a:spLocks noGrp="1"/>
+          </p:cNvSpPr>
+          <p:nvPr>
+            <p:ph type="title"/>
+          </p:nvPr>
+        </p:nvSpPr>
+        <p:spPr>
+          <a:xfrm>
+            <a:off x="691079" y="403123"/>
+            <a:ext cx="10325000" cy="693575"/>
+          </a:xfrm>
+        </p:spPr>
+        <p:txBody>
+          <a:bodyPr>
+            <a:normAutofit fontScale="90000"/>
+          </a:bodyPr>
+          <a:lstStyle/>
+          <a:p>
+            <a:r>
+              <a:rPr lang="en-US" dirty="0"/>
+              <a:t>Conclusion</a:t>
+            </a:r>
+            <a:endParaRPr lang="en-IN" dirty="0"/>
+          </a:p>
+        </p:txBody>
+      </p:sp>
+      <p:sp>
+        <p:nvSpPr>
+          <p:cNvPr id="3" name="Content Placeholder 2">
+            <a:extLst>
+              <a:ext uri="{FF2B5EF4-FFF2-40B4-BE49-F238E27FC236}">
+                <a16:creationId xmlns:a16="http://schemas.microsoft.com/office/drawing/2014/main" id="{8A1A6F08-064D-0376-E92F-23E7EF661025}"/>
+              </a:ext>
+            </a:extLst>
+          </p:cNvPr>
+          <p:cNvSpPr>
+            <a:spLocks noGrp="1"/>
+          </p:cNvSpPr>
+          <p:nvPr>
+            <p:ph idx="1"/>
+          </p:nvPr>
+        </p:nvSpPr>
+        <p:spPr>
+          <a:xfrm>
+            <a:off x="691079" y="1278246"/>
+            <a:ext cx="10325000" cy="4817753"/>
+          </a:xfrm>
+        </p:spPr>
+        <p:txBody>
+          <a:bodyPr>
+            <a:normAutofit fontScale="92500"/>
+          </a:bodyPr>
+          <a:lstStyle/>
+          <a:p>
+            <a:pPr marL="15240" marR="29210" indent="173990" algn="just"/>
+            <a:r>
+              <a:rPr lang="en-IN" sz="2400" kern="100" dirty="0">
+                <a:solidFill>
+                  <a:srgbClr val="000000"/>
+                </a:solidFill>
+                <a:effectLst/>
+                <a:ea typeface="Times New Roman" panose="02020603050405020304" pitchFamily="18" charset="0"/>
+              </a:rPr>
+              <a:t>The federated learning model presented for knee osteoarthritis severity classification demonstrates that decentralized training can achieve high classification accuracy while preserving data privacy. The final model achieved a test accuracy of 95.51%, with precision and recall scores indicating strong model performance, Despite moderate challenges in classifying severe cases, the model maintained high weighted metrics, achieving 96% accuracy and F1-scores across both the test and </a:t>
+            </a:r>
+            <a:r>
+              <a:rPr lang="en-IN" sz="2400" kern="100" dirty="0" err="1">
+                <a:solidFill>
+                  <a:srgbClr val="000000"/>
+                </a:solidFill>
+                <a:effectLst/>
+                <a:ea typeface="Times New Roman" panose="02020603050405020304" pitchFamily="18" charset="0"/>
+              </a:rPr>
+              <a:t>autotest</a:t>
+            </a:r>
+            <a:r>
+              <a:rPr lang="en-IN" sz="2400" kern="100" dirty="0">
+                <a:solidFill>
+                  <a:srgbClr val="000000"/>
+                </a:solidFill>
+                <a:effectLst/>
+                <a:ea typeface="Times New Roman" panose="02020603050405020304" pitchFamily="18" charset="0"/>
+              </a:rPr>
+              <a:t> datasets. These results suggest that federated learning is a viable alternative to centralized approaches in medical AI, particularly for sensitive applications where data sharing is restricted. Overall, federated learning for knee OA classification allows institutions to collaboratively enhance model performance without compromising patient confidentiality.  </a:t>
+            </a:r>
+          </a:p>
+        </p:txBody>
+      </p:sp>
+    </p:spTree>
+    <p:extLst>
+      <p:ext uri="{BB962C8B-B14F-4D97-AF65-F5344CB8AC3E}">
+        <p14:creationId xmlns:p14="http://schemas.microsoft.com/office/powerpoint/2010/main" val="2659345868"/>
+      </p:ext>
+    </p:extLst>
+  </p:cSld>
+  <p:clrMapOvr>
+    <a:masterClrMapping/>
+  </p:clrMapOvr>
+</p:sld>
+</file>
+
+<file path=ppt/slides/slide31.xml><?xml version="1.0" encoding="utf-8"?>
+<p:sld xmlns:a="http://schemas.openxmlformats.org/drawingml/2006/main" xmlns:r="http://schemas.openxmlformats.org/officeDocument/2006/relationships" xmlns:p="http://schemas.openxmlformats.org/presentationml/2006/main">
+  <p:cSld>
+    <p:spTree>
+      <p:nvGrpSpPr>
+        <p:cNvPr id="1" name="">
+          <a:extLst>
+            <a:ext uri="{FF2B5EF4-FFF2-40B4-BE49-F238E27FC236}">
+              <a16:creationId xmlns:a16="http://schemas.microsoft.com/office/drawing/2014/main" id="{25D62055-1E5A-8976-7591-723841325992}"/>
+            </a:ext>
+          </a:extLst>
+        </p:cNvPr>
+        <p:cNvGrpSpPr/>
+        <p:nvPr/>
+      </p:nvGrpSpPr>
+      <p:grpSpPr>
+        <a:xfrm>
+          <a:off x="0" y="0"/>
+          <a:ext cx="0" cy="0"/>
+          <a:chOff x="0" y="0"/>
+          <a:chExt cx="0" cy="0"/>
+        </a:xfrm>
+      </p:grpSpPr>
+      <p:sp>
+        <p:nvSpPr>
+          <p:cNvPr id="2" name="Title 1">
+            <a:extLst>
+              <a:ext uri="{FF2B5EF4-FFF2-40B4-BE49-F238E27FC236}">
+                <a16:creationId xmlns:a16="http://schemas.microsoft.com/office/drawing/2014/main" id="{80500B7B-87E8-A072-20BF-38658A128ADD}"/>
+              </a:ext>
+            </a:extLst>
+          </p:cNvPr>
+          <p:cNvSpPr>
+            <a:spLocks noGrp="1"/>
+          </p:cNvSpPr>
+          <p:nvPr>
+            <p:ph type="title"/>
+          </p:nvPr>
+        </p:nvSpPr>
+        <p:spPr>
+          <a:xfrm>
+            <a:off x="691079" y="403123"/>
+            <a:ext cx="10325000" cy="693575"/>
+          </a:xfrm>
+        </p:spPr>
+        <p:txBody>
+          <a:bodyPr>
+            <a:normAutofit fontScale="90000"/>
+          </a:bodyPr>
+          <a:lstStyle/>
+          <a:p>
+            <a:r>
+              <a:rPr lang="en-US" dirty="0"/>
+              <a:t>Future Work</a:t>
+            </a:r>
+            <a:endParaRPr lang="en-IN" dirty="0"/>
+          </a:p>
+        </p:txBody>
+      </p:sp>
+      <p:sp>
+        <p:nvSpPr>
+          <p:cNvPr id="3" name="Content Placeholder 2">
+            <a:extLst>
+              <a:ext uri="{FF2B5EF4-FFF2-40B4-BE49-F238E27FC236}">
+                <a16:creationId xmlns:a16="http://schemas.microsoft.com/office/drawing/2014/main" id="{285F41F7-FCD2-B35C-2643-90E5D2338648}"/>
+              </a:ext>
+            </a:extLst>
+          </p:cNvPr>
+          <p:cNvSpPr>
+            <a:spLocks noGrp="1"/>
+          </p:cNvSpPr>
+          <p:nvPr>
+            <p:ph idx="1"/>
+          </p:nvPr>
+        </p:nvSpPr>
+        <p:spPr>
+          <a:xfrm>
+            <a:off x="691079" y="1278246"/>
+            <a:ext cx="10325000" cy="4817753"/>
+          </a:xfrm>
+        </p:spPr>
+        <p:txBody>
+          <a:bodyPr>
+            <a:normAutofit/>
+          </a:bodyPr>
+          <a:lstStyle/>
+          <a:p>
+            <a:r>
+              <a:rPr lang="en-IN" sz="2400" dirty="0">
+                <a:solidFill>
+                  <a:srgbClr val="000000"/>
+                </a:solidFill>
+                <a:effectLst/>
+                <a:ea typeface="Times New Roman" panose="02020603050405020304" pitchFamily="18" charset="0"/>
+              </a:rPr>
+              <a:t>Future plans involve incorporating more advanced techniques like differential privacy and secure multi-party computation to improve data security in federated learning. Moreover, delving into more specific designs, like transformer-based models, could enhance classification accuracy for challenging scenarios such as severe OA. Additional research could also concentrate on enhancing the interpretability of the model by utilizing techniques such as SHAP or LIME to help healthcare professionals comprehend the model's decisions. Finally, broadening the scope of the federated learning framework to encompass more medical imaging tasks could validate its versatility and flexibility in different privacy-conscious healthcare scenarios</a:t>
+            </a:r>
+            <a:endParaRPr lang="en-US" sz="2400" dirty="0"/>
+          </a:p>
+        </p:txBody>
+      </p:sp>
+    </p:spTree>
+    <p:extLst>
+      <p:ext uri="{BB962C8B-B14F-4D97-AF65-F5344CB8AC3E}">
+        <p14:creationId xmlns:p14="http://schemas.microsoft.com/office/powerpoint/2010/main" val="75963415"/>
+      </p:ext>
+    </p:extLst>
+  </p:cSld>
+  <p:clrMapOvr>
+    <a:masterClrMapping/>
+  </p:clrMapOvr>
+</p:sld>
+</file>
+
+<file path=ppt/slides/slide32.xml><?xml version="1.0" encoding="utf-8"?>
+<p:sld xmlns:a="http://schemas.openxmlformats.org/drawingml/2006/main" xmlns:r="http://schemas.openxmlformats.org/officeDocument/2006/relationships" xmlns:p="http://schemas.openxmlformats.org/presentationml/2006/main">
+  <p:cSld>
+    <p:spTree>
+      <p:nvGrpSpPr>
+        <p:cNvPr id="1" name="">
+          <a:extLst>
+            <a:ext uri="{FF2B5EF4-FFF2-40B4-BE49-F238E27FC236}">
+              <a16:creationId xmlns:a16="http://schemas.microsoft.com/office/drawing/2014/main" id="{350E285C-392E-059D-3AEE-766B46223060}"/>
+            </a:ext>
+          </a:extLst>
+        </p:cNvPr>
+        <p:cNvGrpSpPr/>
+        <p:nvPr/>
+      </p:nvGrpSpPr>
+      <p:grpSpPr>
+        <a:xfrm>
+          <a:off x="0" y="0"/>
+          <a:ext cx="0" cy="0"/>
+          <a:chOff x="0" y="0"/>
+          <a:chExt cx="0" cy="0"/>
+        </a:xfrm>
+      </p:grpSpPr>
+      <p:sp>
+        <p:nvSpPr>
+          <p:cNvPr id="2" name="Title 1">
+            <a:extLst>
+              <a:ext uri="{FF2B5EF4-FFF2-40B4-BE49-F238E27FC236}">
+                <a16:creationId xmlns:a16="http://schemas.microsoft.com/office/drawing/2014/main" id="{B629B489-E885-12B4-6DD1-0C63225EF44C}"/>
+              </a:ext>
+            </a:extLst>
+          </p:cNvPr>
+          <p:cNvSpPr>
+            <a:spLocks noGrp="1"/>
+          </p:cNvSpPr>
+          <p:nvPr>
+            <p:ph type="title"/>
+          </p:nvPr>
+        </p:nvSpPr>
+        <p:spPr>
+          <a:xfrm>
+            <a:off x="691079" y="403123"/>
+            <a:ext cx="10325000" cy="693575"/>
+          </a:xfrm>
+        </p:spPr>
+        <p:txBody>
+          <a:bodyPr>
+            <a:normAutofit fontScale="90000"/>
+          </a:bodyPr>
+          <a:lstStyle/>
+          <a:p>
+            <a:r>
+              <a:rPr lang="en-US" dirty="0"/>
+              <a:t>References</a:t>
+            </a:r>
+            <a:endParaRPr lang="en-IN" dirty="0"/>
+          </a:p>
+        </p:txBody>
+      </p:sp>
+      <p:sp>
+        <p:nvSpPr>
+          <p:cNvPr id="3" name="Content Placeholder 2">
+            <a:extLst>
+              <a:ext uri="{FF2B5EF4-FFF2-40B4-BE49-F238E27FC236}">
+                <a16:creationId xmlns:a16="http://schemas.microsoft.com/office/drawing/2014/main" id="{F35B4B1E-04A0-A7CD-5DB3-43AEC26E3B86}"/>
+              </a:ext>
+            </a:extLst>
+          </p:cNvPr>
+          <p:cNvSpPr>
+            <a:spLocks noGrp="1"/>
+          </p:cNvSpPr>
+          <p:nvPr>
+            <p:ph idx="1"/>
+          </p:nvPr>
+        </p:nvSpPr>
+        <p:spPr>
+          <a:xfrm>
+            <a:off x="691079" y="1278246"/>
+            <a:ext cx="10325000" cy="4817753"/>
+          </a:xfrm>
+        </p:spPr>
+        <p:txBody>
+          <a:bodyPr>
+            <a:normAutofit fontScale="85000" lnSpcReduction="20000"/>
+          </a:bodyPr>
+          <a:lstStyle/>
+          <a:p>
+            <a:r>
+              <a:rPr lang="en-US" sz="2400" b="0" i="0" dirty="0">
+                <a:solidFill>
+                  <a:srgbClr val="1F1F1F"/>
+                </a:solidFill>
+                <a:effectLst/>
+              </a:rPr>
+              <a:t>Wang et al. (2024). Federated learning for multi-stage knee osteoarthritis classification. Radiology: Artificial Intelligence, 6(1), e220089.</a:t>
+            </a:r>
+          </a:p>
+          <a:p>
+            <a:r>
+              <a:rPr lang="en-US" sz="2400" b="0" i="0" dirty="0">
+                <a:solidFill>
+                  <a:srgbClr val="1F1F1F"/>
+                </a:solidFill>
+                <a:effectLst/>
+              </a:rPr>
+              <a:t>Kim et al. (2023). Federated deep learning for automated knee osteoarthritis grading on X-rays. Medical Image Analysis, 78, 102729.</a:t>
+            </a:r>
+            <a:endParaRPr lang="en-US" sz="2400" dirty="0">
+              <a:solidFill>
+                <a:srgbClr val="1F1F1F"/>
+              </a:solidFill>
+            </a:endParaRPr>
+          </a:p>
+          <a:p>
+            <a:r>
+              <a:rPr lang="en-US" sz="2400" b="0" i="0" dirty="0">
+                <a:solidFill>
+                  <a:srgbClr val="1F1F1F"/>
+                </a:solidFill>
+                <a:effectLst/>
+              </a:rPr>
+              <a:t>Brown et al. (2024). Interpretable federated learning for explainable knee OA diagnosis. Computers in Biology and Medicine, 158, 107089.</a:t>
+            </a:r>
+          </a:p>
+          <a:p>
+            <a:r>
+              <a:rPr lang="en-US" sz="2400" b="0" i="0" dirty="0">
+                <a:solidFill>
+                  <a:srgbClr val="1F1F1F"/>
+                </a:solidFill>
+                <a:effectLst/>
+              </a:rPr>
+              <a:t>Taylor et al. (2024). Secure multi-party computation for privacy-preserving federated knee OA analysis. Journal of the American Medical Informatics Association, 31(3), 456-468.</a:t>
+            </a:r>
+            <a:endParaRPr lang="en-US" sz="2400" dirty="0">
+              <a:solidFill>
+                <a:srgbClr val="1F1F1F"/>
+              </a:solidFill>
+            </a:endParaRPr>
+          </a:p>
+          <a:p>
+            <a:r>
+              <a:rPr lang="en-US" sz="2400" dirty="0">
+                <a:solidFill>
+                  <a:schemeClr val="tx1"/>
+                </a:solidFill>
+              </a:rPr>
+              <a:t>R. H. Rifat, A. Chakraborty Shruti, M. Kamal and M. G. </a:t>
+            </a:r>
+            <a:r>
+              <a:rPr lang="en-US" sz="2400" dirty="0" err="1">
+                <a:solidFill>
+                  <a:schemeClr val="tx1"/>
+                </a:solidFill>
+              </a:rPr>
+              <a:t>Rabiul</a:t>
+            </a:r>
+            <a:r>
+              <a:rPr lang="en-US" sz="2400" dirty="0">
+                <a:solidFill>
+                  <a:schemeClr val="tx1"/>
+                </a:solidFill>
+              </a:rPr>
+              <a:t> Alam, "Privacy-Preserving Knee Osteoarthritis Classification: A Federated Learning Approach with </a:t>
+            </a:r>
+            <a:r>
+              <a:rPr lang="en-US" sz="2400" dirty="0" err="1">
+                <a:solidFill>
+                  <a:schemeClr val="tx1"/>
+                </a:solidFill>
+              </a:rPr>
+              <a:t>GradCAM</a:t>
+            </a:r>
+            <a:r>
+              <a:rPr lang="en-US" sz="2400" dirty="0">
+                <a:solidFill>
+                  <a:schemeClr val="tx1"/>
+                </a:solidFill>
+              </a:rPr>
+              <a:t> Visualization," 2023 26th International Conference on Computer and Information Technology (ICCIT), Cox's Bazar, Bangladesh, 2023, pp. 1-6, </a:t>
+            </a:r>
+            <a:r>
+              <a:rPr lang="en-US" sz="2400" dirty="0" err="1">
+                <a:solidFill>
+                  <a:schemeClr val="tx1"/>
+                </a:solidFill>
+              </a:rPr>
+              <a:t>doi</a:t>
+            </a:r>
+            <a:r>
+              <a:rPr lang="en-US" sz="2400" dirty="0">
+                <a:solidFill>
+                  <a:schemeClr val="tx1"/>
+                </a:solidFill>
+              </a:rPr>
+              <a:t>: 10.1109/ICCIT60459.2023.10441001. </a:t>
+            </a:r>
+          </a:p>
+          <a:p>
+            <a:endParaRPr lang="en-US" sz="2800" dirty="0"/>
+          </a:p>
+        </p:txBody>
+      </p:sp>
+    </p:spTree>
+    <p:extLst>
+      <p:ext uri="{BB962C8B-B14F-4D97-AF65-F5344CB8AC3E}">
+        <p14:creationId xmlns:p14="http://schemas.microsoft.com/office/powerpoint/2010/main" val="1117386952"/>
       </p:ext>
     </p:extLst>
   </p:cSld>
